--- a/phase_1_aviation_analysis.pptx
+++ b/phase_1_aviation_analysis.pptx
@@ -11,10 +11,10 @@
     <p:sldId id="259" r:id="rId5"/>
     <p:sldId id="260" r:id="rId6"/>
     <p:sldId id="261" r:id="rId7"/>
-    <p:sldId id="263" r:id="rId8"/>
-    <p:sldId id="266" r:id="rId9"/>
-    <p:sldId id="265" r:id="rId10"/>
-    <p:sldId id="262" r:id="rId11"/>
+    <p:sldId id="267" r:id="rId8"/>
+    <p:sldId id="263" r:id="rId9"/>
+    <p:sldId id="266" r:id="rId10"/>
+    <p:sldId id="265" r:id="rId11"/>
     <p:sldId id="264" r:id="rId12"/>
   </p:sldIdLst>
   <p:sldSz cx="12192000" cy="6858000"/>
@@ -125,13 +125,145 @@
 <file path=ppt/revisionInfo.xml><?xml version="1.0" encoding="utf-8"?>
 <p1510:revInfo xmlns:a="http://schemas.openxmlformats.org/drawingml/2006/main" xmlns:r="http://schemas.openxmlformats.org/officeDocument/2006/relationships" xmlns:p1510="http://schemas.microsoft.com/office/powerpoint/2015/10/main">
   <p1510:revLst>
-    <p1510:client id="{F3DBB9D3-ED2A-4AAD-81A5-F9F653AC0B85}" v="141" dt="2024-02-11T15:34:27.928"/>
+    <p1510:client id="{79FCC42C-0D04-4566-8AEF-9323BAE520AF}" v="10" dt="2024-03-10T18:44:14.149"/>
   </p1510:revLst>
 </p1510:revInfo>
 </file>
 
 <file path=ppt/changesInfos/changesInfo1.xml><?xml version="1.0" encoding="utf-8"?>
 <pc:chgInfo xmlns:a="http://schemas.openxmlformats.org/drawingml/2006/main" xmlns:r="http://schemas.openxmlformats.org/officeDocument/2006/relationships" xmlns:ac="http://schemas.microsoft.com/office/drawing/2013/main/command" xmlns:pc="http://schemas.microsoft.com/office/powerpoint/2013/main/command">
+  <pc:docChgLst>
+    <pc:chgData name="Alec Schonfeld" userId="908fa86f43668255" providerId="LiveId" clId="{79FCC42C-0D04-4566-8AEF-9323BAE520AF}"/>
+    <pc:docChg chg="custSel addSld delSld modSld">
+      <pc:chgData name="Alec Schonfeld" userId="908fa86f43668255" providerId="LiveId" clId="{79FCC42C-0D04-4566-8AEF-9323BAE520AF}" dt="2024-03-10T18:45:45.124" v="441" actId="20577"/>
+      <pc:docMkLst>
+        <pc:docMk/>
+      </pc:docMkLst>
+      <pc:sldChg chg="modSp mod">
+        <pc:chgData name="Alec Schonfeld" userId="908fa86f43668255" providerId="LiveId" clId="{79FCC42C-0D04-4566-8AEF-9323BAE520AF}" dt="2024-03-10T18:40:09.959" v="25" actId="20577"/>
+        <pc:sldMkLst>
+          <pc:docMk/>
+          <pc:sldMk cId="2137380518" sldId="260"/>
+        </pc:sldMkLst>
+        <pc:spChg chg="mod">
+          <ac:chgData name="Alec Schonfeld" userId="908fa86f43668255" providerId="LiveId" clId="{79FCC42C-0D04-4566-8AEF-9323BAE520AF}" dt="2024-03-10T18:40:09.959" v="25" actId="20577"/>
+          <ac:spMkLst>
+            <pc:docMk/>
+            <pc:sldMk cId="2137380518" sldId="260"/>
+            <ac:spMk id="2" creationId="{FEB747A8-57F7-F76F-9DEB-DE8DC57FF352}"/>
+          </ac:spMkLst>
+        </pc:spChg>
+      </pc:sldChg>
+      <pc:sldChg chg="modSp mod">
+        <pc:chgData name="Alec Schonfeld" userId="908fa86f43668255" providerId="LiveId" clId="{79FCC42C-0D04-4566-8AEF-9323BAE520AF}" dt="2024-03-10T18:40:17.199" v="48" actId="20577"/>
+        <pc:sldMkLst>
+          <pc:docMk/>
+          <pc:sldMk cId="2580538052" sldId="261"/>
+        </pc:sldMkLst>
+        <pc:spChg chg="mod">
+          <ac:chgData name="Alec Schonfeld" userId="908fa86f43668255" providerId="LiveId" clId="{79FCC42C-0D04-4566-8AEF-9323BAE520AF}" dt="2024-03-10T18:40:17.199" v="48" actId="20577"/>
+          <ac:spMkLst>
+            <pc:docMk/>
+            <pc:sldMk cId="2580538052" sldId="261"/>
+            <ac:spMk id="2" creationId="{E8E86871-D07A-C740-2E01-3638F9563C41}"/>
+          </ac:spMkLst>
+        </pc:spChg>
+      </pc:sldChg>
+      <pc:sldChg chg="del">
+        <pc:chgData name="Alec Schonfeld" userId="908fa86f43668255" providerId="LiveId" clId="{79FCC42C-0D04-4566-8AEF-9323BAE520AF}" dt="2024-03-10T18:40:56.752" v="49" actId="47"/>
+        <pc:sldMkLst>
+          <pc:docMk/>
+          <pc:sldMk cId="1822905955" sldId="262"/>
+        </pc:sldMkLst>
+      </pc:sldChg>
+      <pc:sldChg chg="addSp modSp mod">
+        <pc:chgData name="Alec Schonfeld" userId="908fa86f43668255" providerId="LiveId" clId="{79FCC42C-0D04-4566-8AEF-9323BAE520AF}" dt="2024-03-10T18:45:45.124" v="441" actId="20577"/>
+        <pc:sldMkLst>
+          <pc:docMk/>
+          <pc:sldMk cId="2727117123" sldId="264"/>
+        </pc:sldMkLst>
+        <pc:spChg chg="add mod">
+          <ac:chgData name="Alec Schonfeld" userId="908fa86f43668255" providerId="LiveId" clId="{79FCC42C-0D04-4566-8AEF-9323BAE520AF}" dt="2024-03-10T18:41:14.634" v="68" actId="5793"/>
+          <ac:spMkLst>
+            <pc:docMk/>
+            <pc:sldMk cId="2727117123" sldId="264"/>
+            <ac:spMk id="2" creationId="{99EB45DD-91EF-0BB4-0FFE-242F59E57CF3}"/>
+          </ac:spMkLst>
+        </pc:spChg>
+        <pc:spChg chg="add mod">
+          <ac:chgData name="Alec Schonfeld" userId="908fa86f43668255" providerId="LiveId" clId="{79FCC42C-0D04-4566-8AEF-9323BAE520AF}" dt="2024-03-10T18:45:45.124" v="441" actId="20577"/>
+          <ac:spMkLst>
+            <pc:docMk/>
+            <pc:sldMk cId="2727117123" sldId="264"/>
+            <ac:spMk id="3" creationId="{4B9F00F4-9D93-2110-F8BE-64592DAD8C04}"/>
+          </ac:spMkLst>
+        </pc:spChg>
+      </pc:sldChg>
+      <pc:sldChg chg="addSp delSp modSp new mod">
+        <pc:chgData name="Alec Schonfeld" userId="908fa86f43668255" providerId="LiveId" clId="{79FCC42C-0D04-4566-8AEF-9323BAE520AF}" dt="2024-03-10T18:44:43.602" v="254" actId="20577"/>
+        <pc:sldMkLst>
+          <pc:docMk/>
+          <pc:sldMk cId="2556941312" sldId="267"/>
+        </pc:sldMkLst>
+        <pc:spChg chg="mod">
+          <ac:chgData name="Alec Schonfeld" userId="908fa86f43668255" providerId="LiveId" clId="{79FCC42C-0D04-4566-8AEF-9323BAE520AF}" dt="2024-03-10T18:44:03.448" v="147" actId="20577"/>
+          <ac:spMkLst>
+            <pc:docMk/>
+            <pc:sldMk cId="2556941312" sldId="267"/>
+            <ac:spMk id="2" creationId="{8558DD5D-71E8-81DB-1686-8E9E4DE5D74C}"/>
+          </ac:spMkLst>
+        </pc:spChg>
+        <pc:spChg chg="del">
+          <ac:chgData name="Alec Schonfeld" userId="908fa86f43668255" providerId="LiveId" clId="{79FCC42C-0D04-4566-8AEF-9323BAE520AF}" dt="2024-03-10T18:43:54.839" v="117" actId="478"/>
+          <ac:spMkLst>
+            <pc:docMk/>
+            <pc:sldMk cId="2556941312" sldId="267"/>
+            <ac:spMk id="3" creationId="{22317F8A-DBE8-01DE-10D8-5B17A08FBA92}"/>
+          </ac:spMkLst>
+        </pc:spChg>
+        <pc:spChg chg="add mod">
+          <ac:chgData name="Alec Schonfeld" userId="908fa86f43668255" providerId="LiveId" clId="{79FCC42C-0D04-4566-8AEF-9323BAE520AF}" dt="2024-03-10T18:44:24.569" v="168" actId="20577"/>
+          <ac:spMkLst>
+            <pc:docMk/>
+            <pc:sldMk cId="2556941312" sldId="267"/>
+            <ac:spMk id="4" creationId="{9A7B8CC0-C8AF-9704-74B9-691C1210E8C3}"/>
+          </ac:spMkLst>
+        </pc:spChg>
+        <pc:spChg chg="add mod">
+          <ac:chgData name="Alec Schonfeld" userId="908fa86f43668255" providerId="LiveId" clId="{79FCC42C-0D04-4566-8AEF-9323BAE520AF}" dt="2024-03-10T18:44:10.239" v="148"/>
+          <ac:spMkLst>
+            <pc:docMk/>
+            <pc:sldMk cId="2556941312" sldId="267"/>
+            <ac:spMk id="5" creationId="{4BE9D9AA-F923-9CAC-E4B5-8CF991568193}"/>
+          </ac:spMkLst>
+        </pc:spChg>
+        <pc:spChg chg="add mod">
+          <ac:chgData name="Alec Schonfeld" userId="908fa86f43668255" providerId="LiveId" clId="{79FCC42C-0D04-4566-8AEF-9323BAE520AF}" dt="2024-03-10T18:44:43.602" v="254" actId="20577"/>
+          <ac:spMkLst>
+            <pc:docMk/>
+            <pc:sldMk cId="2556941312" sldId="267"/>
+            <ac:spMk id="6" creationId="{878EC49A-E3D9-9E21-F38D-7F07D6854C87}"/>
+          </ac:spMkLst>
+        </pc:spChg>
+        <pc:spChg chg="add mod">
+          <ac:chgData name="Alec Schonfeld" userId="908fa86f43668255" providerId="LiveId" clId="{79FCC42C-0D04-4566-8AEF-9323BAE520AF}" dt="2024-03-10T18:44:10.239" v="148"/>
+          <ac:spMkLst>
+            <pc:docMk/>
+            <pc:sldMk cId="2556941312" sldId="267"/>
+            <ac:spMk id="7" creationId="{C3964A42-2C12-43D9-267B-A18E654FA2C9}"/>
+          </ac:spMkLst>
+        </pc:spChg>
+        <pc:picChg chg="add mod">
+          <ac:chgData name="Alec Schonfeld" userId="908fa86f43668255" providerId="LiveId" clId="{79FCC42C-0D04-4566-8AEF-9323BAE520AF}" dt="2024-03-10T18:44:14.148" v="149" actId="1076"/>
+          <ac:picMkLst>
+            <pc:docMk/>
+            <pc:sldMk cId="2556941312" sldId="267"/>
+            <ac:picMk id="1026" creationId="{5D750342-9188-44A7-4790-ED4802A88F25}"/>
+          </ac:picMkLst>
+        </pc:picChg>
+      </pc:sldChg>
+    </pc:docChg>
+  </pc:docChgLst>
   <pc:docChgLst>
     <pc:chgData name="Alec Schonfeld" userId="908fa86f43668255" providerId="LiveId" clId="{F3DBB9D3-ED2A-4AAD-81A5-F9F653AC0B85}"/>
     <pc:docChg chg="undo custSel addSld delSld modSld sldOrd">
@@ -1419,7 +1551,7 @@
           <a:p>
             <a:fld id="{7CF0BCE0-945C-4FDF-95A1-2149B1FF5B83}" type="datetimeFigureOut">
               <a:rPr lang="en-US" smtClean="0"/>
-              <a:t>2/11/2024</a:t>
+              <a:t>3/10/2024</a:t>
             </a:fld>
             <a:endParaRPr lang="en-US"/>
           </a:p>
@@ -2146,7 +2278,7 @@
           <a:p>
             <a:fld id="{7CF0BCE0-945C-4FDF-95A1-2149B1FF5B83}" type="datetimeFigureOut">
               <a:rPr lang="en-US" smtClean="0"/>
-              <a:t>2/11/2024</a:t>
+              <a:t>3/10/2024</a:t>
             </a:fld>
             <a:endParaRPr lang="en-US"/>
           </a:p>
@@ -3019,7 +3151,7 @@
           <a:p>
             <a:fld id="{7CF0BCE0-945C-4FDF-95A1-2149B1FF5B83}" type="datetimeFigureOut">
               <a:rPr lang="en-US" smtClean="0"/>
-              <a:t>2/11/2024</a:t>
+              <a:t>3/10/2024</a:t>
             </a:fld>
             <a:endParaRPr lang="en-US"/>
           </a:p>
@@ -3733,7 +3865,7 @@
           <a:p>
             <a:fld id="{7CF0BCE0-945C-4FDF-95A1-2149B1FF5B83}" type="datetimeFigureOut">
               <a:rPr lang="en-US" smtClean="0"/>
-              <a:t>2/11/2024</a:t>
+              <a:t>3/10/2024</a:t>
             </a:fld>
             <a:endParaRPr lang="en-US"/>
           </a:p>
@@ -4443,7 +4575,7 @@
           <a:p>
             <a:fld id="{7CF0BCE0-945C-4FDF-95A1-2149B1FF5B83}" type="datetimeFigureOut">
               <a:rPr lang="en-US" smtClean="0"/>
-              <a:t>2/11/2024</a:t>
+              <a:t>3/10/2024</a:t>
             </a:fld>
             <a:endParaRPr lang="en-US" dirty="0"/>
           </a:p>
@@ -5380,7 +5512,7 @@
           <a:p>
             <a:fld id="{7CF0BCE0-945C-4FDF-95A1-2149B1FF5B83}" type="datetimeFigureOut">
               <a:rPr lang="en-US" smtClean="0"/>
-              <a:t>2/11/2024</a:t>
+              <a:t>3/10/2024</a:t>
             </a:fld>
             <a:endParaRPr lang="en-US"/>
           </a:p>
@@ -6600,7 +6732,7 @@
           <a:p>
             <a:fld id="{7CF0BCE0-945C-4FDF-95A1-2149B1FF5B83}" type="datetimeFigureOut">
               <a:rPr lang="en-US" smtClean="0"/>
-              <a:t>2/11/2024</a:t>
+              <a:t>3/10/2024</a:t>
             </a:fld>
             <a:endParaRPr lang="en-US"/>
           </a:p>
@@ -7266,7 +7398,7 @@
           <a:p>
             <a:fld id="{7CF0BCE0-945C-4FDF-95A1-2149B1FF5B83}" type="datetimeFigureOut">
               <a:rPr lang="en-US" smtClean="0"/>
-              <a:t>2/11/2024</a:t>
+              <a:t>3/10/2024</a:t>
             </a:fld>
             <a:endParaRPr lang="en-US"/>
           </a:p>
@@ -8035,7 +8167,7 @@
           <a:p>
             <a:fld id="{7CF0BCE0-945C-4FDF-95A1-2149B1FF5B83}" type="datetimeFigureOut">
               <a:rPr lang="en-US" smtClean="0"/>
-              <a:t>2/11/2024</a:t>
+              <a:t>3/10/2024</a:t>
             </a:fld>
             <a:endParaRPr lang="en-US"/>
           </a:p>
@@ -9147,7 +9279,7 @@
           <a:p>
             <a:fld id="{7CF0BCE0-945C-4FDF-95A1-2149B1FF5B83}" type="datetimeFigureOut">
               <a:rPr lang="en-US" smtClean="0"/>
-              <a:t>2/11/2024</a:t>
+              <a:t>3/10/2024</a:t>
             </a:fld>
             <a:endParaRPr lang="en-US"/>
           </a:p>
@@ -9955,7 +10087,7 @@
           <a:p>
             <a:fld id="{7CF0BCE0-945C-4FDF-95A1-2149B1FF5B83}" type="datetimeFigureOut">
               <a:rPr lang="en-US" smtClean="0"/>
-              <a:t>2/11/2024</a:t>
+              <a:t>3/10/2024</a:t>
             </a:fld>
             <a:endParaRPr lang="en-US"/>
           </a:p>
@@ -10239,7 +10371,7 @@
             <a:fld id="{7CF0BCE0-945C-4FDF-95A1-2149B1FF5B83}" type="datetimeFigureOut">
               <a:rPr lang="en-US" smtClean="0"/>
               <a:pPr algn="r"/>
-              <a:t>2/11/2024</a:t>
+              <a:t>3/10/2024</a:t>
             </a:fld>
             <a:endParaRPr lang="en-US" dirty="0"/>
           </a:p>
@@ -11690,7 +11822,7 @@
           <p:cNvPr id="2" name="Title 1">
             <a:extLst>
               <a:ext uri="{FF2B5EF4-FFF2-40B4-BE49-F238E27FC236}">
-                <a16:creationId xmlns:a16="http://schemas.microsoft.com/office/drawing/2014/main" id="{ABE788DD-0757-8AC8-62E7-76189683A55D}"/>
+                <a16:creationId xmlns:a16="http://schemas.microsoft.com/office/drawing/2014/main" id="{6B83052D-B66D-B978-A98F-B1F510F0740D}"/>
               </a:ext>
             </a:extLst>
           </p:cNvPr>
@@ -11708,17 +11840,17 @@
           <a:p>
             <a:r>
               <a:rPr lang="en-US" dirty="0"/>
-              <a:t>Accidents Over Time</a:t>
+              <a:t>Boeing Analysis</a:t>
             </a:r>
           </a:p>
         </p:txBody>
       </p:sp>
       <p:pic>
         <p:nvPicPr>
-          <p:cNvPr id="4098" name="Picture 2">
+          <p:cNvPr id="2052" name="Picture 4">
             <a:extLst>
               <a:ext uri="{FF2B5EF4-FFF2-40B4-BE49-F238E27FC236}">
-                <a16:creationId xmlns:a16="http://schemas.microsoft.com/office/drawing/2014/main" id="{508B89CE-DC25-4417-687E-2185177C7FA8}"/>
+                <a16:creationId xmlns:a16="http://schemas.microsoft.com/office/drawing/2014/main" id="{A3D27C65-F8EF-D668-8299-6CA4B084B754}"/>
               </a:ext>
             </a:extLst>
           </p:cNvPr>
@@ -11742,8 +11874,8 @@
         </p:blipFill>
         <p:spPr bwMode="auto">
           <a:xfrm>
-            <a:off x="540000" y="2149571"/>
-            <a:ext cx="6011269" cy="3613918"/>
+            <a:off x="540000" y="2256694"/>
+            <a:ext cx="6440646" cy="3838365"/>
           </a:xfrm>
           <a:prstGeom prst="rect">
             <a:avLst/>
@@ -11765,7 +11897,7 @@
           <p:cNvPr id="4" name="Rectangle 3">
             <a:extLst>
               <a:ext uri="{FF2B5EF4-FFF2-40B4-BE49-F238E27FC236}">
-                <a16:creationId xmlns:a16="http://schemas.microsoft.com/office/drawing/2014/main" id="{578BD5FE-19CE-A792-396E-5E5A9F508BB8}"/>
+                <a16:creationId xmlns:a16="http://schemas.microsoft.com/office/drawing/2014/main" id="{34D4D2F3-5761-2B92-674A-848DA794F65C}"/>
               </a:ext>
             </a:extLst>
           </p:cNvPr>
@@ -11774,8 +11906,8 @@
         </p:nvSpPr>
         <p:spPr>
           <a:xfrm>
-            <a:off x="540000" y="1754008"/>
-            <a:ext cx="6011269" cy="395563"/>
+            <a:off x="540000" y="1861131"/>
+            <a:ext cx="6440646" cy="395563"/>
           </a:xfrm>
           <a:prstGeom prst="rect">
             <a:avLst/>
@@ -11785,7 +11917,6 @@
               <a:lumMod val="50000"/>
             </a:schemeClr>
           </a:solidFill>
-          <a:effectLst/>
         </p:spPr>
         <p:style>
           <a:lnRef idx="2">
@@ -11810,17 +11941,17 @@
             <a:pPr algn="ctr"/>
             <a:r>
               <a:rPr lang="en-US" b="1" dirty="0"/>
-              <a:t>Aircraft Accidents By Year </a:t>
+              <a:t>Boeing Aircraft Damage % By Model</a:t>
             </a:r>
           </a:p>
         </p:txBody>
       </p:sp>
       <p:sp>
         <p:nvSpPr>
-          <p:cNvPr id="3" name="Rectangle 2">
+          <p:cNvPr id="5" name="Rectangle 4">
             <a:extLst>
               <a:ext uri="{FF2B5EF4-FFF2-40B4-BE49-F238E27FC236}">
-                <a16:creationId xmlns:a16="http://schemas.microsoft.com/office/drawing/2014/main" id="{26C04C6E-2635-B262-DCEF-4E83C97A147B}"/>
+                <a16:creationId xmlns:a16="http://schemas.microsoft.com/office/drawing/2014/main" id="{63FD591D-0C76-67D2-64EE-6475FAF7EC6F}"/>
               </a:ext>
             </a:extLst>
           </p:cNvPr>
@@ -11829,8 +11960,8 @@
         </p:nvSpPr>
         <p:spPr>
           <a:xfrm>
-            <a:off x="6832121" y="1863142"/>
-            <a:ext cx="4657179" cy="2904390"/>
+            <a:off x="7228936" y="1863142"/>
+            <a:ext cx="4260364" cy="2904390"/>
           </a:xfrm>
           <a:prstGeom prst="rect">
             <a:avLst/>
@@ -11878,10 +12009,10 @@
       </p:sp>
       <p:sp>
         <p:nvSpPr>
-          <p:cNvPr id="5" name="TextBox 4">
+          <p:cNvPr id="6" name="TextBox 5">
             <a:extLst>
               <a:ext uri="{FF2B5EF4-FFF2-40B4-BE49-F238E27FC236}">
-                <a16:creationId xmlns:a16="http://schemas.microsoft.com/office/drawing/2014/main" id="{35420D64-BAC0-7CAF-AD5D-453C66A66199}"/>
+                <a16:creationId xmlns:a16="http://schemas.microsoft.com/office/drawing/2014/main" id="{AA501F71-E279-FFA6-8CDB-B1E032E053A1}"/>
               </a:ext>
             </a:extLst>
           </p:cNvPr>
@@ -11890,8 +12021,8 @@
         </p:nvSpPr>
         <p:spPr>
           <a:xfrm>
-            <a:off x="6946578" y="2416483"/>
-            <a:ext cx="4440290" cy="1600438"/>
+            <a:off x="7333640" y="2416483"/>
+            <a:ext cx="4155660" cy="2246769"/>
           </a:xfrm>
           <a:prstGeom prst="rect">
             <a:avLst/>
@@ -11917,7 +12048,7 @@
                   <a:sysClr val="windowText" lastClr="000000"/>
                 </a:solidFill>
               </a:rPr>
-              <a:t>Aircraft accidents per year have significantly decreased even as the number of flights has increased</a:t>
+              <a:t>The 777 model has the highest % of minor damage </a:t>
             </a:r>
           </a:p>
           <a:p>
@@ -11928,11 +12059,31 @@
               <a:buFont typeface="Arial" panose="020B0604020202020204" pitchFamily="34" charset="0"/>
               <a:buChar char="•"/>
             </a:pPr>
-            <a:endParaRPr lang="en-US" sz="1400" dirty="0">
-              <a:solidFill>
-                <a:sysClr val="windowText" lastClr="000000"/>
-              </a:solidFill>
-            </a:endParaRPr>
+            <a:r>
+              <a:rPr lang="en-US" sz="1400" dirty="0">
+                <a:solidFill>
+                  <a:sysClr val="windowText" lastClr="000000"/>
+                </a:solidFill>
+              </a:rPr>
+              <a:t>A75N1 model has the highest substantial damage %</a:t>
+            </a:r>
+          </a:p>
+          <a:p>
+            <a:pPr marL="285750" indent="-285750">
+              <a:lnSpc>
+                <a:spcPct val="150000"/>
+              </a:lnSpc>
+              <a:buFont typeface="Arial" panose="020B0604020202020204" pitchFamily="34" charset="0"/>
+              <a:buChar char="•"/>
+            </a:pPr>
+            <a:r>
+              <a:rPr lang="en-US" sz="1400" dirty="0">
+                <a:solidFill>
+                  <a:sysClr val="windowText" lastClr="000000"/>
+                </a:solidFill>
+              </a:rPr>
+              <a:t>The 737-200 model has the highest destroyed %</a:t>
+            </a:r>
           </a:p>
           <a:p>
             <a:pPr marL="285750" indent="-285750">
@@ -11949,10 +12100,10 @@
       </p:sp>
       <p:sp>
         <p:nvSpPr>
-          <p:cNvPr id="6" name="Rectangle 5">
+          <p:cNvPr id="7" name="Rectangle 6">
             <a:extLst>
               <a:ext uri="{FF2B5EF4-FFF2-40B4-BE49-F238E27FC236}">
-                <a16:creationId xmlns:a16="http://schemas.microsoft.com/office/drawing/2014/main" id="{8EE19AC4-DB23-6727-A34D-E33FE2FC0854}"/>
+                <a16:creationId xmlns:a16="http://schemas.microsoft.com/office/drawing/2014/main" id="{DB0969C0-EDD7-8F13-173F-B29EE5898FCE}"/>
               </a:ext>
             </a:extLst>
           </p:cNvPr>
@@ -11961,8 +12112,8 @@
         </p:nvSpPr>
         <p:spPr>
           <a:xfrm>
-            <a:off x="6832121" y="1863141"/>
-            <a:ext cx="4657179" cy="395563"/>
+            <a:off x="7228936" y="1863141"/>
+            <a:ext cx="4260364" cy="395563"/>
           </a:xfrm>
           <a:prstGeom prst="rect">
             <a:avLst/>
@@ -12004,7 +12155,7 @@
     </p:spTree>
     <p:extLst>
       <p:ext uri="{BB962C8B-B14F-4D97-AF65-F5344CB8AC3E}">
-        <p14:creationId xmlns:p14="http://schemas.microsoft.com/office/powerpoint/2010/main" val="1822905955"/>
+        <p14:creationId xmlns:p14="http://schemas.microsoft.com/office/powerpoint/2010/main" val="3893639157"/>
       </p:ext>
     </p:extLst>
   </p:cSld>
@@ -12031,6 +12182,75 @@
           <a:chExt cx="0" cy="0"/>
         </a:xfrm>
       </p:grpSpPr>
+      <p:sp>
+        <p:nvSpPr>
+          <p:cNvPr id="2" name="Title 1">
+            <a:extLst>
+              <a:ext uri="{FF2B5EF4-FFF2-40B4-BE49-F238E27FC236}">
+                <a16:creationId xmlns:a16="http://schemas.microsoft.com/office/drawing/2014/main" id="{99EB45DD-91EF-0BB4-0FFE-242F59E57CF3}"/>
+              </a:ext>
+            </a:extLst>
+          </p:cNvPr>
+          <p:cNvSpPr>
+            <a:spLocks noGrp="1"/>
+          </p:cNvSpPr>
+          <p:nvPr>
+            <p:ph type="title"/>
+          </p:nvPr>
+        </p:nvSpPr>
+        <p:spPr>
+          <a:xfrm>
+            <a:off x="540000" y="540000"/>
+            <a:ext cx="11101135" cy="1013901"/>
+          </a:xfrm>
+        </p:spPr>
+        <p:txBody>
+          <a:bodyPr/>
+          <a:lstStyle/>
+          <a:p>
+            <a:r>
+              <a:rPr lang="en-US" dirty="0"/>
+              <a:t>Recommendations </a:t>
+            </a:r>
+          </a:p>
+        </p:txBody>
+      </p:sp>
+      <p:sp>
+        <p:nvSpPr>
+          <p:cNvPr id="3" name="Content Placeholder 2">
+            <a:extLst>
+              <a:ext uri="{FF2B5EF4-FFF2-40B4-BE49-F238E27FC236}">
+                <a16:creationId xmlns:a16="http://schemas.microsoft.com/office/drawing/2014/main" id="{4B9F00F4-9D93-2110-F8BE-64592DAD8C04}"/>
+              </a:ext>
+            </a:extLst>
+          </p:cNvPr>
+          <p:cNvSpPr>
+            <a:spLocks noGrp="1"/>
+          </p:cNvSpPr>
+          <p:nvPr>
+            <p:ph idx="1"/>
+          </p:nvPr>
+        </p:nvSpPr>
+        <p:spPr>
+          <a:xfrm>
+            <a:off x="540000" y="1892061"/>
+            <a:ext cx="11101136" cy="4416664"/>
+          </a:xfrm>
+        </p:spPr>
+        <p:txBody>
+          <a:bodyPr/>
+          <a:lstStyle/>
+          <a:p>
+            <a:pPr marL="0" indent="0">
+              <a:buNone/>
+            </a:pPr>
+            <a:r>
+              <a:rPr lang="en-US" dirty="0"/>
+              <a:t>Based on the data we recommend using Boeing 777 and 747 models for this venture. Due to Boeing having the safest and most durable planes we believe it is the safest bet.  </a:t>
+            </a:r>
+          </a:p>
+        </p:txBody>
+      </p:sp>
     </p:spTree>
     <p:extLst>
       <p:ext uri="{BB962C8B-B14F-4D97-AF65-F5344CB8AC3E}">
@@ -13100,7 +13320,7 @@
           <a:p>
             <a:r>
               <a:rPr lang="en-US" dirty="0"/>
-              <a:t>Data Analysis (1/x)</a:t>
+              <a:t>Aircraft Damage by Model</a:t>
             </a:r>
           </a:p>
         </p:txBody>
@@ -13466,7 +13686,7 @@
           <a:p>
             <a:r>
               <a:rPr lang="en-US" dirty="0"/>
-              <a:t>Data Analysis (2/x)</a:t>
+              <a:t>Aircraft Damage by Make</a:t>
             </a:r>
           </a:p>
         </p:txBody>
@@ -13809,6 +14029,338 @@
 </file>
 
 <file path=ppt/slides/slide7.xml><?xml version="1.0" encoding="utf-8"?>
+<p:sld xmlns:a="http://schemas.openxmlformats.org/drawingml/2006/main" xmlns:r="http://schemas.openxmlformats.org/officeDocument/2006/relationships" xmlns:p="http://schemas.openxmlformats.org/presentationml/2006/main">
+  <p:cSld>
+    <p:spTree>
+      <p:nvGrpSpPr>
+        <p:cNvPr id="1" name=""/>
+        <p:cNvGrpSpPr/>
+        <p:nvPr/>
+      </p:nvGrpSpPr>
+      <p:grpSpPr>
+        <a:xfrm>
+          <a:off x="0" y="0"/>
+          <a:ext cx="0" cy="0"/>
+          <a:chOff x="0" y="0"/>
+          <a:chExt cx="0" cy="0"/>
+        </a:xfrm>
+      </p:grpSpPr>
+      <p:sp>
+        <p:nvSpPr>
+          <p:cNvPr id="2" name="Title 1">
+            <a:extLst>
+              <a:ext uri="{FF2B5EF4-FFF2-40B4-BE49-F238E27FC236}">
+                <a16:creationId xmlns:a16="http://schemas.microsoft.com/office/drawing/2014/main" id="{8558DD5D-71E8-81DB-1686-8E9E4DE5D74C}"/>
+              </a:ext>
+            </a:extLst>
+          </p:cNvPr>
+          <p:cNvSpPr>
+            <a:spLocks noGrp="1"/>
+          </p:cNvSpPr>
+          <p:nvPr>
+            <p:ph type="title"/>
+          </p:nvPr>
+        </p:nvSpPr>
+        <p:spPr/>
+        <p:txBody>
+          <a:bodyPr/>
+          <a:lstStyle/>
+          <a:p>
+            <a:r>
+              <a:rPr lang="en-US" dirty="0"/>
+              <a:t>Aircraft Injuries by Make</a:t>
+            </a:r>
+          </a:p>
+        </p:txBody>
+      </p:sp>
+      <p:pic>
+        <p:nvPicPr>
+          <p:cNvPr id="1026" name="Picture 2">
+            <a:extLst>
+              <a:ext uri="{FF2B5EF4-FFF2-40B4-BE49-F238E27FC236}">
+                <a16:creationId xmlns:a16="http://schemas.microsoft.com/office/drawing/2014/main" id="{5D750342-9188-44A7-4790-ED4802A88F25}"/>
+              </a:ext>
+            </a:extLst>
+          </p:cNvPr>
+          <p:cNvPicPr>
+            <a:picLocks noChangeAspect="1" noChangeArrowheads="1"/>
+          </p:cNvPicPr>
+          <p:nvPr/>
+        </p:nvPicPr>
+        <p:blipFill>
+          <a:blip r:embed="rId2">
+            <a:extLst>
+              <a:ext uri="{28A0092B-C50C-407E-A947-70E740481C1C}">
+                <a14:useLocalDpi xmlns:a14="http://schemas.microsoft.com/office/drawing/2010/main" val="0"/>
+              </a:ext>
+            </a:extLst>
+          </a:blip>
+          <a:srcRect/>
+          <a:stretch>
+            <a:fillRect/>
+          </a:stretch>
+        </p:blipFill>
+        <p:spPr bwMode="auto">
+          <a:xfrm>
+            <a:off x="540000" y="2332346"/>
+            <a:ext cx="5488862" cy="3492261"/>
+          </a:xfrm>
+          <a:prstGeom prst="rect">
+            <a:avLst/>
+          </a:prstGeom>
+          <a:noFill/>
+          <a:extLst>
+            <a:ext uri="{909E8E84-426E-40DD-AFC4-6F175D3DCCD1}">
+              <a14:hiddenFill xmlns:a14="http://schemas.microsoft.com/office/drawing/2010/main">
+                <a:solidFill>
+                  <a:srgbClr val="FFFFFF"/>
+                </a:solidFill>
+              </a14:hiddenFill>
+            </a:ext>
+          </a:extLst>
+        </p:spPr>
+      </p:pic>
+      <p:sp>
+        <p:nvSpPr>
+          <p:cNvPr id="4" name="Rectangle 3">
+            <a:extLst>
+              <a:ext uri="{FF2B5EF4-FFF2-40B4-BE49-F238E27FC236}">
+                <a16:creationId xmlns:a16="http://schemas.microsoft.com/office/drawing/2014/main" id="{9A7B8CC0-C8AF-9704-74B9-691C1210E8C3}"/>
+              </a:ext>
+            </a:extLst>
+          </p:cNvPr>
+          <p:cNvSpPr/>
+          <p:nvPr/>
+        </p:nvSpPr>
+        <p:spPr>
+          <a:xfrm>
+            <a:off x="540000" y="1936783"/>
+            <a:ext cx="5488862" cy="395563"/>
+          </a:xfrm>
+          <a:prstGeom prst="rect">
+            <a:avLst/>
+          </a:prstGeom>
+          <a:solidFill>
+            <a:schemeClr val="tx1">
+              <a:lumMod val="50000"/>
+            </a:schemeClr>
+          </a:solidFill>
+          <a:effectLst/>
+        </p:spPr>
+        <p:style>
+          <a:lnRef idx="2">
+            <a:schemeClr val="accent1">
+              <a:shade val="15000"/>
+            </a:schemeClr>
+          </a:lnRef>
+          <a:fillRef idx="1">
+            <a:schemeClr val="accent1"/>
+          </a:fillRef>
+          <a:effectRef idx="0">
+            <a:schemeClr val="accent1"/>
+          </a:effectRef>
+          <a:fontRef idx="minor">
+            <a:schemeClr val="lt1"/>
+          </a:fontRef>
+        </p:style>
+        <p:txBody>
+          <a:bodyPr rtlCol="0" anchor="ctr"/>
+          <a:lstStyle/>
+          <a:p>
+            <a:pPr algn="ctr"/>
+            <a:r>
+              <a:rPr lang="en-US" b="1" dirty="0"/>
+              <a:t>Aircraft Injuries by Model</a:t>
+            </a:r>
+          </a:p>
+        </p:txBody>
+      </p:sp>
+      <p:sp>
+        <p:nvSpPr>
+          <p:cNvPr id="5" name="Rectangle 4">
+            <a:extLst>
+              <a:ext uri="{FF2B5EF4-FFF2-40B4-BE49-F238E27FC236}">
+                <a16:creationId xmlns:a16="http://schemas.microsoft.com/office/drawing/2014/main" id="{4BE9D9AA-F923-9CAC-E4B5-8CF991568193}"/>
+              </a:ext>
+            </a:extLst>
+          </p:cNvPr>
+          <p:cNvSpPr/>
+          <p:nvPr/>
+        </p:nvSpPr>
+        <p:spPr>
+          <a:xfrm>
+            <a:off x="6469039" y="1863142"/>
+            <a:ext cx="5020261" cy="2616843"/>
+          </a:xfrm>
+          <a:prstGeom prst="rect">
+            <a:avLst/>
+          </a:prstGeom>
+          <a:solidFill>
+            <a:schemeClr val="tx1"/>
+          </a:solidFill>
+          <a:ln>
+            <a:solidFill>
+              <a:schemeClr val="bg1"/>
+            </a:solidFill>
+          </a:ln>
+          <a:effectLst>
+            <a:outerShdw blurRad="63500" sx="102000" sy="102000" algn="ctr" rotWithShape="0">
+              <a:prstClr val="black">
+                <a:alpha val="40000"/>
+              </a:prstClr>
+            </a:outerShdw>
+          </a:effectLst>
+        </p:spPr>
+        <p:style>
+          <a:lnRef idx="2">
+            <a:schemeClr val="accent1">
+              <a:shade val="15000"/>
+            </a:schemeClr>
+          </a:lnRef>
+          <a:fillRef idx="1">
+            <a:schemeClr val="accent1"/>
+          </a:fillRef>
+          <a:effectRef idx="0">
+            <a:schemeClr val="accent1"/>
+          </a:effectRef>
+          <a:fontRef idx="minor">
+            <a:schemeClr val="lt1"/>
+          </a:fontRef>
+        </p:style>
+        <p:txBody>
+          <a:bodyPr rtlCol="0" anchor="ctr"/>
+          <a:lstStyle/>
+          <a:p>
+            <a:pPr algn="ctr"/>
+            <a:endParaRPr lang="en-US" dirty="0"/>
+          </a:p>
+        </p:txBody>
+      </p:sp>
+      <p:sp>
+        <p:nvSpPr>
+          <p:cNvPr id="6" name="TextBox 5">
+            <a:extLst>
+              <a:ext uri="{FF2B5EF4-FFF2-40B4-BE49-F238E27FC236}">
+                <a16:creationId xmlns:a16="http://schemas.microsoft.com/office/drawing/2014/main" id="{878EC49A-E3D9-9E21-F38D-7F07D6854C87}"/>
+              </a:ext>
+            </a:extLst>
+          </p:cNvPr>
+          <p:cNvSpPr txBox="1"/>
+          <p:nvPr/>
+        </p:nvSpPr>
+        <p:spPr>
+          <a:xfrm>
+            <a:off x="6662252" y="2416483"/>
+            <a:ext cx="4435523" cy="954107"/>
+          </a:xfrm>
+          <a:prstGeom prst="rect">
+            <a:avLst/>
+          </a:prstGeom>
+          <a:noFill/>
+        </p:spPr>
+        <p:txBody>
+          <a:bodyPr wrap="square" rtlCol="0">
+            <a:spAutoFit/>
+          </a:bodyPr>
+          <a:lstStyle/>
+          <a:p>
+            <a:pPr marL="285750" indent="-285750">
+              <a:lnSpc>
+                <a:spcPct val="150000"/>
+              </a:lnSpc>
+              <a:buFont typeface="Arial" panose="020B0604020202020204" pitchFamily="34" charset="0"/>
+              <a:buChar char="•"/>
+            </a:pPr>
+            <a:r>
+              <a:rPr lang="en-US" sz="1400" dirty="0">
+                <a:solidFill>
+                  <a:sysClr val="windowText" lastClr="000000"/>
+                </a:solidFill>
+              </a:rPr>
+              <a:t>There is little difference in percentage of types of injuries across models</a:t>
+            </a:r>
+          </a:p>
+          <a:p>
+            <a:pPr marL="285750" indent="-285750">
+              <a:buFont typeface="Arial" panose="020B0604020202020204" pitchFamily="34" charset="0"/>
+              <a:buChar char="•"/>
+            </a:pPr>
+            <a:endParaRPr lang="en-US" sz="1400" b="1" dirty="0">
+              <a:solidFill>
+                <a:sysClr val="windowText" lastClr="000000"/>
+              </a:solidFill>
+            </a:endParaRPr>
+          </a:p>
+        </p:txBody>
+      </p:sp>
+      <p:sp>
+        <p:nvSpPr>
+          <p:cNvPr id="7" name="Rectangle 6">
+            <a:extLst>
+              <a:ext uri="{FF2B5EF4-FFF2-40B4-BE49-F238E27FC236}">
+                <a16:creationId xmlns:a16="http://schemas.microsoft.com/office/drawing/2014/main" id="{C3964A42-2C12-43D9-267B-A18E654FA2C9}"/>
+              </a:ext>
+            </a:extLst>
+          </p:cNvPr>
+          <p:cNvSpPr/>
+          <p:nvPr/>
+        </p:nvSpPr>
+        <p:spPr>
+          <a:xfrm>
+            <a:off x="6469039" y="1863141"/>
+            <a:ext cx="5020261" cy="395563"/>
+          </a:xfrm>
+          <a:prstGeom prst="rect">
+            <a:avLst/>
+          </a:prstGeom>
+          <a:solidFill>
+            <a:schemeClr val="tx1">
+              <a:lumMod val="50000"/>
+            </a:schemeClr>
+          </a:solidFill>
+        </p:spPr>
+        <p:style>
+          <a:lnRef idx="2">
+            <a:schemeClr val="accent1">
+              <a:shade val="15000"/>
+            </a:schemeClr>
+          </a:lnRef>
+          <a:fillRef idx="1">
+            <a:schemeClr val="accent1"/>
+          </a:fillRef>
+          <a:effectRef idx="0">
+            <a:schemeClr val="accent1"/>
+          </a:effectRef>
+          <a:fontRef idx="minor">
+            <a:schemeClr val="lt1"/>
+          </a:fontRef>
+        </p:style>
+        <p:txBody>
+          <a:bodyPr rtlCol="0" anchor="ctr"/>
+          <a:lstStyle/>
+          <a:p>
+            <a:pPr algn="ctr"/>
+            <a:r>
+              <a:rPr lang="en-US" b="1" dirty="0"/>
+              <a:t>Key Insights</a:t>
+            </a:r>
+          </a:p>
+        </p:txBody>
+      </p:sp>
+    </p:spTree>
+    <p:extLst>
+      <p:ext uri="{BB962C8B-B14F-4D97-AF65-F5344CB8AC3E}">
+        <p14:creationId xmlns:p14="http://schemas.microsoft.com/office/powerpoint/2010/main" val="2556941312"/>
+      </p:ext>
+    </p:extLst>
+  </p:cSld>
+  <p:clrMapOvr>
+    <a:masterClrMapping/>
+  </p:clrMapOvr>
+</p:sld>
+</file>
+
+<file path=ppt/slides/slide8.xml><?xml version="1.0" encoding="utf-8"?>
 <p:sld xmlns:a="http://schemas.openxmlformats.org/drawingml/2006/main" xmlns:r="http://schemas.openxmlformats.org/officeDocument/2006/relationships" xmlns:p="http://schemas.openxmlformats.org/presentationml/2006/main">
   <p:cSld>
     <p:spTree>
@@ -14085,7 +14637,7 @@
 </p:sld>
 </file>
 
-<file path=ppt/slides/slide8.xml><?xml version="1.0" encoding="utf-8"?>
+<file path=ppt/slides/slide9.xml><?xml version="1.0" encoding="utf-8"?>
 <p:sld xmlns:a="http://schemas.openxmlformats.org/drawingml/2006/main" xmlns:r="http://schemas.openxmlformats.org/officeDocument/2006/relationships" xmlns:p="http://schemas.openxmlformats.org/presentationml/2006/main">
   <p:cSld>
     <p:spTree>
@@ -15737,371 +16289,6 @@
     <p:extLst>
       <p:ext uri="{BB962C8B-B14F-4D97-AF65-F5344CB8AC3E}">
         <p14:creationId xmlns:p14="http://schemas.microsoft.com/office/powerpoint/2010/main" val="1166317552"/>
-      </p:ext>
-    </p:extLst>
-  </p:cSld>
-  <p:clrMapOvr>
-    <a:masterClrMapping/>
-  </p:clrMapOvr>
-</p:sld>
-</file>
-
-<file path=ppt/slides/slide9.xml><?xml version="1.0" encoding="utf-8"?>
-<p:sld xmlns:a="http://schemas.openxmlformats.org/drawingml/2006/main" xmlns:r="http://schemas.openxmlformats.org/officeDocument/2006/relationships" xmlns:p="http://schemas.openxmlformats.org/presentationml/2006/main">
-  <p:cSld>
-    <p:spTree>
-      <p:nvGrpSpPr>
-        <p:cNvPr id="1" name=""/>
-        <p:cNvGrpSpPr/>
-        <p:nvPr/>
-      </p:nvGrpSpPr>
-      <p:grpSpPr>
-        <a:xfrm>
-          <a:off x="0" y="0"/>
-          <a:ext cx="0" cy="0"/>
-          <a:chOff x="0" y="0"/>
-          <a:chExt cx="0" cy="0"/>
-        </a:xfrm>
-      </p:grpSpPr>
-      <p:sp>
-        <p:nvSpPr>
-          <p:cNvPr id="2" name="Title 1">
-            <a:extLst>
-              <a:ext uri="{FF2B5EF4-FFF2-40B4-BE49-F238E27FC236}">
-                <a16:creationId xmlns:a16="http://schemas.microsoft.com/office/drawing/2014/main" id="{6B83052D-B66D-B978-A98F-B1F510F0740D}"/>
-              </a:ext>
-            </a:extLst>
-          </p:cNvPr>
-          <p:cNvSpPr>
-            <a:spLocks noGrp="1"/>
-          </p:cNvSpPr>
-          <p:nvPr>
-            <p:ph type="title"/>
-          </p:nvPr>
-        </p:nvSpPr>
-        <p:spPr/>
-        <p:txBody>
-          <a:bodyPr/>
-          <a:lstStyle/>
-          <a:p>
-            <a:r>
-              <a:rPr lang="en-US" dirty="0"/>
-              <a:t>Boeing Analysis</a:t>
-            </a:r>
-          </a:p>
-        </p:txBody>
-      </p:sp>
-      <p:pic>
-        <p:nvPicPr>
-          <p:cNvPr id="2052" name="Picture 4">
-            <a:extLst>
-              <a:ext uri="{FF2B5EF4-FFF2-40B4-BE49-F238E27FC236}">
-                <a16:creationId xmlns:a16="http://schemas.microsoft.com/office/drawing/2014/main" id="{A3D27C65-F8EF-D668-8299-6CA4B084B754}"/>
-              </a:ext>
-            </a:extLst>
-          </p:cNvPr>
-          <p:cNvPicPr>
-            <a:picLocks noChangeAspect="1" noChangeArrowheads="1"/>
-          </p:cNvPicPr>
-          <p:nvPr/>
-        </p:nvPicPr>
-        <p:blipFill>
-          <a:blip r:embed="rId2">
-            <a:extLst>
-              <a:ext uri="{28A0092B-C50C-407E-A947-70E740481C1C}">
-                <a14:useLocalDpi xmlns:a14="http://schemas.microsoft.com/office/drawing/2010/main" val="0"/>
-              </a:ext>
-            </a:extLst>
-          </a:blip>
-          <a:srcRect/>
-          <a:stretch>
-            <a:fillRect/>
-          </a:stretch>
-        </p:blipFill>
-        <p:spPr bwMode="auto">
-          <a:xfrm>
-            <a:off x="540000" y="2256694"/>
-            <a:ext cx="6440646" cy="3838365"/>
-          </a:xfrm>
-          <a:prstGeom prst="rect">
-            <a:avLst/>
-          </a:prstGeom>
-          <a:noFill/>
-          <a:extLst>
-            <a:ext uri="{909E8E84-426E-40DD-AFC4-6F175D3DCCD1}">
-              <a14:hiddenFill xmlns:a14="http://schemas.microsoft.com/office/drawing/2010/main">
-                <a:solidFill>
-                  <a:srgbClr val="FFFFFF"/>
-                </a:solidFill>
-              </a14:hiddenFill>
-            </a:ext>
-          </a:extLst>
-        </p:spPr>
-      </p:pic>
-      <p:sp>
-        <p:nvSpPr>
-          <p:cNvPr id="4" name="Rectangle 3">
-            <a:extLst>
-              <a:ext uri="{FF2B5EF4-FFF2-40B4-BE49-F238E27FC236}">
-                <a16:creationId xmlns:a16="http://schemas.microsoft.com/office/drawing/2014/main" id="{34D4D2F3-5761-2B92-674A-848DA794F65C}"/>
-              </a:ext>
-            </a:extLst>
-          </p:cNvPr>
-          <p:cNvSpPr/>
-          <p:nvPr/>
-        </p:nvSpPr>
-        <p:spPr>
-          <a:xfrm>
-            <a:off x="540000" y="1861131"/>
-            <a:ext cx="6440646" cy="395563"/>
-          </a:xfrm>
-          <a:prstGeom prst="rect">
-            <a:avLst/>
-          </a:prstGeom>
-          <a:solidFill>
-            <a:schemeClr val="tx1">
-              <a:lumMod val="50000"/>
-            </a:schemeClr>
-          </a:solidFill>
-        </p:spPr>
-        <p:style>
-          <a:lnRef idx="2">
-            <a:schemeClr val="accent1">
-              <a:shade val="15000"/>
-            </a:schemeClr>
-          </a:lnRef>
-          <a:fillRef idx="1">
-            <a:schemeClr val="accent1"/>
-          </a:fillRef>
-          <a:effectRef idx="0">
-            <a:schemeClr val="accent1"/>
-          </a:effectRef>
-          <a:fontRef idx="minor">
-            <a:schemeClr val="lt1"/>
-          </a:fontRef>
-        </p:style>
-        <p:txBody>
-          <a:bodyPr rtlCol="0" anchor="ctr"/>
-          <a:lstStyle/>
-          <a:p>
-            <a:pPr algn="ctr"/>
-            <a:r>
-              <a:rPr lang="en-US" b="1" dirty="0"/>
-              <a:t>Boeing Aircraft Damage % By Model</a:t>
-            </a:r>
-          </a:p>
-        </p:txBody>
-      </p:sp>
-      <p:sp>
-        <p:nvSpPr>
-          <p:cNvPr id="5" name="Rectangle 4">
-            <a:extLst>
-              <a:ext uri="{FF2B5EF4-FFF2-40B4-BE49-F238E27FC236}">
-                <a16:creationId xmlns:a16="http://schemas.microsoft.com/office/drawing/2014/main" id="{63FD591D-0C76-67D2-64EE-6475FAF7EC6F}"/>
-              </a:ext>
-            </a:extLst>
-          </p:cNvPr>
-          <p:cNvSpPr/>
-          <p:nvPr/>
-        </p:nvSpPr>
-        <p:spPr>
-          <a:xfrm>
-            <a:off x="7228936" y="1863142"/>
-            <a:ext cx="4260364" cy="2904390"/>
-          </a:xfrm>
-          <a:prstGeom prst="rect">
-            <a:avLst/>
-          </a:prstGeom>
-          <a:solidFill>
-            <a:schemeClr val="tx1"/>
-          </a:solidFill>
-          <a:ln>
-            <a:solidFill>
-              <a:schemeClr val="bg1"/>
-            </a:solidFill>
-          </a:ln>
-          <a:effectLst>
-            <a:outerShdw blurRad="63500" sx="102000" sy="102000" algn="ctr" rotWithShape="0">
-              <a:prstClr val="black">
-                <a:alpha val="40000"/>
-              </a:prstClr>
-            </a:outerShdw>
-          </a:effectLst>
-        </p:spPr>
-        <p:style>
-          <a:lnRef idx="2">
-            <a:schemeClr val="accent1">
-              <a:shade val="15000"/>
-            </a:schemeClr>
-          </a:lnRef>
-          <a:fillRef idx="1">
-            <a:schemeClr val="accent1"/>
-          </a:fillRef>
-          <a:effectRef idx="0">
-            <a:schemeClr val="accent1"/>
-          </a:effectRef>
-          <a:fontRef idx="minor">
-            <a:schemeClr val="lt1"/>
-          </a:fontRef>
-        </p:style>
-        <p:txBody>
-          <a:bodyPr rtlCol="0" anchor="ctr"/>
-          <a:lstStyle/>
-          <a:p>
-            <a:pPr algn="ctr"/>
-            <a:endParaRPr lang="en-US" dirty="0"/>
-          </a:p>
-        </p:txBody>
-      </p:sp>
-      <p:sp>
-        <p:nvSpPr>
-          <p:cNvPr id="6" name="TextBox 5">
-            <a:extLst>
-              <a:ext uri="{FF2B5EF4-FFF2-40B4-BE49-F238E27FC236}">
-                <a16:creationId xmlns:a16="http://schemas.microsoft.com/office/drawing/2014/main" id="{AA501F71-E279-FFA6-8CDB-B1E032E053A1}"/>
-              </a:ext>
-            </a:extLst>
-          </p:cNvPr>
-          <p:cNvSpPr txBox="1"/>
-          <p:nvPr/>
-        </p:nvSpPr>
-        <p:spPr>
-          <a:xfrm>
-            <a:off x="7333640" y="2416483"/>
-            <a:ext cx="4155660" cy="2246769"/>
-          </a:xfrm>
-          <a:prstGeom prst="rect">
-            <a:avLst/>
-          </a:prstGeom>
-          <a:noFill/>
-        </p:spPr>
-        <p:txBody>
-          <a:bodyPr wrap="square" rtlCol="0">
-            <a:spAutoFit/>
-          </a:bodyPr>
-          <a:lstStyle/>
-          <a:p>
-            <a:pPr marL="285750" indent="-285750">
-              <a:lnSpc>
-                <a:spcPct val="150000"/>
-              </a:lnSpc>
-              <a:buFont typeface="Arial" panose="020B0604020202020204" pitchFamily="34" charset="0"/>
-              <a:buChar char="•"/>
-            </a:pPr>
-            <a:r>
-              <a:rPr lang="en-US" sz="1400" dirty="0">
-                <a:solidFill>
-                  <a:sysClr val="windowText" lastClr="000000"/>
-                </a:solidFill>
-              </a:rPr>
-              <a:t>The 777 model has the highest % of minor damage </a:t>
-            </a:r>
-          </a:p>
-          <a:p>
-            <a:pPr marL="285750" indent="-285750">
-              <a:lnSpc>
-                <a:spcPct val="150000"/>
-              </a:lnSpc>
-              <a:buFont typeface="Arial" panose="020B0604020202020204" pitchFamily="34" charset="0"/>
-              <a:buChar char="•"/>
-            </a:pPr>
-            <a:r>
-              <a:rPr lang="en-US" sz="1400" dirty="0">
-                <a:solidFill>
-                  <a:sysClr val="windowText" lastClr="000000"/>
-                </a:solidFill>
-              </a:rPr>
-              <a:t>A75N1 model has the highest substantial damage %</a:t>
-            </a:r>
-          </a:p>
-          <a:p>
-            <a:pPr marL="285750" indent="-285750">
-              <a:lnSpc>
-                <a:spcPct val="150000"/>
-              </a:lnSpc>
-              <a:buFont typeface="Arial" panose="020B0604020202020204" pitchFamily="34" charset="0"/>
-              <a:buChar char="•"/>
-            </a:pPr>
-            <a:r>
-              <a:rPr lang="en-US" sz="1400" dirty="0">
-                <a:solidFill>
-                  <a:sysClr val="windowText" lastClr="000000"/>
-                </a:solidFill>
-              </a:rPr>
-              <a:t>The 737-200 model has the highest destroyed %</a:t>
-            </a:r>
-          </a:p>
-          <a:p>
-            <a:pPr marL="285750" indent="-285750">
-              <a:buFont typeface="Arial" panose="020B0604020202020204" pitchFamily="34" charset="0"/>
-              <a:buChar char="•"/>
-            </a:pPr>
-            <a:endParaRPr lang="en-US" sz="1400" b="1" dirty="0">
-              <a:solidFill>
-                <a:sysClr val="windowText" lastClr="000000"/>
-              </a:solidFill>
-            </a:endParaRPr>
-          </a:p>
-        </p:txBody>
-      </p:sp>
-      <p:sp>
-        <p:nvSpPr>
-          <p:cNvPr id="7" name="Rectangle 6">
-            <a:extLst>
-              <a:ext uri="{FF2B5EF4-FFF2-40B4-BE49-F238E27FC236}">
-                <a16:creationId xmlns:a16="http://schemas.microsoft.com/office/drawing/2014/main" id="{DB0969C0-EDD7-8F13-173F-B29EE5898FCE}"/>
-              </a:ext>
-            </a:extLst>
-          </p:cNvPr>
-          <p:cNvSpPr/>
-          <p:nvPr/>
-        </p:nvSpPr>
-        <p:spPr>
-          <a:xfrm>
-            <a:off x="7228936" y="1863141"/>
-            <a:ext cx="4260364" cy="395563"/>
-          </a:xfrm>
-          <a:prstGeom prst="rect">
-            <a:avLst/>
-          </a:prstGeom>
-          <a:solidFill>
-            <a:schemeClr val="tx1">
-              <a:lumMod val="50000"/>
-            </a:schemeClr>
-          </a:solidFill>
-        </p:spPr>
-        <p:style>
-          <a:lnRef idx="2">
-            <a:schemeClr val="accent1">
-              <a:shade val="15000"/>
-            </a:schemeClr>
-          </a:lnRef>
-          <a:fillRef idx="1">
-            <a:schemeClr val="accent1"/>
-          </a:fillRef>
-          <a:effectRef idx="0">
-            <a:schemeClr val="accent1"/>
-          </a:effectRef>
-          <a:fontRef idx="minor">
-            <a:schemeClr val="lt1"/>
-          </a:fontRef>
-        </p:style>
-        <p:txBody>
-          <a:bodyPr rtlCol="0" anchor="ctr"/>
-          <a:lstStyle/>
-          <a:p>
-            <a:pPr algn="ctr"/>
-            <a:r>
-              <a:rPr lang="en-US" b="1" dirty="0"/>
-              <a:t>Key Insights</a:t>
-            </a:r>
-          </a:p>
-        </p:txBody>
-      </p:sp>
-    </p:spTree>
-    <p:extLst>
-      <p:ext uri="{BB962C8B-B14F-4D97-AF65-F5344CB8AC3E}">
-        <p14:creationId xmlns:p14="http://schemas.microsoft.com/office/powerpoint/2010/main" val="3893639157"/>
       </p:ext>
     </p:extLst>
   </p:cSld>

--- a/phase_1_aviation_analysis.pptx
+++ b/phase_1_aviation_analysis.pptx
@@ -135,7 +135,7 @@
   <pc:docChgLst>
     <pc:chgData name="Alec Schonfeld" userId="908fa86f43668255" providerId="LiveId" clId="{79FCC42C-0D04-4566-8AEF-9323BAE520AF}"/>
     <pc:docChg chg="custSel addSld delSld modSld">
-      <pc:chgData name="Alec Schonfeld" userId="908fa86f43668255" providerId="LiveId" clId="{79FCC42C-0D04-4566-8AEF-9323BAE520AF}" dt="2024-03-10T18:45:45.124" v="441" actId="20577"/>
+      <pc:chgData name="Alec Schonfeld" userId="908fa86f43668255" providerId="LiveId" clId="{79FCC42C-0D04-4566-8AEF-9323BAE520AF}" dt="2024-03-10T18:57:20.984" v="672" actId="20577"/>
       <pc:docMkLst>
         <pc:docMk/>
       </pc:docMkLst>
@@ -177,7 +177,7 @@
         </pc:sldMkLst>
       </pc:sldChg>
       <pc:sldChg chg="addSp modSp mod">
-        <pc:chgData name="Alec Schonfeld" userId="908fa86f43668255" providerId="LiveId" clId="{79FCC42C-0D04-4566-8AEF-9323BAE520AF}" dt="2024-03-10T18:45:45.124" v="441" actId="20577"/>
+        <pc:chgData name="Alec Schonfeld" userId="908fa86f43668255" providerId="LiveId" clId="{79FCC42C-0D04-4566-8AEF-9323BAE520AF}" dt="2024-03-10T18:57:20.984" v="672" actId="20577"/>
         <pc:sldMkLst>
           <pc:docMk/>
           <pc:sldMk cId="2727117123" sldId="264"/>
@@ -191,7 +191,7 @@
           </ac:spMkLst>
         </pc:spChg>
         <pc:spChg chg="add mod">
-          <ac:chgData name="Alec Schonfeld" userId="908fa86f43668255" providerId="LiveId" clId="{79FCC42C-0D04-4566-8AEF-9323BAE520AF}" dt="2024-03-10T18:45:45.124" v="441" actId="20577"/>
+          <ac:chgData name="Alec Schonfeld" userId="908fa86f43668255" providerId="LiveId" clId="{79FCC42C-0D04-4566-8AEF-9323BAE520AF}" dt="2024-03-10T18:57:20.984" v="672" actId="20577"/>
           <ac:spMkLst>
             <pc:docMk/>
             <pc:sldMk cId="2727117123" sldId="264"/>
@@ -12246,8 +12246,38 @@
             </a:pPr>
             <a:r>
               <a:rPr lang="en-US" dirty="0"/>
-              <a:t>Based on the data we recommend using Boeing 777 and 747 models for this venture. Due to Boeing having the safest and most durable planes we believe it is the safest bet.  </a:t>
+              <a:t>Recommendation: Based on the data we recommend using Boeing 777 and 747 models for this venture. Due to Boeing having the safest and most durable planes we believe it is the safest bet.  </a:t>
             </a:r>
+          </a:p>
+          <a:p>
+            <a:pPr marL="0" indent="0">
+              <a:buNone/>
+            </a:pPr>
+            <a:endParaRPr lang="en-US" dirty="0"/>
+          </a:p>
+          <a:p>
+            <a:pPr marL="0" indent="0">
+              <a:buNone/>
+            </a:pPr>
+            <a:r>
+              <a:rPr lang="en-US" dirty="0"/>
+              <a:t>Supporting Data:</a:t>
+            </a:r>
+          </a:p>
+          <a:p>
+            <a:r>
+              <a:rPr lang="en-US" dirty="0"/>
+              <a:t>Boeing has the lowest percentage of destroyed aircrafts when compared to other Makes.</a:t>
+            </a:r>
+          </a:p>
+          <a:p>
+            <a:r>
+              <a:rPr lang="en-US" dirty="0"/>
+              <a:t>The 777 and 747 models have the lowest destroyed percentage out of all Boeing models. </a:t>
+            </a:r>
+          </a:p>
+          <a:p>
+            <a:endParaRPr lang="en-US" dirty="0"/>
           </a:p>
         </p:txBody>
       </p:sp>

--- a/phase_1_aviation_analysis.pptx
+++ b/phase_1_aviation_analysis.pptx
@@ -10,12 +10,10 @@
     <p:sldId id="258" r:id="rId4"/>
     <p:sldId id="259" r:id="rId5"/>
     <p:sldId id="260" r:id="rId6"/>
-    <p:sldId id="261" r:id="rId7"/>
-    <p:sldId id="267" r:id="rId8"/>
-    <p:sldId id="263" r:id="rId9"/>
-    <p:sldId id="266" r:id="rId10"/>
-    <p:sldId id="265" r:id="rId11"/>
-    <p:sldId id="264" r:id="rId12"/>
+    <p:sldId id="268" r:id="rId7"/>
+    <p:sldId id="261" r:id="rId8"/>
+    <p:sldId id="265" r:id="rId9"/>
+    <p:sldId id="264" r:id="rId10"/>
   </p:sldIdLst>
   <p:sldSz cx="12192000" cy="6858000"/>
   <p:notesSz cx="6858000" cy="9144000"/>
@@ -125,7 +123,7 @@
 <file path=ppt/revisionInfo.xml><?xml version="1.0" encoding="utf-8"?>
 <p1510:revInfo xmlns:a="http://schemas.openxmlformats.org/drawingml/2006/main" xmlns:r="http://schemas.openxmlformats.org/officeDocument/2006/relationships" xmlns:p1510="http://schemas.microsoft.com/office/powerpoint/2015/10/main">
   <p1510:revLst>
-    <p1510:client id="{79FCC42C-0D04-4566-8AEF-9323BAE520AF}" v="10" dt="2024-03-10T18:44:14.149"/>
+    <p1510:client id="{79FCC42C-0D04-4566-8AEF-9323BAE520AF}" v="32" dt="2024-03-17T17:57:15.561"/>
   </p1510:revLst>
 </p1510:revInfo>
 </file>
@@ -134,25 +132,111 @@
 <pc:chgInfo xmlns:a="http://schemas.openxmlformats.org/drawingml/2006/main" xmlns:r="http://schemas.openxmlformats.org/officeDocument/2006/relationships" xmlns:ac="http://schemas.microsoft.com/office/drawing/2013/main/command" xmlns:pc="http://schemas.microsoft.com/office/powerpoint/2013/main/command">
   <pc:docChgLst>
     <pc:chgData name="Alec Schonfeld" userId="908fa86f43668255" providerId="LiveId" clId="{79FCC42C-0D04-4566-8AEF-9323BAE520AF}"/>
-    <pc:docChg chg="custSel addSld delSld modSld">
-      <pc:chgData name="Alec Schonfeld" userId="908fa86f43668255" providerId="LiveId" clId="{79FCC42C-0D04-4566-8AEF-9323BAE520AF}" dt="2024-03-10T18:57:20.984" v="672" actId="20577"/>
+    <pc:docChg chg="undo custSel addSld delSld modSld">
+      <pc:chgData name="Alec Schonfeld" userId="908fa86f43668255" providerId="LiveId" clId="{79FCC42C-0D04-4566-8AEF-9323BAE520AF}" dt="2024-03-17T18:12:35.890" v="1140" actId="113"/>
       <pc:docMkLst>
         <pc:docMk/>
       </pc:docMkLst>
       <pc:sldChg chg="modSp mod">
-        <pc:chgData name="Alec Schonfeld" userId="908fa86f43668255" providerId="LiveId" clId="{79FCC42C-0D04-4566-8AEF-9323BAE520AF}" dt="2024-03-10T18:40:09.959" v="25" actId="20577"/>
+        <pc:chgData name="Alec Schonfeld" userId="908fa86f43668255" providerId="LiveId" clId="{79FCC42C-0D04-4566-8AEF-9323BAE520AF}" dt="2024-03-17T18:01:03.847" v="1127" actId="313"/>
+        <pc:sldMkLst>
+          <pc:docMk/>
+          <pc:sldMk cId="3031315073" sldId="257"/>
+        </pc:sldMkLst>
+        <pc:spChg chg="mod">
+          <ac:chgData name="Alec Schonfeld" userId="908fa86f43668255" providerId="LiveId" clId="{79FCC42C-0D04-4566-8AEF-9323BAE520AF}" dt="2024-03-17T18:01:03.847" v="1127" actId="313"/>
+          <ac:spMkLst>
+            <pc:docMk/>
+            <pc:sldMk cId="3031315073" sldId="257"/>
+            <ac:spMk id="2" creationId="{576DCDAB-F363-839D-6EC2-90842643094E}"/>
+          </ac:spMkLst>
+        </pc:spChg>
+        <pc:spChg chg="mod">
+          <ac:chgData name="Alec Schonfeld" userId="908fa86f43668255" providerId="LiveId" clId="{79FCC42C-0D04-4566-8AEF-9323BAE520AF}" dt="2024-03-17T17:54:39.025" v="978" actId="1076"/>
+          <ac:spMkLst>
+            <pc:docMk/>
+            <pc:sldMk cId="3031315073" sldId="257"/>
+            <ac:spMk id="3" creationId="{D5AB64EF-C853-52FA-7D05-BB24578E182F}"/>
+          </ac:spMkLst>
+        </pc:spChg>
+      </pc:sldChg>
+      <pc:sldChg chg="modSp mod">
+        <pc:chgData name="Alec Schonfeld" userId="908fa86f43668255" providerId="LiveId" clId="{79FCC42C-0D04-4566-8AEF-9323BAE520AF}" dt="2024-03-17T17:54:30.833" v="977" actId="20577"/>
+        <pc:sldMkLst>
+          <pc:docMk/>
+          <pc:sldMk cId="1403301575" sldId="259"/>
+        </pc:sldMkLst>
+        <pc:graphicFrameChg chg="mod modGraphic">
+          <ac:chgData name="Alec Schonfeld" userId="908fa86f43668255" providerId="LiveId" clId="{79FCC42C-0D04-4566-8AEF-9323BAE520AF}" dt="2024-03-17T17:54:30.833" v="977" actId="20577"/>
+          <ac:graphicFrameMkLst>
+            <pc:docMk/>
+            <pc:sldMk cId="1403301575" sldId="259"/>
+            <ac:graphicFrameMk id="4" creationId="{1911836A-AAE2-57CF-5E68-40305B5CFD2F}"/>
+          </ac:graphicFrameMkLst>
+        </pc:graphicFrameChg>
+      </pc:sldChg>
+      <pc:sldChg chg="addSp delSp modSp add del mod">
+        <pc:chgData name="Alec Schonfeld" userId="908fa86f43668255" providerId="LiveId" clId="{79FCC42C-0D04-4566-8AEF-9323BAE520AF}" dt="2024-03-17T17:57:21.910" v="1084" actId="20577"/>
         <pc:sldMkLst>
           <pc:docMk/>
           <pc:sldMk cId="2137380518" sldId="260"/>
         </pc:sldMkLst>
         <pc:spChg chg="mod">
-          <ac:chgData name="Alec Schonfeld" userId="908fa86f43668255" providerId="LiveId" clId="{79FCC42C-0D04-4566-8AEF-9323BAE520AF}" dt="2024-03-10T18:40:09.959" v="25" actId="20577"/>
+          <ac:chgData name="Alec Schonfeld" userId="908fa86f43668255" providerId="LiveId" clId="{79FCC42C-0D04-4566-8AEF-9323BAE520AF}" dt="2024-03-17T17:55:57.394" v="1032" actId="20577"/>
           <ac:spMkLst>
             <pc:docMk/>
             <pc:sldMk cId="2137380518" sldId="260"/>
             <ac:spMk id="2" creationId="{FEB747A8-57F7-F76F-9DEB-DE8DC57FF352}"/>
           </ac:spMkLst>
         </pc:spChg>
+        <pc:spChg chg="mod">
+          <ac:chgData name="Alec Schonfeld" userId="908fa86f43668255" providerId="LiveId" clId="{79FCC42C-0D04-4566-8AEF-9323BAE520AF}" dt="2024-03-17T17:55:53.746" v="1021" actId="20577"/>
+          <ac:spMkLst>
+            <pc:docMk/>
+            <pc:sldMk cId="2137380518" sldId="260"/>
+            <ac:spMk id="4" creationId="{9C9AC17F-9250-F248-BC6A-9AE39A65D0AE}"/>
+          </ac:spMkLst>
+        </pc:spChg>
+        <pc:spChg chg="mod">
+          <ac:chgData name="Alec Schonfeld" userId="908fa86f43668255" providerId="LiveId" clId="{79FCC42C-0D04-4566-8AEF-9323BAE520AF}" dt="2024-03-17T17:56:35.675" v="1045" actId="113"/>
+          <ac:spMkLst>
+            <pc:docMk/>
+            <pc:sldMk cId="2137380518" sldId="260"/>
+            <ac:spMk id="6" creationId="{4B858546-838E-9CA7-3985-783560A0234E}"/>
+          </ac:spMkLst>
+        </pc:spChg>
+        <pc:spChg chg="mod">
+          <ac:chgData name="Alec Schonfeld" userId="908fa86f43668255" providerId="LiveId" clId="{79FCC42C-0D04-4566-8AEF-9323BAE520AF}" dt="2024-03-17T17:57:21.910" v="1084" actId="20577"/>
+          <ac:spMkLst>
+            <pc:docMk/>
+            <pc:sldMk cId="2137380518" sldId="260"/>
+            <ac:spMk id="7" creationId="{369D70C3-9EFA-94ED-A7AE-7A85E1EABC77}"/>
+          </ac:spMkLst>
+        </pc:spChg>
+        <pc:grpChg chg="add del mod">
+          <ac:chgData name="Alec Schonfeld" userId="908fa86f43668255" providerId="LiveId" clId="{79FCC42C-0D04-4566-8AEF-9323BAE520AF}" dt="2024-03-17T17:55:43.379" v="1002" actId="478"/>
+          <ac:grpSpMkLst>
+            <pc:docMk/>
+            <pc:sldMk cId="2137380518" sldId="260"/>
+            <ac:grpSpMk id="5" creationId="{C0E0B934-7B84-34C1-6FF0-98D25850E378}"/>
+          </ac:grpSpMkLst>
+        </pc:grpChg>
+        <pc:picChg chg="add mod">
+          <ac:chgData name="Alec Schonfeld" userId="908fa86f43668255" providerId="LiveId" clId="{79FCC42C-0D04-4566-8AEF-9323BAE520AF}" dt="2024-03-17T17:55:48.603" v="1009" actId="1076"/>
+          <ac:picMkLst>
+            <pc:docMk/>
+            <pc:sldMk cId="2137380518" sldId="260"/>
+            <ac:picMk id="1026" creationId="{7159D849-470C-44A1-BFA5-7B19BCD22CF1}"/>
+          </ac:picMkLst>
+        </pc:picChg>
+        <pc:picChg chg="del">
+          <ac:chgData name="Alec Schonfeld" userId="908fa86f43668255" providerId="LiveId" clId="{79FCC42C-0D04-4566-8AEF-9323BAE520AF}" dt="2024-03-17T17:55:43.379" v="1002" actId="478"/>
+          <ac:picMkLst>
+            <pc:docMk/>
+            <pc:sldMk cId="2137380518" sldId="260"/>
+            <ac:picMk id="2050" creationId="{9B552B0C-142B-B28B-77F7-521C561F0F62}"/>
+          </ac:picMkLst>
+        </pc:picChg>
       </pc:sldChg>
       <pc:sldChg chg="modSp mod">
         <pc:chgData name="Alec Schonfeld" userId="908fa86f43668255" providerId="LiveId" clId="{79FCC42C-0D04-4566-8AEF-9323BAE520AF}" dt="2024-03-10T18:40:17.199" v="48" actId="20577"/>
@@ -176,8 +260,15 @@
           <pc:sldMk cId="1822905955" sldId="262"/>
         </pc:sldMkLst>
       </pc:sldChg>
+      <pc:sldChg chg="del">
+        <pc:chgData name="Alec Schonfeld" userId="908fa86f43668255" providerId="LiveId" clId="{79FCC42C-0D04-4566-8AEF-9323BAE520AF}" dt="2024-03-17T18:00:30.019" v="1102" actId="47"/>
+        <pc:sldMkLst>
+          <pc:docMk/>
+          <pc:sldMk cId="3658893512" sldId="263"/>
+        </pc:sldMkLst>
+      </pc:sldChg>
       <pc:sldChg chg="addSp modSp mod">
-        <pc:chgData name="Alec Schonfeld" userId="908fa86f43668255" providerId="LiveId" clId="{79FCC42C-0D04-4566-8AEF-9323BAE520AF}" dt="2024-03-10T18:57:20.984" v="672" actId="20577"/>
+        <pc:chgData name="Alec Schonfeld" userId="908fa86f43668255" providerId="LiveId" clId="{79FCC42C-0D04-4566-8AEF-9323BAE520AF}" dt="2024-03-17T18:12:35.890" v="1140" actId="113"/>
         <pc:sldMkLst>
           <pc:docMk/>
           <pc:sldMk cId="2727117123" sldId="264"/>
@@ -191,7 +282,7 @@
           </ac:spMkLst>
         </pc:spChg>
         <pc:spChg chg="add mod">
-          <ac:chgData name="Alec Schonfeld" userId="908fa86f43668255" providerId="LiveId" clId="{79FCC42C-0D04-4566-8AEF-9323BAE520AF}" dt="2024-03-10T18:57:20.984" v="672" actId="20577"/>
+          <ac:chgData name="Alec Schonfeld" userId="908fa86f43668255" providerId="LiveId" clId="{79FCC42C-0D04-4566-8AEF-9323BAE520AF}" dt="2024-03-17T18:12:35.890" v="1140" actId="113"/>
           <ac:spMkLst>
             <pc:docMk/>
             <pc:sldMk cId="2727117123" sldId="264"/>
@@ -199,8 +290,38 @@
           </ac:spMkLst>
         </pc:spChg>
       </pc:sldChg>
-      <pc:sldChg chg="addSp delSp modSp new mod">
-        <pc:chgData name="Alec Schonfeld" userId="908fa86f43668255" providerId="LiveId" clId="{79FCC42C-0D04-4566-8AEF-9323BAE520AF}" dt="2024-03-10T18:44:43.602" v="254" actId="20577"/>
+      <pc:sldChg chg="modSp mod">
+        <pc:chgData name="Alec Schonfeld" userId="908fa86f43668255" providerId="LiveId" clId="{79FCC42C-0D04-4566-8AEF-9323BAE520AF}" dt="2024-03-17T18:00:46.063" v="1126" actId="20577"/>
+        <pc:sldMkLst>
+          <pc:docMk/>
+          <pc:sldMk cId="3893639157" sldId="265"/>
+        </pc:sldMkLst>
+        <pc:spChg chg="mod">
+          <ac:chgData name="Alec Schonfeld" userId="908fa86f43668255" providerId="LiveId" clId="{79FCC42C-0D04-4566-8AEF-9323BAE520AF}" dt="2024-03-17T18:00:46.063" v="1126" actId="20577"/>
+          <ac:spMkLst>
+            <pc:docMk/>
+            <pc:sldMk cId="3893639157" sldId="265"/>
+            <ac:spMk id="2" creationId="{6B83052D-B66D-B978-A98F-B1F510F0740D}"/>
+          </ac:spMkLst>
+        </pc:spChg>
+        <pc:spChg chg="mod">
+          <ac:chgData name="Alec Schonfeld" userId="908fa86f43668255" providerId="LiveId" clId="{79FCC42C-0D04-4566-8AEF-9323BAE520AF}" dt="2024-03-17T17:22:57.166" v="736" actId="20577"/>
+          <ac:spMkLst>
+            <pc:docMk/>
+            <pc:sldMk cId="3893639157" sldId="265"/>
+            <ac:spMk id="6" creationId="{AA501F71-E279-FFA6-8CDB-B1E032E053A1}"/>
+          </ac:spMkLst>
+        </pc:spChg>
+      </pc:sldChg>
+      <pc:sldChg chg="del">
+        <pc:chgData name="Alec Schonfeld" userId="908fa86f43668255" providerId="LiveId" clId="{79FCC42C-0D04-4566-8AEF-9323BAE520AF}" dt="2024-03-17T18:00:32.480" v="1103" actId="47"/>
+        <pc:sldMkLst>
+          <pc:docMk/>
+          <pc:sldMk cId="1166317552" sldId="266"/>
+        </pc:sldMkLst>
+      </pc:sldChg>
+      <pc:sldChg chg="addSp delSp modSp new del mod">
+        <pc:chgData name="Alec Schonfeld" userId="908fa86f43668255" providerId="LiveId" clId="{79FCC42C-0D04-4566-8AEF-9323BAE520AF}" dt="2024-03-17T18:00:26.299" v="1101" actId="47"/>
         <pc:sldMkLst>
           <pc:docMk/>
           <pc:sldMk cId="2556941312" sldId="267"/>
@@ -259,6 +380,53 @@
             <pc:docMk/>
             <pc:sldMk cId="2556941312" sldId="267"/>
             <ac:picMk id="1026" creationId="{5D750342-9188-44A7-4790-ED4802A88F25}"/>
+          </ac:picMkLst>
+        </pc:picChg>
+      </pc:sldChg>
+      <pc:sldChg chg="addSp delSp modSp add mod">
+        <pc:chgData name="Alec Schonfeld" userId="908fa86f43668255" providerId="LiveId" clId="{79FCC42C-0D04-4566-8AEF-9323BAE520AF}" dt="2024-03-17T17:57:27.869" v="1100" actId="20577"/>
+        <pc:sldMkLst>
+          <pc:docMk/>
+          <pc:sldMk cId="158474597" sldId="268"/>
+        </pc:sldMkLst>
+        <pc:spChg chg="mod">
+          <ac:chgData name="Alec Schonfeld" userId="908fa86f43668255" providerId="LiveId" clId="{79FCC42C-0D04-4566-8AEF-9323BAE520AF}" dt="2024-03-17T17:56:48.589" v="1060" actId="20577"/>
+          <ac:spMkLst>
+            <pc:docMk/>
+            <pc:sldMk cId="158474597" sldId="268"/>
+            <ac:spMk id="2" creationId="{FEB747A8-57F7-F76F-9DEB-DE8DC57FF352}"/>
+          </ac:spMkLst>
+        </pc:spChg>
+        <pc:spChg chg="mod">
+          <ac:chgData name="Alec Schonfeld" userId="908fa86f43668255" providerId="LiveId" clId="{79FCC42C-0D04-4566-8AEF-9323BAE520AF}" dt="2024-03-17T17:57:27.869" v="1100" actId="20577"/>
+          <ac:spMkLst>
+            <pc:docMk/>
+            <pc:sldMk cId="158474597" sldId="268"/>
+            <ac:spMk id="7" creationId="{369D70C3-9EFA-94ED-A7AE-7A85E1EABC77}"/>
+          </ac:spMkLst>
+        </pc:spChg>
+        <pc:spChg chg="add del">
+          <ac:chgData name="Alec Schonfeld" userId="908fa86f43668255" providerId="LiveId" clId="{79FCC42C-0D04-4566-8AEF-9323BAE520AF}" dt="2024-03-17T17:56:59.012" v="1063" actId="22"/>
+          <ac:spMkLst>
+            <pc:docMk/>
+            <pc:sldMk cId="158474597" sldId="268"/>
+            <ac:spMk id="8" creationId="{7333843B-460A-0857-9879-494D9B0B7EC7}"/>
+          </ac:spMkLst>
+        </pc:spChg>
+        <pc:picChg chg="del">
+          <ac:chgData name="Alec Schonfeld" userId="908fa86f43668255" providerId="LiveId" clId="{79FCC42C-0D04-4566-8AEF-9323BAE520AF}" dt="2024-03-17T17:56:51.812" v="1061" actId="478"/>
+          <ac:picMkLst>
+            <pc:docMk/>
+            <pc:sldMk cId="158474597" sldId="268"/>
+            <ac:picMk id="1026" creationId="{7159D849-470C-44A1-BFA5-7B19BCD22CF1}"/>
+          </ac:picMkLst>
+        </pc:picChg>
+        <pc:picChg chg="add mod">
+          <ac:chgData name="Alec Schonfeld" userId="908fa86f43668255" providerId="LiveId" clId="{79FCC42C-0D04-4566-8AEF-9323BAE520AF}" dt="2024-03-17T17:57:15.559" v="1072" actId="1076"/>
+          <ac:picMkLst>
+            <pc:docMk/>
+            <pc:sldMk cId="158474597" sldId="268"/>
+            <ac:picMk id="2050" creationId="{151EC0D9-7687-B2CB-0D59-18FD3C9F07A2}"/>
           </ac:picMkLst>
         </pc:picChg>
       </pc:sldChg>
@@ -1551,7 +1719,7 @@
           <a:p>
             <a:fld id="{7CF0BCE0-945C-4FDF-95A1-2149B1FF5B83}" type="datetimeFigureOut">
               <a:rPr lang="en-US" smtClean="0"/>
-              <a:t>3/10/2024</a:t>
+              <a:t>3/17/2024</a:t>
             </a:fld>
             <a:endParaRPr lang="en-US"/>
           </a:p>
@@ -2278,7 +2446,7 @@
           <a:p>
             <a:fld id="{7CF0BCE0-945C-4FDF-95A1-2149B1FF5B83}" type="datetimeFigureOut">
               <a:rPr lang="en-US" smtClean="0"/>
-              <a:t>3/10/2024</a:t>
+              <a:t>3/17/2024</a:t>
             </a:fld>
             <a:endParaRPr lang="en-US"/>
           </a:p>
@@ -3151,7 +3319,7 @@
           <a:p>
             <a:fld id="{7CF0BCE0-945C-4FDF-95A1-2149B1FF5B83}" type="datetimeFigureOut">
               <a:rPr lang="en-US" smtClean="0"/>
-              <a:t>3/10/2024</a:t>
+              <a:t>3/17/2024</a:t>
             </a:fld>
             <a:endParaRPr lang="en-US"/>
           </a:p>
@@ -3865,7 +4033,7 @@
           <a:p>
             <a:fld id="{7CF0BCE0-945C-4FDF-95A1-2149B1FF5B83}" type="datetimeFigureOut">
               <a:rPr lang="en-US" smtClean="0"/>
-              <a:t>3/10/2024</a:t>
+              <a:t>3/17/2024</a:t>
             </a:fld>
             <a:endParaRPr lang="en-US"/>
           </a:p>
@@ -4575,7 +4743,7 @@
           <a:p>
             <a:fld id="{7CF0BCE0-945C-4FDF-95A1-2149B1FF5B83}" type="datetimeFigureOut">
               <a:rPr lang="en-US" smtClean="0"/>
-              <a:t>3/10/2024</a:t>
+              <a:t>3/17/2024</a:t>
             </a:fld>
             <a:endParaRPr lang="en-US" dirty="0"/>
           </a:p>
@@ -5512,7 +5680,7 @@
           <a:p>
             <a:fld id="{7CF0BCE0-945C-4FDF-95A1-2149B1FF5B83}" type="datetimeFigureOut">
               <a:rPr lang="en-US" smtClean="0"/>
-              <a:t>3/10/2024</a:t>
+              <a:t>3/17/2024</a:t>
             </a:fld>
             <a:endParaRPr lang="en-US"/>
           </a:p>
@@ -6732,7 +6900,7 @@
           <a:p>
             <a:fld id="{7CF0BCE0-945C-4FDF-95A1-2149B1FF5B83}" type="datetimeFigureOut">
               <a:rPr lang="en-US" smtClean="0"/>
-              <a:t>3/10/2024</a:t>
+              <a:t>3/17/2024</a:t>
             </a:fld>
             <a:endParaRPr lang="en-US"/>
           </a:p>
@@ -7398,7 +7566,7 @@
           <a:p>
             <a:fld id="{7CF0BCE0-945C-4FDF-95A1-2149B1FF5B83}" type="datetimeFigureOut">
               <a:rPr lang="en-US" smtClean="0"/>
-              <a:t>3/10/2024</a:t>
+              <a:t>3/17/2024</a:t>
             </a:fld>
             <a:endParaRPr lang="en-US"/>
           </a:p>
@@ -8167,7 +8335,7 @@
           <a:p>
             <a:fld id="{7CF0BCE0-945C-4FDF-95A1-2149B1FF5B83}" type="datetimeFigureOut">
               <a:rPr lang="en-US" smtClean="0"/>
-              <a:t>3/10/2024</a:t>
+              <a:t>3/17/2024</a:t>
             </a:fld>
             <a:endParaRPr lang="en-US"/>
           </a:p>
@@ -9279,7 +9447,7 @@
           <a:p>
             <a:fld id="{7CF0BCE0-945C-4FDF-95A1-2149B1FF5B83}" type="datetimeFigureOut">
               <a:rPr lang="en-US" smtClean="0"/>
-              <a:t>3/10/2024</a:t>
+              <a:t>3/17/2024</a:t>
             </a:fld>
             <a:endParaRPr lang="en-US"/>
           </a:p>
@@ -10087,7 +10255,7 @@
           <a:p>
             <a:fld id="{7CF0BCE0-945C-4FDF-95A1-2149B1FF5B83}" type="datetimeFigureOut">
               <a:rPr lang="en-US" smtClean="0"/>
-              <a:t>3/10/2024</a:t>
+              <a:t>3/17/2024</a:t>
             </a:fld>
             <a:endParaRPr lang="en-US"/>
           </a:p>
@@ -10371,7 +10539,7 @@
             <a:fld id="{7CF0BCE0-945C-4FDF-95A1-2149B1FF5B83}" type="datetimeFigureOut">
               <a:rPr lang="en-US" smtClean="0"/>
               <a:pPr algn="r"/>
-              <a:t>3/10/2024</a:t>
+              <a:t>3/17/2024</a:t>
             </a:fld>
             <a:endParaRPr lang="en-US" dirty="0"/>
           </a:p>
@@ -11800,500 +11968,6 @@
 </p:sld>
 </file>
 
-<file path=ppt/slides/slide10.xml><?xml version="1.0" encoding="utf-8"?>
-<p:sld xmlns:a="http://schemas.openxmlformats.org/drawingml/2006/main" xmlns:r="http://schemas.openxmlformats.org/officeDocument/2006/relationships" xmlns:p="http://schemas.openxmlformats.org/presentationml/2006/main">
-  <p:cSld>
-    <p:spTree>
-      <p:nvGrpSpPr>
-        <p:cNvPr id="1" name=""/>
-        <p:cNvGrpSpPr/>
-        <p:nvPr/>
-      </p:nvGrpSpPr>
-      <p:grpSpPr>
-        <a:xfrm>
-          <a:off x="0" y="0"/>
-          <a:ext cx="0" cy="0"/>
-          <a:chOff x="0" y="0"/>
-          <a:chExt cx="0" cy="0"/>
-        </a:xfrm>
-      </p:grpSpPr>
-      <p:sp>
-        <p:nvSpPr>
-          <p:cNvPr id="2" name="Title 1">
-            <a:extLst>
-              <a:ext uri="{FF2B5EF4-FFF2-40B4-BE49-F238E27FC236}">
-                <a16:creationId xmlns:a16="http://schemas.microsoft.com/office/drawing/2014/main" id="{6B83052D-B66D-B978-A98F-B1F510F0740D}"/>
-              </a:ext>
-            </a:extLst>
-          </p:cNvPr>
-          <p:cNvSpPr>
-            <a:spLocks noGrp="1"/>
-          </p:cNvSpPr>
-          <p:nvPr>
-            <p:ph type="title"/>
-          </p:nvPr>
-        </p:nvSpPr>
-        <p:spPr/>
-        <p:txBody>
-          <a:bodyPr/>
-          <a:lstStyle/>
-          <a:p>
-            <a:r>
-              <a:rPr lang="en-US" dirty="0"/>
-              <a:t>Boeing Analysis</a:t>
-            </a:r>
-          </a:p>
-        </p:txBody>
-      </p:sp>
-      <p:pic>
-        <p:nvPicPr>
-          <p:cNvPr id="2052" name="Picture 4">
-            <a:extLst>
-              <a:ext uri="{FF2B5EF4-FFF2-40B4-BE49-F238E27FC236}">
-                <a16:creationId xmlns:a16="http://schemas.microsoft.com/office/drawing/2014/main" id="{A3D27C65-F8EF-D668-8299-6CA4B084B754}"/>
-              </a:ext>
-            </a:extLst>
-          </p:cNvPr>
-          <p:cNvPicPr>
-            <a:picLocks noChangeAspect="1" noChangeArrowheads="1"/>
-          </p:cNvPicPr>
-          <p:nvPr/>
-        </p:nvPicPr>
-        <p:blipFill>
-          <a:blip r:embed="rId2">
-            <a:extLst>
-              <a:ext uri="{28A0092B-C50C-407E-A947-70E740481C1C}">
-                <a14:useLocalDpi xmlns:a14="http://schemas.microsoft.com/office/drawing/2010/main" val="0"/>
-              </a:ext>
-            </a:extLst>
-          </a:blip>
-          <a:srcRect/>
-          <a:stretch>
-            <a:fillRect/>
-          </a:stretch>
-        </p:blipFill>
-        <p:spPr bwMode="auto">
-          <a:xfrm>
-            <a:off x="540000" y="2256694"/>
-            <a:ext cx="6440646" cy="3838365"/>
-          </a:xfrm>
-          <a:prstGeom prst="rect">
-            <a:avLst/>
-          </a:prstGeom>
-          <a:noFill/>
-          <a:extLst>
-            <a:ext uri="{909E8E84-426E-40DD-AFC4-6F175D3DCCD1}">
-              <a14:hiddenFill xmlns:a14="http://schemas.microsoft.com/office/drawing/2010/main">
-                <a:solidFill>
-                  <a:srgbClr val="FFFFFF"/>
-                </a:solidFill>
-              </a14:hiddenFill>
-            </a:ext>
-          </a:extLst>
-        </p:spPr>
-      </p:pic>
-      <p:sp>
-        <p:nvSpPr>
-          <p:cNvPr id="4" name="Rectangle 3">
-            <a:extLst>
-              <a:ext uri="{FF2B5EF4-FFF2-40B4-BE49-F238E27FC236}">
-                <a16:creationId xmlns:a16="http://schemas.microsoft.com/office/drawing/2014/main" id="{34D4D2F3-5761-2B92-674A-848DA794F65C}"/>
-              </a:ext>
-            </a:extLst>
-          </p:cNvPr>
-          <p:cNvSpPr/>
-          <p:nvPr/>
-        </p:nvSpPr>
-        <p:spPr>
-          <a:xfrm>
-            <a:off x="540000" y="1861131"/>
-            <a:ext cx="6440646" cy="395563"/>
-          </a:xfrm>
-          <a:prstGeom prst="rect">
-            <a:avLst/>
-          </a:prstGeom>
-          <a:solidFill>
-            <a:schemeClr val="tx1">
-              <a:lumMod val="50000"/>
-            </a:schemeClr>
-          </a:solidFill>
-        </p:spPr>
-        <p:style>
-          <a:lnRef idx="2">
-            <a:schemeClr val="accent1">
-              <a:shade val="15000"/>
-            </a:schemeClr>
-          </a:lnRef>
-          <a:fillRef idx="1">
-            <a:schemeClr val="accent1"/>
-          </a:fillRef>
-          <a:effectRef idx="0">
-            <a:schemeClr val="accent1"/>
-          </a:effectRef>
-          <a:fontRef idx="minor">
-            <a:schemeClr val="lt1"/>
-          </a:fontRef>
-        </p:style>
-        <p:txBody>
-          <a:bodyPr rtlCol="0" anchor="ctr"/>
-          <a:lstStyle/>
-          <a:p>
-            <a:pPr algn="ctr"/>
-            <a:r>
-              <a:rPr lang="en-US" b="1" dirty="0"/>
-              <a:t>Boeing Aircraft Damage % By Model</a:t>
-            </a:r>
-          </a:p>
-        </p:txBody>
-      </p:sp>
-      <p:sp>
-        <p:nvSpPr>
-          <p:cNvPr id="5" name="Rectangle 4">
-            <a:extLst>
-              <a:ext uri="{FF2B5EF4-FFF2-40B4-BE49-F238E27FC236}">
-                <a16:creationId xmlns:a16="http://schemas.microsoft.com/office/drawing/2014/main" id="{63FD591D-0C76-67D2-64EE-6475FAF7EC6F}"/>
-              </a:ext>
-            </a:extLst>
-          </p:cNvPr>
-          <p:cNvSpPr/>
-          <p:nvPr/>
-        </p:nvSpPr>
-        <p:spPr>
-          <a:xfrm>
-            <a:off x="7228936" y="1863142"/>
-            <a:ext cx="4260364" cy="2904390"/>
-          </a:xfrm>
-          <a:prstGeom prst="rect">
-            <a:avLst/>
-          </a:prstGeom>
-          <a:solidFill>
-            <a:schemeClr val="tx1"/>
-          </a:solidFill>
-          <a:ln>
-            <a:solidFill>
-              <a:schemeClr val="bg1"/>
-            </a:solidFill>
-          </a:ln>
-          <a:effectLst>
-            <a:outerShdw blurRad="63500" sx="102000" sy="102000" algn="ctr" rotWithShape="0">
-              <a:prstClr val="black">
-                <a:alpha val="40000"/>
-              </a:prstClr>
-            </a:outerShdw>
-          </a:effectLst>
-        </p:spPr>
-        <p:style>
-          <a:lnRef idx="2">
-            <a:schemeClr val="accent1">
-              <a:shade val="15000"/>
-            </a:schemeClr>
-          </a:lnRef>
-          <a:fillRef idx="1">
-            <a:schemeClr val="accent1"/>
-          </a:fillRef>
-          <a:effectRef idx="0">
-            <a:schemeClr val="accent1"/>
-          </a:effectRef>
-          <a:fontRef idx="minor">
-            <a:schemeClr val="lt1"/>
-          </a:fontRef>
-        </p:style>
-        <p:txBody>
-          <a:bodyPr rtlCol="0" anchor="ctr"/>
-          <a:lstStyle/>
-          <a:p>
-            <a:pPr algn="ctr"/>
-            <a:endParaRPr lang="en-US" dirty="0"/>
-          </a:p>
-        </p:txBody>
-      </p:sp>
-      <p:sp>
-        <p:nvSpPr>
-          <p:cNvPr id="6" name="TextBox 5">
-            <a:extLst>
-              <a:ext uri="{FF2B5EF4-FFF2-40B4-BE49-F238E27FC236}">
-                <a16:creationId xmlns:a16="http://schemas.microsoft.com/office/drawing/2014/main" id="{AA501F71-E279-FFA6-8CDB-B1E032E053A1}"/>
-              </a:ext>
-            </a:extLst>
-          </p:cNvPr>
-          <p:cNvSpPr txBox="1"/>
-          <p:nvPr/>
-        </p:nvSpPr>
-        <p:spPr>
-          <a:xfrm>
-            <a:off x="7333640" y="2416483"/>
-            <a:ext cx="4155660" cy="2246769"/>
-          </a:xfrm>
-          <a:prstGeom prst="rect">
-            <a:avLst/>
-          </a:prstGeom>
-          <a:noFill/>
-        </p:spPr>
-        <p:txBody>
-          <a:bodyPr wrap="square" rtlCol="0">
-            <a:spAutoFit/>
-          </a:bodyPr>
-          <a:lstStyle/>
-          <a:p>
-            <a:pPr marL="285750" indent="-285750">
-              <a:lnSpc>
-                <a:spcPct val="150000"/>
-              </a:lnSpc>
-              <a:buFont typeface="Arial" panose="020B0604020202020204" pitchFamily="34" charset="0"/>
-              <a:buChar char="•"/>
-            </a:pPr>
-            <a:r>
-              <a:rPr lang="en-US" sz="1400" dirty="0">
-                <a:solidFill>
-                  <a:sysClr val="windowText" lastClr="000000"/>
-                </a:solidFill>
-              </a:rPr>
-              <a:t>The 777 model has the highest % of minor damage </a:t>
-            </a:r>
-          </a:p>
-          <a:p>
-            <a:pPr marL="285750" indent="-285750">
-              <a:lnSpc>
-                <a:spcPct val="150000"/>
-              </a:lnSpc>
-              <a:buFont typeface="Arial" panose="020B0604020202020204" pitchFamily="34" charset="0"/>
-              <a:buChar char="•"/>
-            </a:pPr>
-            <a:r>
-              <a:rPr lang="en-US" sz="1400" dirty="0">
-                <a:solidFill>
-                  <a:sysClr val="windowText" lastClr="000000"/>
-                </a:solidFill>
-              </a:rPr>
-              <a:t>A75N1 model has the highest substantial damage %</a:t>
-            </a:r>
-          </a:p>
-          <a:p>
-            <a:pPr marL="285750" indent="-285750">
-              <a:lnSpc>
-                <a:spcPct val="150000"/>
-              </a:lnSpc>
-              <a:buFont typeface="Arial" panose="020B0604020202020204" pitchFamily="34" charset="0"/>
-              <a:buChar char="•"/>
-            </a:pPr>
-            <a:r>
-              <a:rPr lang="en-US" sz="1400" dirty="0">
-                <a:solidFill>
-                  <a:sysClr val="windowText" lastClr="000000"/>
-                </a:solidFill>
-              </a:rPr>
-              <a:t>The 737-200 model has the highest destroyed %</a:t>
-            </a:r>
-          </a:p>
-          <a:p>
-            <a:pPr marL="285750" indent="-285750">
-              <a:buFont typeface="Arial" panose="020B0604020202020204" pitchFamily="34" charset="0"/>
-              <a:buChar char="•"/>
-            </a:pPr>
-            <a:endParaRPr lang="en-US" sz="1400" b="1" dirty="0">
-              <a:solidFill>
-                <a:sysClr val="windowText" lastClr="000000"/>
-              </a:solidFill>
-            </a:endParaRPr>
-          </a:p>
-        </p:txBody>
-      </p:sp>
-      <p:sp>
-        <p:nvSpPr>
-          <p:cNvPr id="7" name="Rectangle 6">
-            <a:extLst>
-              <a:ext uri="{FF2B5EF4-FFF2-40B4-BE49-F238E27FC236}">
-                <a16:creationId xmlns:a16="http://schemas.microsoft.com/office/drawing/2014/main" id="{DB0969C0-EDD7-8F13-173F-B29EE5898FCE}"/>
-              </a:ext>
-            </a:extLst>
-          </p:cNvPr>
-          <p:cNvSpPr/>
-          <p:nvPr/>
-        </p:nvSpPr>
-        <p:spPr>
-          <a:xfrm>
-            <a:off x="7228936" y="1863141"/>
-            <a:ext cx="4260364" cy="395563"/>
-          </a:xfrm>
-          <a:prstGeom prst="rect">
-            <a:avLst/>
-          </a:prstGeom>
-          <a:solidFill>
-            <a:schemeClr val="tx1">
-              <a:lumMod val="50000"/>
-            </a:schemeClr>
-          </a:solidFill>
-        </p:spPr>
-        <p:style>
-          <a:lnRef idx="2">
-            <a:schemeClr val="accent1">
-              <a:shade val="15000"/>
-            </a:schemeClr>
-          </a:lnRef>
-          <a:fillRef idx="1">
-            <a:schemeClr val="accent1"/>
-          </a:fillRef>
-          <a:effectRef idx="0">
-            <a:schemeClr val="accent1"/>
-          </a:effectRef>
-          <a:fontRef idx="minor">
-            <a:schemeClr val="lt1"/>
-          </a:fontRef>
-        </p:style>
-        <p:txBody>
-          <a:bodyPr rtlCol="0" anchor="ctr"/>
-          <a:lstStyle/>
-          <a:p>
-            <a:pPr algn="ctr"/>
-            <a:r>
-              <a:rPr lang="en-US" b="1" dirty="0"/>
-              <a:t>Key Insights</a:t>
-            </a:r>
-          </a:p>
-        </p:txBody>
-      </p:sp>
-    </p:spTree>
-    <p:extLst>
-      <p:ext uri="{BB962C8B-B14F-4D97-AF65-F5344CB8AC3E}">
-        <p14:creationId xmlns:p14="http://schemas.microsoft.com/office/powerpoint/2010/main" val="3893639157"/>
-      </p:ext>
-    </p:extLst>
-  </p:cSld>
-  <p:clrMapOvr>
-    <a:masterClrMapping/>
-  </p:clrMapOvr>
-</p:sld>
-</file>
-
-<file path=ppt/slides/slide11.xml><?xml version="1.0" encoding="utf-8"?>
-<p:sld xmlns:a="http://schemas.openxmlformats.org/drawingml/2006/main" xmlns:r="http://schemas.openxmlformats.org/officeDocument/2006/relationships" xmlns:p="http://schemas.openxmlformats.org/presentationml/2006/main">
-  <p:cSld>
-    <p:spTree>
-      <p:nvGrpSpPr>
-        <p:cNvPr id="1" name=""/>
-        <p:cNvGrpSpPr/>
-        <p:nvPr/>
-      </p:nvGrpSpPr>
-      <p:grpSpPr>
-        <a:xfrm>
-          <a:off x="0" y="0"/>
-          <a:ext cx="0" cy="0"/>
-          <a:chOff x="0" y="0"/>
-          <a:chExt cx="0" cy="0"/>
-        </a:xfrm>
-      </p:grpSpPr>
-      <p:sp>
-        <p:nvSpPr>
-          <p:cNvPr id="2" name="Title 1">
-            <a:extLst>
-              <a:ext uri="{FF2B5EF4-FFF2-40B4-BE49-F238E27FC236}">
-                <a16:creationId xmlns:a16="http://schemas.microsoft.com/office/drawing/2014/main" id="{99EB45DD-91EF-0BB4-0FFE-242F59E57CF3}"/>
-              </a:ext>
-            </a:extLst>
-          </p:cNvPr>
-          <p:cNvSpPr>
-            <a:spLocks noGrp="1"/>
-          </p:cNvSpPr>
-          <p:nvPr>
-            <p:ph type="title"/>
-          </p:nvPr>
-        </p:nvSpPr>
-        <p:spPr>
-          <a:xfrm>
-            <a:off x="540000" y="540000"/>
-            <a:ext cx="11101135" cy="1013901"/>
-          </a:xfrm>
-        </p:spPr>
-        <p:txBody>
-          <a:bodyPr/>
-          <a:lstStyle/>
-          <a:p>
-            <a:r>
-              <a:rPr lang="en-US" dirty="0"/>
-              <a:t>Recommendations </a:t>
-            </a:r>
-          </a:p>
-        </p:txBody>
-      </p:sp>
-      <p:sp>
-        <p:nvSpPr>
-          <p:cNvPr id="3" name="Content Placeholder 2">
-            <a:extLst>
-              <a:ext uri="{FF2B5EF4-FFF2-40B4-BE49-F238E27FC236}">
-                <a16:creationId xmlns:a16="http://schemas.microsoft.com/office/drawing/2014/main" id="{4B9F00F4-9D93-2110-F8BE-64592DAD8C04}"/>
-              </a:ext>
-            </a:extLst>
-          </p:cNvPr>
-          <p:cNvSpPr>
-            <a:spLocks noGrp="1"/>
-          </p:cNvSpPr>
-          <p:nvPr>
-            <p:ph idx="1"/>
-          </p:nvPr>
-        </p:nvSpPr>
-        <p:spPr>
-          <a:xfrm>
-            <a:off x="540000" y="1892061"/>
-            <a:ext cx="11101136" cy="4416664"/>
-          </a:xfrm>
-        </p:spPr>
-        <p:txBody>
-          <a:bodyPr/>
-          <a:lstStyle/>
-          <a:p>
-            <a:pPr marL="0" indent="0">
-              <a:buNone/>
-            </a:pPr>
-            <a:r>
-              <a:rPr lang="en-US" dirty="0"/>
-              <a:t>Recommendation: Based on the data we recommend using Boeing 777 and 747 models for this venture. Due to Boeing having the safest and most durable planes we believe it is the safest bet.  </a:t>
-            </a:r>
-          </a:p>
-          <a:p>
-            <a:pPr marL="0" indent="0">
-              <a:buNone/>
-            </a:pPr>
-            <a:endParaRPr lang="en-US" dirty="0"/>
-          </a:p>
-          <a:p>
-            <a:pPr marL="0" indent="0">
-              <a:buNone/>
-            </a:pPr>
-            <a:r>
-              <a:rPr lang="en-US" dirty="0"/>
-              <a:t>Supporting Data:</a:t>
-            </a:r>
-          </a:p>
-          <a:p>
-            <a:r>
-              <a:rPr lang="en-US" dirty="0"/>
-              <a:t>Boeing has the lowest percentage of destroyed aircrafts when compared to other Makes.</a:t>
-            </a:r>
-          </a:p>
-          <a:p>
-            <a:r>
-              <a:rPr lang="en-US" dirty="0"/>
-              <a:t>The 777 and 747 models have the lowest destroyed percentage out of all Boeing models. </a:t>
-            </a:r>
-          </a:p>
-          <a:p>
-            <a:endParaRPr lang="en-US" dirty="0"/>
-          </a:p>
-        </p:txBody>
-      </p:sp>
-    </p:spTree>
-    <p:extLst>
-      <p:ext uri="{BB962C8B-B14F-4D97-AF65-F5344CB8AC3E}">
-        <p14:creationId xmlns:p14="http://schemas.microsoft.com/office/powerpoint/2010/main" val="2727117123"/>
-      </p:ext>
-    </p:extLst>
-  </p:cSld>
-  <p:clrMapOvr>
-    <a:masterClrMapping/>
-  </p:clrMapOvr>
-</p:sld>
-</file>
-
 <file path=ppt/slides/slide2.xml><?xml version="1.0" encoding="utf-8"?>
 <p:sld xmlns:a="http://schemas.openxmlformats.org/drawingml/2006/main" xmlns:r="http://schemas.openxmlformats.org/officeDocument/2006/relationships" xmlns:p="http://schemas.openxmlformats.org/presentationml/2006/main">
   <p:cSld>
@@ -12334,7 +12008,7 @@
           <a:p>
             <a:r>
               <a:rPr lang="en-US" dirty="0"/>
-              <a:t>Overview</a:t>
+              <a:t>Overview and Recommendation</a:t>
             </a:r>
           </a:p>
         </p:txBody>
@@ -12355,7 +12029,12 @@
             <p:ph idx="1"/>
           </p:nvPr>
         </p:nvSpPr>
-        <p:spPr/>
+        <p:spPr>
+          <a:xfrm>
+            <a:off x="540000" y="1553901"/>
+            <a:ext cx="11101136" cy="4416664"/>
+          </a:xfrm>
+        </p:spPr>
         <p:txBody>
           <a:bodyPr/>
           <a:lstStyle/>
@@ -12754,14 +12433,14 @@
           <p:nvPr>
             <p:extLst>
               <p:ext uri="{D42A27DB-BD31-4B8C-83A1-F6EECF244321}">
-                <p14:modId xmlns:p14="http://schemas.microsoft.com/office/powerpoint/2010/main" val="2728930098"/>
+                <p14:modId xmlns:p14="http://schemas.microsoft.com/office/powerpoint/2010/main" val="146474851"/>
               </p:ext>
             </p:extLst>
           </p:nvPr>
         </p:nvGraphicFramePr>
         <p:xfrm>
           <a:off x="540000" y="1553901"/>
-          <a:ext cx="11101133" cy="4673897"/>
+          <a:ext cx="11101133" cy="5085223"/>
         </p:xfrm>
         <a:graphic>
           <a:graphicData uri="http://schemas.openxmlformats.org/drawingml/2006/table">
@@ -12777,14 +12456,14 @@
                     </a:ext>
                   </a:extLst>
                 </a:gridCol>
-                <a:gridCol w="4697643">
+                <a:gridCol w="4430429">
                   <a:extLst>
                     <a:ext uri="{9D8B030D-6E8A-4147-A177-3AD203B41FA5}">
                       <a16:colId xmlns:a16="http://schemas.microsoft.com/office/drawing/2014/main" val="2037929800"/>
                     </a:ext>
                   </a:extLst>
                 </a:gridCol>
-                <a:gridCol w="3781481">
+                <a:gridCol w="4048695">
                   <a:extLst>
                     <a:ext uri="{9D8B030D-6E8A-4147-A177-3AD203B41FA5}">
                       <a16:colId xmlns:a16="http://schemas.microsoft.com/office/drawing/2014/main" val="675432241"/>
@@ -12792,7 +12471,7 @@
                   </a:extLst>
                 </a:gridCol>
               </a:tblGrid>
-              <a:tr h="376217">
+              <a:tr h="346305">
                 <a:tc>
                   <a:txBody>
                     <a:bodyPr/>
@@ -12856,7 +12535,7 @@
                   </a:ext>
                 </a:extLst>
               </a:tr>
-              <a:tr h="0">
+              <a:tr h="643743">
                 <a:tc>
                   <a:txBody>
                     <a:bodyPr/>
@@ -12906,7 +12585,7 @@
                             <a:schemeClr val="tx1"/>
                           </a:solidFill>
                         </a:rPr>
-                        <a:t>Destroyed / Substantial / Minor / Unknown</a:t>
+                        <a:t>Destroyed / Substantial / Minor </a:t>
                       </a:r>
                     </a:p>
                   </a:txBody>
@@ -12943,7 +12622,7 @@
                   </a:ext>
                 </a:extLst>
               </a:tr>
-              <a:tr h="0">
+              <a:tr h="606034">
                 <a:tc>
                   <a:txBody>
                     <a:bodyPr/>
@@ -13015,7 +12694,7 @@
                   </a:ext>
                 </a:extLst>
               </a:tr>
-              <a:tr h="0">
+              <a:tr h="346305">
                 <a:tc>
                   <a:txBody>
                     <a:bodyPr/>
@@ -13087,7 +12766,7 @@
                   </a:ext>
                 </a:extLst>
               </a:tr>
-              <a:tr h="0">
+              <a:tr h="1029988">
                 <a:tc>
                   <a:txBody>
                     <a:bodyPr/>
@@ -13113,49 +12792,7 @@
                             <a:schemeClr val="tx1"/>
                           </a:solidFill>
                         </a:rPr>
-                        <a:t>Total Fatal Injuries</a:t>
-                      </a:r>
-                    </a:p>
-                    <a:p>
-                      <a:pPr marL="285750" indent="-285750">
-                        <a:buFont typeface="Arial" panose="020B0604020202020204" pitchFamily="34" charset="0"/>
-                        <a:buChar char="•"/>
-                      </a:pPr>
-                      <a:r>
-                        <a:rPr lang="en-US" dirty="0">
-                          <a:solidFill>
-                            <a:schemeClr val="tx1"/>
-                          </a:solidFill>
-                        </a:rPr>
-                        <a:t>Total Serious Injuries</a:t>
-                      </a:r>
-                    </a:p>
-                    <a:p>
-                      <a:pPr marL="285750" indent="-285750">
-                        <a:buFont typeface="Arial" panose="020B0604020202020204" pitchFamily="34" charset="0"/>
-                        <a:buChar char="•"/>
-                      </a:pPr>
-                      <a:r>
-                        <a:rPr lang="en-US" dirty="0">
-                          <a:solidFill>
-                            <a:schemeClr val="tx1"/>
-                          </a:solidFill>
-                        </a:rPr>
-                        <a:t>Total Minor Injuries</a:t>
-                      </a:r>
-                    </a:p>
-                    <a:p>
-                      <a:pPr marL="285750" indent="-285750">
-                        <a:buFont typeface="Arial" panose="020B0604020202020204" pitchFamily="34" charset="0"/>
-                        <a:buChar char="•"/>
-                      </a:pPr>
-                      <a:r>
-                        <a:rPr lang="en-US" dirty="0">
-                          <a:solidFill>
-                            <a:schemeClr val="tx1"/>
-                          </a:solidFill>
-                        </a:rPr>
-                        <a:t>Total Uninjured</a:t>
+                        <a:t>Total Fatal / Serious / Minor Injuries</a:t>
                       </a:r>
                     </a:p>
                   </a:txBody>
@@ -13212,7 +12849,7 @@
                   </a:ext>
                 </a:extLst>
               </a:tr>
-              <a:tr h="0">
+              <a:tr h="865763">
                 <a:tc>
                   <a:txBody>
                     <a:bodyPr/>
@@ -13228,7 +12865,7 @@
                             <a:schemeClr val="tx1"/>
                           </a:solidFill>
                         </a:rPr>
-                        <a:t>Weather.Condition</a:t>
+                        <a:t>Engine.Type</a:t>
                       </a:r>
                       <a:endParaRPr lang="en-US" dirty="0">
                         <a:solidFill>
@@ -13256,7 +12893,7 @@
                             <a:schemeClr val="tx1"/>
                           </a:solidFill>
                         </a:rPr>
-                        <a:t>Weather conditions during time of the flight</a:t>
+                        <a:t>The type of engine used in the aircraft</a:t>
                       </a:r>
                     </a:p>
                   </a:txBody>
@@ -13279,7 +12916,7 @@
                             <a:schemeClr val="tx1"/>
                           </a:solidFill>
                         </a:rPr>
-                        <a:t>Is there a correlation between weather and the severity of the accident?</a:t>
+                        <a:t>Is there a correlation between engine type and severity of the accident?</a:t>
                       </a:r>
                     </a:p>
                   </a:txBody>
@@ -13290,6 +12927,100 @@
                 <a:extLst>
                   <a:ext uri="{0D108BD9-81ED-4DB2-BD59-A6C34878D82A}">
                     <a16:rowId xmlns:a16="http://schemas.microsoft.com/office/drawing/2014/main" val="1777896820"/>
+                  </a:ext>
+                </a:extLst>
+              </a:tr>
+              <a:tr h="1125492">
+                <a:tc>
+                  <a:txBody>
+                    <a:bodyPr/>
+                    <a:lstStyle/>
+                    <a:p>
+                      <a:pPr marL="0" indent="0">
+                        <a:buFont typeface="Arial" panose="020B0604020202020204" pitchFamily="34" charset="0"/>
+                        <a:buNone/>
+                      </a:pPr>
+                      <a:r>
+                        <a:rPr lang="en-US" dirty="0" err="1">
+                          <a:solidFill>
+                            <a:schemeClr val="tx1"/>
+                          </a:solidFill>
+                        </a:rPr>
+                        <a:t>Num.of.Engines</a:t>
+                      </a:r>
+                      <a:endParaRPr lang="en-US" dirty="0">
+                        <a:solidFill>
+                          <a:schemeClr val="tx1"/>
+                        </a:solidFill>
+                      </a:endParaRPr>
+                    </a:p>
+                  </a:txBody>
+                  <a:tcPr>
+                    <a:noFill/>
+                  </a:tcPr>
+                </a:tc>
+                <a:tc>
+                  <a:txBody>
+                    <a:bodyPr/>
+                    <a:lstStyle/>
+                    <a:p>
+                      <a:pPr marL="0" indent="0">
+                        <a:buFont typeface="Arial" panose="020B0604020202020204" pitchFamily="34" charset="0"/>
+                        <a:buNone/>
+                      </a:pPr>
+                      <a:r>
+                        <a:rPr lang="en-US" dirty="0">
+                          <a:solidFill>
+                            <a:schemeClr val="tx1"/>
+                          </a:solidFill>
+                        </a:rPr>
+                        <a:t>The number of engines on the aircraft</a:t>
+                      </a:r>
+                    </a:p>
+                  </a:txBody>
+                  <a:tcPr>
+                    <a:noFill/>
+                  </a:tcPr>
+                </a:tc>
+                <a:tc>
+                  <a:txBody>
+                    <a:bodyPr/>
+                    <a:lstStyle/>
+                    <a:p>
+                      <a:pPr marL="285750" marR="0" lvl="0" indent="-285750" algn="l" defTabSz="914400" rtl="0" eaLnBrk="1" fontAlgn="auto" latinLnBrk="0" hangingPunct="1">
+                        <a:lnSpc>
+                          <a:spcPct val="100000"/>
+                        </a:lnSpc>
+                        <a:spcBef>
+                          <a:spcPts val="0"/>
+                        </a:spcBef>
+                        <a:spcAft>
+                          <a:spcPts val="0"/>
+                        </a:spcAft>
+                        <a:buClrTx/>
+                        <a:buSzTx/>
+                        <a:buFont typeface="Arial" panose="020B0604020202020204" pitchFamily="34" charset="0"/>
+                        <a:buChar char="•"/>
+                        <a:tabLst/>
+                        <a:defRPr/>
+                      </a:pPr>
+                      <a:r>
+                        <a:rPr lang="en-US" dirty="0">
+                          <a:solidFill>
+                            <a:schemeClr val="tx1"/>
+                          </a:solidFill>
+                        </a:rPr>
+                        <a:t>Is there a correlation between the # of engines and severity of the accident?</a:t>
+                      </a:r>
+                    </a:p>
+                  </a:txBody>
+                  <a:tcPr>
+                    <a:noFill/>
+                  </a:tcPr>
+                </a:tc>
+                <a:extLst>
+                  <a:ext uri="{0D108BD9-81ED-4DB2-BD59-A6C34878D82A}">
+                    <a16:rowId xmlns:a16="http://schemas.microsoft.com/office/drawing/2014/main" val="1075043438"/>
                   </a:ext>
                 </a:extLst>
               </a:tr>
@@ -13350,142 +13081,66 @@
           <a:p>
             <a:r>
               <a:rPr lang="en-US" dirty="0"/>
-              <a:t>Aircraft Damage by Model</a:t>
+              <a:t>Aircraft Damage by Engine Type</a:t>
             </a:r>
           </a:p>
         </p:txBody>
       </p:sp>
-      <p:grpSp>
-        <p:nvGrpSpPr>
-          <p:cNvPr id="5" name="Group 4">
+      <p:sp>
+        <p:nvSpPr>
+          <p:cNvPr id="4" name="Rectangle 3">
             <a:extLst>
               <a:ext uri="{FF2B5EF4-FFF2-40B4-BE49-F238E27FC236}">
-                <a16:creationId xmlns:a16="http://schemas.microsoft.com/office/drawing/2014/main" id="{C0E0B934-7B84-34C1-6FF0-98D25850E378}"/>
+                <a16:creationId xmlns:a16="http://schemas.microsoft.com/office/drawing/2014/main" id="{9C9AC17F-9250-F248-BC6A-9AE39A65D0AE}"/>
               </a:ext>
             </a:extLst>
           </p:cNvPr>
-          <p:cNvGrpSpPr/>
+          <p:cNvSpPr/>
           <p:nvPr/>
-        </p:nvGrpSpPr>
-        <p:grpSpPr>
+        </p:nvSpPr>
+        <p:spPr>
           <a:xfrm>
-            <a:off x="702700" y="1863141"/>
-            <a:ext cx="4312123" cy="3761113"/>
-            <a:chOff x="636849" y="1543061"/>
-            <a:chExt cx="4857750" cy="4619018"/>
+            <a:off x="702700" y="1863142"/>
+            <a:ext cx="4567005" cy="322094"/>
           </a:xfrm>
-          <a:effectLst>
-            <a:outerShdw blurRad="63500" sx="102000" sy="102000" algn="ctr" rotWithShape="0">
-              <a:prstClr val="black">
-                <a:alpha val="40000"/>
-              </a:prstClr>
-            </a:outerShdw>
-          </a:effectLst>
-        </p:grpSpPr>
-        <p:pic>
-          <p:nvPicPr>
-            <p:cNvPr id="2050" name="Picture 2">
-              <a:extLst>
-                <a:ext uri="{FF2B5EF4-FFF2-40B4-BE49-F238E27FC236}">
-                  <a16:creationId xmlns:a16="http://schemas.microsoft.com/office/drawing/2014/main" id="{9B552B0C-142B-B28B-77F7-521C561F0F62}"/>
-                </a:ext>
-              </a:extLst>
-            </p:cNvPr>
-            <p:cNvPicPr>
-              <a:picLocks noChangeAspect="1" noChangeArrowheads="1"/>
-            </p:cNvPicPr>
-            <p:nvPr/>
-          </p:nvPicPr>
-          <p:blipFill>
-            <a:blip r:embed="rId2">
-              <a:extLst>
-                <a:ext uri="{28A0092B-C50C-407E-A947-70E740481C1C}">
-                  <a14:useLocalDpi xmlns:a14="http://schemas.microsoft.com/office/drawing/2010/main" val="0"/>
-                </a:ext>
-              </a:extLst>
-            </a:blip>
-            <a:srcRect/>
-            <a:stretch>
-              <a:fillRect/>
-            </a:stretch>
-          </p:blipFill>
-          <p:spPr bwMode="auto">
-            <a:xfrm>
-              <a:off x="636849" y="1927784"/>
-              <a:ext cx="4857750" cy="4234295"/>
-            </a:xfrm>
-            <a:prstGeom prst="rect">
-              <a:avLst/>
-            </a:prstGeom>
-            <a:noFill/>
-            <a:effectLst/>
-            <a:extLst>
-              <a:ext uri="{909E8E84-426E-40DD-AFC4-6F175D3DCCD1}">
-                <a14:hiddenFill xmlns:a14="http://schemas.microsoft.com/office/drawing/2010/main">
-                  <a:solidFill>
-                    <a:srgbClr val="FFFFFF"/>
-                  </a:solidFill>
-                </a14:hiddenFill>
-              </a:ext>
-            </a:extLst>
-          </p:spPr>
-        </p:pic>
-        <p:sp>
-          <p:nvSpPr>
-            <p:cNvPr id="4" name="Rectangle 3">
-              <a:extLst>
-                <a:ext uri="{FF2B5EF4-FFF2-40B4-BE49-F238E27FC236}">
-                  <a16:creationId xmlns:a16="http://schemas.microsoft.com/office/drawing/2014/main" id="{9C9AC17F-9250-F248-BC6A-9AE39A65D0AE}"/>
-                </a:ext>
-              </a:extLst>
-            </p:cNvPr>
-            <p:cNvSpPr/>
-            <p:nvPr/>
-          </p:nvSpPr>
-          <p:spPr>
-            <a:xfrm>
-              <a:off x="636849" y="1543061"/>
-              <a:ext cx="4857750" cy="395563"/>
-            </a:xfrm>
-            <a:prstGeom prst="rect">
-              <a:avLst/>
-            </a:prstGeom>
-            <a:solidFill>
-              <a:schemeClr val="tx1">
-                <a:lumMod val="50000"/>
-              </a:schemeClr>
-            </a:solidFill>
-            <a:effectLst/>
-          </p:spPr>
-          <p:style>
-            <a:lnRef idx="2">
-              <a:schemeClr val="accent1">
-                <a:shade val="15000"/>
-              </a:schemeClr>
-            </a:lnRef>
-            <a:fillRef idx="1">
-              <a:schemeClr val="accent1"/>
-            </a:fillRef>
-            <a:effectRef idx="0">
-              <a:schemeClr val="accent1"/>
-            </a:effectRef>
-            <a:fontRef idx="minor">
-              <a:schemeClr val="lt1"/>
-            </a:fontRef>
-          </p:style>
-          <p:txBody>
-            <a:bodyPr rtlCol="0" anchor="ctr"/>
-            <a:lstStyle/>
-            <a:p>
-              <a:pPr algn="ctr"/>
-              <a:r>
-                <a:rPr lang="en-US" b="1" dirty="0"/>
-                <a:t>Aircraft Damage by Model</a:t>
-              </a:r>
-            </a:p>
-          </p:txBody>
-        </p:sp>
-      </p:grpSp>
+          <a:prstGeom prst="rect">
+            <a:avLst/>
+          </a:prstGeom>
+          <a:solidFill>
+            <a:schemeClr val="tx1">
+              <a:lumMod val="50000"/>
+            </a:schemeClr>
+          </a:solidFill>
+          <a:effectLst/>
+        </p:spPr>
+        <p:style>
+          <a:lnRef idx="2">
+            <a:schemeClr val="accent1">
+              <a:shade val="15000"/>
+            </a:schemeClr>
+          </a:lnRef>
+          <a:fillRef idx="1">
+            <a:schemeClr val="accent1"/>
+          </a:fillRef>
+          <a:effectRef idx="0">
+            <a:schemeClr val="accent1"/>
+          </a:effectRef>
+          <a:fontRef idx="minor">
+            <a:schemeClr val="lt1"/>
+          </a:fontRef>
+        </p:style>
+        <p:txBody>
+          <a:bodyPr rtlCol="0" anchor="ctr"/>
+          <a:lstStyle/>
+          <a:p>
+            <a:pPr algn="ctr"/>
+            <a:r>
+              <a:rPr lang="en-US" b="1" dirty="0"/>
+              <a:t>Aircraft Damage by Engine Type</a:t>
+            </a:r>
+          </a:p>
+        </p:txBody>
+      </p:sp>
       <p:sp>
         <p:nvSpPr>
           <p:cNvPr id="3" name="Rectangle 2">
@@ -13562,7 +13217,7 @@
         <p:spPr>
           <a:xfrm>
             <a:off x="6673754" y="2465587"/>
-            <a:ext cx="4435523" cy="1384995"/>
+            <a:ext cx="4435523" cy="1169551"/>
           </a:xfrm>
           <a:prstGeom prst="rect">
             <a:avLst/>
@@ -13580,12 +13235,20 @@
               <a:buChar char="•"/>
             </a:pPr>
             <a:r>
+              <a:rPr lang="en-US" sz="1400" b="1" dirty="0">
+                <a:solidFill>
+                  <a:sysClr val="windowText" lastClr="000000"/>
+                </a:solidFill>
+              </a:rPr>
+              <a:t>Turbo Fan </a:t>
+            </a:r>
+            <a:r>
               <a:rPr lang="en-US" sz="1400" dirty="0">
                 <a:solidFill>
                   <a:sysClr val="windowText" lastClr="000000"/>
                 </a:solidFill>
               </a:rPr>
-              <a:t>The NTSB aviation accident database contains information </a:t>
+              <a:t>and </a:t>
             </a:r>
             <a:r>
               <a:rPr lang="en-US" sz="1400" b="1" dirty="0">
@@ -13593,7 +13256,23 @@
                   <a:sysClr val="windowText" lastClr="000000"/>
                 </a:solidFill>
               </a:rPr>
-              <a:t>from 1962 and later about civil aviation accidents and selected incidents within the United States, its territories and possessions, and in international waters.</a:t>
+              <a:t>Turbo Jet </a:t>
+            </a:r>
+            <a:r>
+              <a:rPr lang="en-US" sz="1400" dirty="0">
+                <a:solidFill>
+                  <a:sysClr val="windowText" lastClr="000000"/>
+                </a:solidFill>
+              </a:rPr>
+              <a:t>have by far the </a:t>
+            </a:r>
+            <a:r>
+              <a:rPr lang="en-US" sz="1400" b="1" dirty="0">
+                <a:solidFill>
+                  <a:sysClr val="windowText" lastClr="000000"/>
+                </a:solidFill>
+              </a:rPr>
+              <a:t>highest percentage of minor aircraft damage</a:t>
             </a:r>
           </a:p>
           <a:p>
@@ -13601,11 +13280,46 @@
               <a:buFont typeface="Arial" panose="020B0604020202020204" pitchFamily="34" charset="0"/>
               <a:buChar char="•"/>
             </a:pPr>
-            <a:endParaRPr lang="en-US" sz="1400" b="1" dirty="0">
-              <a:solidFill>
-                <a:sysClr val="windowText" lastClr="000000"/>
-              </a:solidFill>
-            </a:endParaRPr>
+            <a:r>
+              <a:rPr lang="en-US" sz="1400" b="1" dirty="0">
+                <a:solidFill>
+                  <a:sysClr val="windowText" lastClr="000000"/>
+                </a:solidFill>
+              </a:rPr>
+              <a:t>Electric engines </a:t>
+            </a:r>
+            <a:r>
+              <a:rPr lang="en-US" sz="1400" dirty="0">
+                <a:solidFill>
+                  <a:sysClr val="windowText" lastClr="000000"/>
+                </a:solidFill>
+              </a:rPr>
+              <a:t>seem </a:t>
+            </a:r>
+            <a:r>
+              <a:rPr lang="en-US" sz="1400" b="1" dirty="0">
+                <a:solidFill>
+                  <a:sysClr val="windowText" lastClr="000000"/>
+                </a:solidFill>
+              </a:rPr>
+              <a:t>the most dangerous </a:t>
+            </a:r>
+            <a:r>
+              <a:rPr lang="en-US" sz="1400" dirty="0">
+                <a:solidFill>
+                  <a:sysClr val="windowText" lastClr="000000"/>
+                </a:solidFill>
+              </a:rPr>
+              <a:t>with the </a:t>
+            </a:r>
+            <a:r>
+              <a:rPr lang="en-US" sz="1400" b="1" dirty="0">
+                <a:solidFill>
+                  <a:sysClr val="windowText" lastClr="000000"/>
+                </a:solidFill>
+              </a:rPr>
+              <a:t>highest percentage of substantial damage</a:t>
+            </a:r>
           </a:p>
         </p:txBody>
       </p:sp>
@@ -13658,11 +13372,58 @@
             <a:pPr algn="ctr"/>
             <a:r>
               <a:rPr lang="en-US" b="1" dirty="0"/>
-              <a:t>Database Overview</a:t>
+              <a:t>Key Insights</a:t>
             </a:r>
           </a:p>
         </p:txBody>
       </p:sp>
+      <p:pic>
+        <p:nvPicPr>
+          <p:cNvPr id="1026" name="Picture 2">
+            <a:extLst>
+              <a:ext uri="{FF2B5EF4-FFF2-40B4-BE49-F238E27FC236}">
+                <a16:creationId xmlns:a16="http://schemas.microsoft.com/office/drawing/2014/main" id="{7159D849-470C-44A1-BFA5-7B19BCD22CF1}"/>
+              </a:ext>
+            </a:extLst>
+          </p:cNvPr>
+          <p:cNvPicPr>
+            <a:picLocks noChangeAspect="1" noChangeArrowheads="1"/>
+          </p:cNvPicPr>
+          <p:nvPr/>
+        </p:nvPicPr>
+        <p:blipFill>
+          <a:blip r:embed="rId2">
+            <a:extLst>
+              <a:ext uri="{28A0092B-C50C-407E-A947-70E740481C1C}">
+                <a14:useLocalDpi xmlns:a14="http://schemas.microsoft.com/office/drawing/2010/main" val="0"/>
+              </a:ext>
+            </a:extLst>
+          </a:blip>
+          <a:srcRect/>
+          <a:stretch>
+            <a:fillRect/>
+          </a:stretch>
+        </p:blipFill>
+        <p:spPr bwMode="auto">
+          <a:xfrm>
+            <a:off x="702700" y="2185236"/>
+            <a:ext cx="4567005" cy="3343932"/>
+          </a:xfrm>
+          <a:prstGeom prst="rect">
+            <a:avLst/>
+          </a:prstGeom>
+          <a:noFill/>
+          <a:extLst>
+            <a:ext uri="{909E8E84-426E-40DD-AFC4-6F175D3DCCD1}">
+              <a14:hiddenFill xmlns:a14="http://schemas.microsoft.com/office/drawing/2010/main">
+                <a:solidFill>
+                  <a:srgbClr val="FFFFFF"/>
+                </a:solidFill>
+              </a14:hiddenFill>
+            </a:ext>
+          </a:extLst>
+        </p:spPr>
+      </p:pic>
     </p:spTree>
     <p:extLst>
       <p:ext uri="{BB962C8B-B14F-4D97-AF65-F5344CB8AC3E}">
@@ -13677,6 +13438,402 @@
 </file>
 
 <file path=ppt/slides/slide6.xml><?xml version="1.0" encoding="utf-8"?>
+<p:sld xmlns:a="http://schemas.openxmlformats.org/drawingml/2006/main" xmlns:r="http://schemas.openxmlformats.org/officeDocument/2006/relationships" xmlns:p="http://schemas.openxmlformats.org/presentationml/2006/main">
+  <p:cSld>
+    <p:spTree>
+      <p:nvGrpSpPr>
+        <p:cNvPr id="1" name=""/>
+        <p:cNvGrpSpPr/>
+        <p:nvPr/>
+      </p:nvGrpSpPr>
+      <p:grpSpPr>
+        <a:xfrm>
+          <a:off x="0" y="0"/>
+          <a:ext cx="0" cy="0"/>
+          <a:chOff x="0" y="0"/>
+          <a:chExt cx="0" cy="0"/>
+        </a:xfrm>
+      </p:grpSpPr>
+      <p:sp>
+        <p:nvSpPr>
+          <p:cNvPr id="2" name="Title 1">
+            <a:extLst>
+              <a:ext uri="{FF2B5EF4-FFF2-40B4-BE49-F238E27FC236}">
+                <a16:creationId xmlns:a16="http://schemas.microsoft.com/office/drawing/2014/main" id="{FEB747A8-57F7-F76F-9DEB-DE8DC57FF352}"/>
+              </a:ext>
+            </a:extLst>
+          </p:cNvPr>
+          <p:cNvSpPr>
+            <a:spLocks noGrp="1"/>
+          </p:cNvSpPr>
+          <p:nvPr>
+            <p:ph type="title"/>
+          </p:nvPr>
+        </p:nvSpPr>
+        <p:spPr/>
+        <p:txBody>
+          <a:bodyPr/>
+          <a:lstStyle/>
+          <a:p>
+            <a:r>
+              <a:rPr lang="en-US" dirty="0"/>
+              <a:t>Aircraft Damage by # of Engines</a:t>
+            </a:r>
+          </a:p>
+        </p:txBody>
+      </p:sp>
+      <p:sp>
+        <p:nvSpPr>
+          <p:cNvPr id="4" name="Rectangle 3">
+            <a:extLst>
+              <a:ext uri="{FF2B5EF4-FFF2-40B4-BE49-F238E27FC236}">
+                <a16:creationId xmlns:a16="http://schemas.microsoft.com/office/drawing/2014/main" id="{9C9AC17F-9250-F248-BC6A-9AE39A65D0AE}"/>
+              </a:ext>
+            </a:extLst>
+          </p:cNvPr>
+          <p:cNvSpPr/>
+          <p:nvPr/>
+        </p:nvSpPr>
+        <p:spPr>
+          <a:xfrm>
+            <a:off x="702700" y="1863142"/>
+            <a:ext cx="4567005" cy="322094"/>
+          </a:xfrm>
+          <a:prstGeom prst="rect">
+            <a:avLst/>
+          </a:prstGeom>
+          <a:solidFill>
+            <a:schemeClr val="tx1">
+              <a:lumMod val="50000"/>
+            </a:schemeClr>
+          </a:solidFill>
+          <a:effectLst/>
+        </p:spPr>
+        <p:style>
+          <a:lnRef idx="2">
+            <a:schemeClr val="accent1">
+              <a:shade val="15000"/>
+            </a:schemeClr>
+          </a:lnRef>
+          <a:fillRef idx="1">
+            <a:schemeClr val="accent1"/>
+          </a:fillRef>
+          <a:effectRef idx="0">
+            <a:schemeClr val="accent1"/>
+          </a:effectRef>
+          <a:fontRef idx="minor">
+            <a:schemeClr val="lt1"/>
+          </a:fontRef>
+        </p:style>
+        <p:txBody>
+          <a:bodyPr rtlCol="0" anchor="ctr"/>
+          <a:lstStyle/>
+          <a:p>
+            <a:pPr algn="ctr"/>
+            <a:r>
+              <a:rPr lang="en-US" b="1" dirty="0"/>
+              <a:t>Aircraft Damage by Engine Type</a:t>
+            </a:r>
+          </a:p>
+        </p:txBody>
+      </p:sp>
+      <p:sp>
+        <p:nvSpPr>
+          <p:cNvPr id="3" name="Rectangle 2">
+            <a:extLst>
+              <a:ext uri="{FF2B5EF4-FFF2-40B4-BE49-F238E27FC236}">
+                <a16:creationId xmlns:a16="http://schemas.microsoft.com/office/drawing/2014/main" id="{ABB355F9-052D-60D3-7379-84D9308F0ADA}"/>
+              </a:ext>
+            </a:extLst>
+          </p:cNvPr>
+          <p:cNvSpPr/>
+          <p:nvPr/>
+        </p:nvSpPr>
+        <p:spPr>
+          <a:xfrm>
+            <a:off x="6469039" y="1863142"/>
+            <a:ext cx="5020261" cy="3761113"/>
+          </a:xfrm>
+          <a:prstGeom prst="rect">
+            <a:avLst/>
+          </a:prstGeom>
+          <a:solidFill>
+            <a:schemeClr val="tx1"/>
+          </a:solidFill>
+          <a:ln>
+            <a:solidFill>
+              <a:schemeClr val="bg1"/>
+            </a:solidFill>
+          </a:ln>
+          <a:effectLst>
+            <a:outerShdw blurRad="63500" sx="102000" sy="102000" algn="ctr" rotWithShape="0">
+              <a:prstClr val="black">
+                <a:alpha val="40000"/>
+              </a:prstClr>
+            </a:outerShdw>
+          </a:effectLst>
+        </p:spPr>
+        <p:style>
+          <a:lnRef idx="2">
+            <a:schemeClr val="accent1">
+              <a:shade val="15000"/>
+            </a:schemeClr>
+          </a:lnRef>
+          <a:fillRef idx="1">
+            <a:schemeClr val="accent1"/>
+          </a:fillRef>
+          <a:effectRef idx="0">
+            <a:schemeClr val="accent1"/>
+          </a:effectRef>
+          <a:fontRef idx="minor">
+            <a:schemeClr val="lt1"/>
+          </a:fontRef>
+        </p:style>
+        <p:txBody>
+          <a:bodyPr rtlCol="0" anchor="ctr"/>
+          <a:lstStyle/>
+          <a:p>
+            <a:pPr algn="ctr"/>
+            <a:endParaRPr lang="en-US" sz="2400" dirty="0"/>
+          </a:p>
+        </p:txBody>
+      </p:sp>
+      <p:sp>
+        <p:nvSpPr>
+          <p:cNvPr id="6" name="TextBox 5">
+            <a:extLst>
+              <a:ext uri="{FF2B5EF4-FFF2-40B4-BE49-F238E27FC236}">
+                <a16:creationId xmlns:a16="http://schemas.microsoft.com/office/drawing/2014/main" id="{4B858546-838E-9CA7-3985-783560A0234E}"/>
+              </a:ext>
+            </a:extLst>
+          </p:cNvPr>
+          <p:cNvSpPr txBox="1"/>
+          <p:nvPr/>
+        </p:nvSpPr>
+        <p:spPr>
+          <a:xfrm>
+            <a:off x="6673754" y="2465587"/>
+            <a:ext cx="4435523" cy="1169551"/>
+          </a:xfrm>
+          <a:prstGeom prst="rect">
+            <a:avLst/>
+          </a:prstGeom>
+          <a:noFill/>
+        </p:spPr>
+        <p:txBody>
+          <a:bodyPr wrap="square" rtlCol="0">
+            <a:spAutoFit/>
+          </a:bodyPr>
+          <a:lstStyle/>
+          <a:p>
+            <a:pPr marL="285750" indent="-285750">
+              <a:buFont typeface="Arial" panose="020B0604020202020204" pitchFamily="34" charset="0"/>
+              <a:buChar char="•"/>
+            </a:pPr>
+            <a:r>
+              <a:rPr lang="en-US" sz="1400" b="1" dirty="0">
+                <a:solidFill>
+                  <a:sysClr val="windowText" lastClr="000000"/>
+                </a:solidFill>
+              </a:rPr>
+              <a:t>Turbo Fan </a:t>
+            </a:r>
+            <a:r>
+              <a:rPr lang="en-US" sz="1400" dirty="0">
+                <a:solidFill>
+                  <a:sysClr val="windowText" lastClr="000000"/>
+                </a:solidFill>
+              </a:rPr>
+              <a:t>and </a:t>
+            </a:r>
+            <a:r>
+              <a:rPr lang="en-US" sz="1400" b="1" dirty="0">
+                <a:solidFill>
+                  <a:sysClr val="windowText" lastClr="000000"/>
+                </a:solidFill>
+              </a:rPr>
+              <a:t>Turbo Jet </a:t>
+            </a:r>
+            <a:r>
+              <a:rPr lang="en-US" sz="1400" dirty="0">
+                <a:solidFill>
+                  <a:sysClr val="windowText" lastClr="000000"/>
+                </a:solidFill>
+              </a:rPr>
+              <a:t>have by far the </a:t>
+            </a:r>
+            <a:r>
+              <a:rPr lang="en-US" sz="1400" b="1" dirty="0">
+                <a:solidFill>
+                  <a:sysClr val="windowText" lastClr="000000"/>
+                </a:solidFill>
+              </a:rPr>
+              <a:t>highest percentage of minor aircraft damage</a:t>
+            </a:r>
+          </a:p>
+          <a:p>
+            <a:pPr marL="285750" indent="-285750">
+              <a:buFont typeface="Arial" panose="020B0604020202020204" pitchFamily="34" charset="0"/>
+              <a:buChar char="•"/>
+            </a:pPr>
+            <a:r>
+              <a:rPr lang="en-US" sz="1400" b="1" dirty="0">
+                <a:solidFill>
+                  <a:sysClr val="windowText" lastClr="000000"/>
+                </a:solidFill>
+              </a:rPr>
+              <a:t>Electric engines </a:t>
+            </a:r>
+            <a:r>
+              <a:rPr lang="en-US" sz="1400" dirty="0">
+                <a:solidFill>
+                  <a:sysClr val="windowText" lastClr="000000"/>
+                </a:solidFill>
+              </a:rPr>
+              <a:t>seem </a:t>
+            </a:r>
+            <a:r>
+              <a:rPr lang="en-US" sz="1400" b="1" dirty="0">
+                <a:solidFill>
+                  <a:sysClr val="windowText" lastClr="000000"/>
+                </a:solidFill>
+              </a:rPr>
+              <a:t>the most dangerous </a:t>
+            </a:r>
+            <a:r>
+              <a:rPr lang="en-US" sz="1400" dirty="0">
+                <a:solidFill>
+                  <a:sysClr val="windowText" lastClr="000000"/>
+                </a:solidFill>
+              </a:rPr>
+              <a:t>with the </a:t>
+            </a:r>
+            <a:r>
+              <a:rPr lang="en-US" sz="1400" b="1" dirty="0">
+                <a:solidFill>
+                  <a:sysClr val="windowText" lastClr="000000"/>
+                </a:solidFill>
+              </a:rPr>
+              <a:t>highest percentage of substantial damage</a:t>
+            </a:r>
+          </a:p>
+        </p:txBody>
+      </p:sp>
+      <p:sp>
+        <p:nvSpPr>
+          <p:cNvPr id="7" name="Rectangle 6">
+            <a:extLst>
+              <a:ext uri="{FF2B5EF4-FFF2-40B4-BE49-F238E27FC236}">
+                <a16:creationId xmlns:a16="http://schemas.microsoft.com/office/drawing/2014/main" id="{369D70C3-9EFA-94ED-A7AE-7A85E1EABC77}"/>
+              </a:ext>
+            </a:extLst>
+          </p:cNvPr>
+          <p:cNvSpPr/>
+          <p:nvPr/>
+        </p:nvSpPr>
+        <p:spPr>
+          <a:xfrm>
+            <a:off x="6469039" y="1863141"/>
+            <a:ext cx="5020261" cy="395563"/>
+          </a:xfrm>
+          <a:prstGeom prst="rect">
+            <a:avLst/>
+          </a:prstGeom>
+          <a:solidFill>
+            <a:schemeClr val="tx1">
+              <a:lumMod val="50000"/>
+            </a:schemeClr>
+          </a:solidFill>
+        </p:spPr>
+        <p:style>
+          <a:lnRef idx="2">
+            <a:schemeClr val="accent1">
+              <a:shade val="15000"/>
+            </a:schemeClr>
+          </a:lnRef>
+          <a:fillRef idx="1">
+            <a:schemeClr val="accent1"/>
+          </a:fillRef>
+          <a:effectRef idx="0">
+            <a:schemeClr val="accent1"/>
+          </a:effectRef>
+          <a:fontRef idx="minor">
+            <a:schemeClr val="lt1"/>
+          </a:fontRef>
+        </p:style>
+        <p:txBody>
+          <a:bodyPr rtlCol="0" anchor="ctr"/>
+          <a:lstStyle/>
+          <a:p>
+            <a:pPr algn="ctr"/>
+            <a:r>
+              <a:rPr lang="en-US" b="1" dirty="0"/>
+              <a:t>Key Insights</a:t>
+            </a:r>
+          </a:p>
+        </p:txBody>
+      </p:sp>
+      <p:pic>
+        <p:nvPicPr>
+          <p:cNvPr id="2050" name="Picture 2">
+            <a:extLst>
+              <a:ext uri="{FF2B5EF4-FFF2-40B4-BE49-F238E27FC236}">
+                <a16:creationId xmlns:a16="http://schemas.microsoft.com/office/drawing/2014/main" id="{151EC0D9-7687-B2CB-0D59-18FD3C9F07A2}"/>
+              </a:ext>
+            </a:extLst>
+          </p:cNvPr>
+          <p:cNvPicPr>
+            <a:picLocks noChangeAspect="1" noChangeArrowheads="1"/>
+          </p:cNvPicPr>
+          <p:nvPr/>
+        </p:nvPicPr>
+        <p:blipFill>
+          <a:blip r:embed="rId2">
+            <a:extLst>
+              <a:ext uri="{28A0092B-C50C-407E-A947-70E740481C1C}">
+                <a14:useLocalDpi xmlns:a14="http://schemas.microsoft.com/office/drawing/2010/main" val="0"/>
+              </a:ext>
+            </a:extLst>
+          </a:blip>
+          <a:srcRect/>
+          <a:stretch>
+            <a:fillRect/>
+          </a:stretch>
+        </p:blipFill>
+        <p:spPr bwMode="auto">
+          <a:xfrm>
+            <a:off x="702700" y="2185236"/>
+            <a:ext cx="4567005" cy="2869015"/>
+          </a:xfrm>
+          <a:prstGeom prst="rect">
+            <a:avLst/>
+          </a:prstGeom>
+          <a:noFill/>
+          <a:extLst>
+            <a:ext uri="{909E8E84-426E-40DD-AFC4-6F175D3DCCD1}">
+              <a14:hiddenFill xmlns:a14="http://schemas.microsoft.com/office/drawing/2010/main">
+                <a:solidFill>
+                  <a:srgbClr val="FFFFFF"/>
+                </a:solidFill>
+              </a14:hiddenFill>
+            </a:ext>
+          </a:extLst>
+        </p:spPr>
+      </p:pic>
+    </p:spTree>
+    <p:extLst>
+      <p:ext uri="{BB962C8B-B14F-4D97-AF65-F5344CB8AC3E}">
+        <p14:creationId xmlns:p14="http://schemas.microsoft.com/office/powerpoint/2010/main" val="158474597"/>
+      </p:ext>
+    </p:extLst>
+  </p:cSld>
+  <p:clrMapOvr>
+    <a:masterClrMapping/>
+  </p:clrMapOvr>
+</p:sld>
+</file>
+
+<file path=ppt/slides/slide7.xml><?xml version="1.0" encoding="utf-8"?>
 <p:sld xmlns:a="http://schemas.openxmlformats.org/drawingml/2006/main" xmlns:r="http://schemas.openxmlformats.org/officeDocument/2006/relationships" xmlns:p="http://schemas.openxmlformats.org/presentationml/2006/main">
   <p:cSld>
     <p:spTree>
@@ -14058,7 +14215,7 @@
 </p:sld>
 </file>
 
-<file path=ppt/slides/slide7.xml><?xml version="1.0" encoding="utf-8"?>
+<file path=ppt/slides/slide8.xml><?xml version="1.0" encoding="utf-8"?>
 <p:sld xmlns:a="http://schemas.openxmlformats.org/drawingml/2006/main" xmlns:r="http://schemas.openxmlformats.org/officeDocument/2006/relationships" xmlns:p="http://schemas.openxmlformats.org/presentationml/2006/main">
   <p:cSld>
     <p:spTree>
@@ -14080,7 +14237,7 @@
           <p:cNvPr id="2" name="Title 1">
             <a:extLst>
               <a:ext uri="{FF2B5EF4-FFF2-40B4-BE49-F238E27FC236}">
-                <a16:creationId xmlns:a16="http://schemas.microsoft.com/office/drawing/2014/main" id="{8558DD5D-71E8-81DB-1686-8E9E4DE5D74C}"/>
+                <a16:creationId xmlns:a16="http://schemas.microsoft.com/office/drawing/2014/main" id="{6B83052D-B66D-B978-A98F-B1F510F0740D}"/>
               </a:ext>
             </a:extLst>
           </p:cNvPr>
@@ -14098,17 +14255,17 @@
           <a:p>
             <a:r>
               <a:rPr lang="en-US" dirty="0"/>
-              <a:t>Aircraft Injuries by Make</a:t>
+              <a:t>Exploring Boeing Deeper</a:t>
             </a:r>
           </a:p>
         </p:txBody>
       </p:sp>
       <p:pic>
         <p:nvPicPr>
-          <p:cNvPr id="1026" name="Picture 2">
+          <p:cNvPr id="2052" name="Picture 4">
             <a:extLst>
               <a:ext uri="{FF2B5EF4-FFF2-40B4-BE49-F238E27FC236}">
-                <a16:creationId xmlns:a16="http://schemas.microsoft.com/office/drawing/2014/main" id="{5D750342-9188-44A7-4790-ED4802A88F25}"/>
+                <a16:creationId xmlns:a16="http://schemas.microsoft.com/office/drawing/2014/main" id="{A3D27C65-F8EF-D668-8299-6CA4B084B754}"/>
               </a:ext>
             </a:extLst>
           </p:cNvPr>
@@ -14132,8 +14289,8 @@
         </p:blipFill>
         <p:spPr bwMode="auto">
           <a:xfrm>
-            <a:off x="540000" y="2332346"/>
-            <a:ext cx="5488862" cy="3492261"/>
+            <a:off x="540000" y="2256694"/>
+            <a:ext cx="6440646" cy="3838365"/>
           </a:xfrm>
           <a:prstGeom prst="rect">
             <a:avLst/>
@@ -14155,7 +14312,7 @@
           <p:cNvPr id="4" name="Rectangle 3">
             <a:extLst>
               <a:ext uri="{FF2B5EF4-FFF2-40B4-BE49-F238E27FC236}">
-                <a16:creationId xmlns:a16="http://schemas.microsoft.com/office/drawing/2014/main" id="{9A7B8CC0-C8AF-9704-74B9-691C1210E8C3}"/>
+                <a16:creationId xmlns:a16="http://schemas.microsoft.com/office/drawing/2014/main" id="{34D4D2F3-5761-2B92-674A-848DA794F65C}"/>
               </a:ext>
             </a:extLst>
           </p:cNvPr>
@@ -14164,8 +14321,8 @@
         </p:nvSpPr>
         <p:spPr>
           <a:xfrm>
-            <a:off x="540000" y="1936783"/>
-            <a:ext cx="5488862" cy="395563"/>
+            <a:off x="540000" y="1861131"/>
+            <a:ext cx="6440646" cy="395563"/>
           </a:xfrm>
           <a:prstGeom prst="rect">
             <a:avLst/>
@@ -14175,7 +14332,6 @@
               <a:lumMod val="50000"/>
             </a:schemeClr>
           </a:solidFill>
-          <a:effectLst/>
         </p:spPr>
         <p:style>
           <a:lnRef idx="2">
@@ -14200,7 +14356,7 @@
             <a:pPr algn="ctr"/>
             <a:r>
               <a:rPr lang="en-US" b="1" dirty="0"/>
-              <a:t>Aircraft Injuries by Model</a:t>
+              <a:t>Boeing Aircraft Damage % By Model</a:t>
             </a:r>
           </a:p>
         </p:txBody>
@@ -14210,7 +14366,7 @@
           <p:cNvPr id="5" name="Rectangle 4">
             <a:extLst>
               <a:ext uri="{FF2B5EF4-FFF2-40B4-BE49-F238E27FC236}">
-                <a16:creationId xmlns:a16="http://schemas.microsoft.com/office/drawing/2014/main" id="{4BE9D9AA-F923-9CAC-E4B5-8CF991568193}"/>
+                <a16:creationId xmlns:a16="http://schemas.microsoft.com/office/drawing/2014/main" id="{63FD591D-0C76-67D2-64EE-6475FAF7EC6F}"/>
               </a:ext>
             </a:extLst>
           </p:cNvPr>
@@ -14219,8 +14375,8 @@
         </p:nvSpPr>
         <p:spPr>
           <a:xfrm>
-            <a:off x="6469039" y="1863142"/>
-            <a:ext cx="5020261" cy="2616843"/>
+            <a:off x="7228936" y="1863142"/>
+            <a:ext cx="4260364" cy="2904390"/>
           </a:xfrm>
           <a:prstGeom prst="rect">
             <a:avLst/>
@@ -14271,7 +14427,7 @@
           <p:cNvPr id="6" name="TextBox 5">
             <a:extLst>
               <a:ext uri="{FF2B5EF4-FFF2-40B4-BE49-F238E27FC236}">
-                <a16:creationId xmlns:a16="http://schemas.microsoft.com/office/drawing/2014/main" id="{878EC49A-E3D9-9E21-F38D-7F07D6854C87}"/>
+                <a16:creationId xmlns:a16="http://schemas.microsoft.com/office/drawing/2014/main" id="{AA501F71-E279-FFA6-8CDB-B1E032E053A1}"/>
               </a:ext>
             </a:extLst>
           </p:cNvPr>
@@ -14280,8 +14436,8 @@
         </p:nvSpPr>
         <p:spPr>
           <a:xfrm>
-            <a:off x="6662252" y="2416483"/>
-            <a:ext cx="4435523" cy="954107"/>
+            <a:off x="7333640" y="2416483"/>
+            <a:ext cx="4155660" cy="2246769"/>
           </a:xfrm>
           <a:prstGeom prst="rect">
             <a:avLst/>
@@ -14307,7 +14463,57 @@
                   <a:sysClr val="windowText" lastClr="000000"/>
                 </a:solidFill>
               </a:rPr>
-              <a:t>There is little difference in percentage of types of injuries across models</a:t>
+              <a:t>The 777 model has the highest % of minor damage </a:t>
+            </a:r>
+          </a:p>
+          <a:p>
+            <a:pPr marL="285750" indent="-285750">
+              <a:lnSpc>
+                <a:spcPct val="150000"/>
+              </a:lnSpc>
+              <a:buFont typeface="Arial" panose="020B0604020202020204" pitchFamily="34" charset="0"/>
+              <a:buChar char="•"/>
+            </a:pPr>
+            <a:r>
+              <a:rPr lang="en-US" sz="1400" dirty="0">
+                <a:solidFill>
+                  <a:sysClr val="windowText" lastClr="000000"/>
+                </a:solidFill>
+              </a:rPr>
+              <a:t>The 747 model has the 2</a:t>
+            </a:r>
+            <a:r>
+              <a:rPr lang="en-US" sz="1400" baseline="30000" dirty="0">
+                <a:solidFill>
+                  <a:sysClr val="windowText" lastClr="000000"/>
+                </a:solidFill>
+              </a:rPr>
+              <a:t>nd</a:t>
+            </a:r>
+            <a:r>
+              <a:rPr lang="en-US" sz="1400" dirty="0">
+                <a:solidFill>
+                  <a:sysClr val="windowText" lastClr="000000"/>
+                </a:solidFill>
+              </a:rPr>
+              <a:t> highest % of minor damage</a:t>
+            </a:r>
+          </a:p>
+          <a:p>
+            <a:pPr marL="285750" indent="-285750">
+              <a:lnSpc>
+                <a:spcPct val="150000"/>
+              </a:lnSpc>
+              <a:buFont typeface="Arial" panose="020B0604020202020204" pitchFamily="34" charset="0"/>
+              <a:buChar char="•"/>
+            </a:pPr>
+            <a:r>
+              <a:rPr lang="en-US" sz="1400" dirty="0">
+                <a:solidFill>
+                  <a:sysClr val="windowText" lastClr="000000"/>
+                </a:solidFill>
+              </a:rPr>
+              <a:t>The 737-200 model has the highest destroyed %</a:t>
             </a:r>
           </a:p>
           <a:p>
@@ -14328,7 +14534,7 @@
           <p:cNvPr id="7" name="Rectangle 6">
             <a:extLst>
               <a:ext uri="{FF2B5EF4-FFF2-40B4-BE49-F238E27FC236}">
-                <a16:creationId xmlns:a16="http://schemas.microsoft.com/office/drawing/2014/main" id="{C3964A42-2C12-43D9-267B-A18E654FA2C9}"/>
+                <a16:creationId xmlns:a16="http://schemas.microsoft.com/office/drawing/2014/main" id="{DB0969C0-EDD7-8F13-173F-B29EE5898FCE}"/>
               </a:ext>
             </a:extLst>
           </p:cNvPr>
@@ -14337,8 +14543,8 @@
         </p:nvSpPr>
         <p:spPr>
           <a:xfrm>
-            <a:off x="6469039" y="1863141"/>
-            <a:ext cx="5020261" cy="395563"/>
+            <a:off x="7228936" y="1863141"/>
+            <a:ext cx="4260364" cy="395563"/>
           </a:xfrm>
           <a:prstGeom prst="rect">
             <a:avLst/>
@@ -14380,284 +14586,7 @@
     </p:spTree>
     <p:extLst>
       <p:ext uri="{BB962C8B-B14F-4D97-AF65-F5344CB8AC3E}">
-        <p14:creationId xmlns:p14="http://schemas.microsoft.com/office/powerpoint/2010/main" val="2556941312"/>
-      </p:ext>
-    </p:extLst>
-  </p:cSld>
-  <p:clrMapOvr>
-    <a:masterClrMapping/>
-  </p:clrMapOvr>
-</p:sld>
-</file>
-
-<file path=ppt/slides/slide8.xml><?xml version="1.0" encoding="utf-8"?>
-<p:sld xmlns:a="http://schemas.openxmlformats.org/drawingml/2006/main" xmlns:r="http://schemas.openxmlformats.org/officeDocument/2006/relationships" xmlns:p="http://schemas.openxmlformats.org/presentationml/2006/main">
-  <p:cSld>
-    <p:spTree>
-      <p:nvGrpSpPr>
-        <p:cNvPr id="1" name=""/>
-        <p:cNvGrpSpPr/>
-        <p:nvPr/>
-      </p:nvGrpSpPr>
-      <p:grpSpPr>
-        <a:xfrm>
-          <a:off x="0" y="0"/>
-          <a:ext cx="0" cy="0"/>
-          <a:chOff x="0" y="0"/>
-          <a:chExt cx="0" cy="0"/>
-        </a:xfrm>
-      </p:grpSpPr>
-      <p:sp>
-        <p:nvSpPr>
-          <p:cNvPr id="2" name="Title 1">
-            <a:extLst>
-              <a:ext uri="{FF2B5EF4-FFF2-40B4-BE49-F238E27FC236}">
-                <a16:creationId xmlns:a16="http://schemas.microsoft.com/office/drawing/2014/main" id="{5108D51F-30B4-9D47-A2E1-0F00FF6723AC}"/>
-              </a:ext>
-            </a:extLst>
-          </p:cNvPr>
-          <p:cNvSpPr>
-            <a:spLocks noGrp="1"/>
-          </p:cNvSpPr>
-          <p:nvPr>
-            <p:ph type="title"/>
-          </p:nvPr>
-        </p:nvSpPr>
-        <p:spPr/>
-        <p:txBody>
-          <a:bodyPr/>
-          <a:lstStyle/>
-          <a:p>
-            <a:r>
-              <a:rPr lang="en-US" dirty="0"/>
-              <a:t>Exploring Boeing Deeper</a:t>
-            </a:r>
-          </a:p>
-        </p:txBody>
-      </p:sp>
-      <p:pic>
-        <p:nvPicPr>
-          <p:cNvPr id="5122" name="Picture 2">
-            <a:extLst>
-              <a:ext uri="{FF2B5EF4-FFF2-40B4-BE49-F238E27FC236}">
-                <a16:creationId xmlns:a16="http://schemas.microsoft.com/office/drawing/2014/main" id="{ECD0C3B8-EC5C-1598-C624-6047C40616F9}"/>
-              </a:ext>
-            </a:extLst>
-          </p:cNvPr>
-          <p:cNvPicPr>
-            <a:picLocks noChangeAspect="1" noChangeArrowheads="1"/>
-          </p:cNvPicPr>
-          <p:nvPr/>
-        </p:nvPicPr>
-        <p:blipFill>
-          <a:blip r:embed="rId2">
-            <a:extLst>
-              <a:ext uri="{28A0092B-C50C-407E-A947-70E740481C1C}">
-                <a14:useLocalDpi xmlns:a14="http://schemas.microsoft.com/office/drawing/2010/main" val="0"/>
-              </a:ext>
-            </a:extLst>
-          </a:blip>
-          <a:srcRect/>
-          <a:stretch>
-            <a:fillRect/>
-          </a:stretch>
-        </p:blipFill>
-        <p:spPr bwMode="auto">
-          <a:xfrm>
-            <a:off x="540000" y="2001306"/>
-            <a:ext cx="4944341" cy="4303569"/>
-          </a:xfrm>
-          <a:prstGeom prst="rect">
-            <a:avLst/>
-          </a:prstGeom>
-          <a:noFill/>
-          <a:extLst>
-            <a:ext uri="{909E8E84-426E-40DD-AFC4-6F175D3DCCD1}">
-              <a14:hiddenFill xmlns:a14="http://schemas.microsoft.com/office/drawing/2010/main">
-                <a:solidFill>
-                  <a:srgbClr val="FFFFFF"/>
-                </a:solidFill>
-              </a14:hiddenFill>
-            </a:ext>
-          </a:extLst>
-        </p:spPr>
-      </p:pic>
-      <p:sp>
-        <p:nvSpPr>
-          <p:cNvPr id="3" name="Rectangle 2">
-            <a:extLst>
-              <a:ext uri="{FF2B5EF4-FFF2-40B4-BE49-F238E27FC236}">
-                <a16:creationId xmlns:a16="http://schemas.microsoft.com/office/drawing/2014/main" id="{1E748B30-4894-EC72-11F6-DC3D8ED67640}"/>
-              </a:ext>
-            </a:extLst>
-          </p:cNvPr>
-          <p:cNvSpPr/>
-          <p:nvPr/>
-        </p:nvSpPr>
-        <p:spPr>
-          <a:xfrm>
-            <a:off x="6469039" y="1863142"/>
-            <a:ext cx="5020261" cy="2616843"/>
-          </a:xfrm>
-          <a:prstGeom prst="rect">
-            <a:avLst/>
-          </a:prstGeom>
-          <a:solidFill>
-            <a:schemeClr val="tx1"/>
-          </a:solidFill>
-          <a:ln>
-            <a:solidFill>
-              <a:schemeClr val="bg1"/>
-            </a:solidFill>
-          </a:ln>
-          <a:effectLst>
-            <a:outerShdw blurRad="63500" sx="102000" sy="102000" algn="ctr" rotWithShape="0">
-              <a:prstClr val="black">
-                <a:alpha val="40000"/>
-              </a:prstClr>
-            </a:outerShdw>
-          </a:effectLst>
-        </p:spPr>
-        <p:style>
-          <a:lnRef idx="2">
-            <a:schemeClr val="accent1">
-              <a:shade val="15000"/>
-            </a:schemeClr>
-          </a:lnRef>
-          <a:fillRef idx="1">
-            <a:schemeClr val="accent1"/>
-          </a:fillRef>
-          <a:effectRef idx="0">
-            <a:schemeClr val="accent1"/>
-          </a:effectRef>
-          <a:fontRef idx="minor">
-            <a:schemeClr val="lt1"/>
-          </a:fontRef>
-        </p:style>
-        <p:txBody>
-          <a:bodyPr rtlCol="0" anchor="ctr"/>
-          <a:lstStyle/>
-          <a:p>
-            <a:pPr algn="ctr"/>
-            <a:endParaRPr lang="en-US" dirty="0"/>
-          </a:p>
-        </p:txBody>
-      </p:sp>
-      <p:sp>
-        <p:nvSpPr>
-          <p:cNvPr id="4" name="TextBox 3">
-            <a:extLst>
-              <a:ext uri="{FF2B5EF4-FFF2-40B4-BE49-F238E27FC236}">
-                <a16:creationId xmlns:a16="http://schemas.microsoft.com/office/drawing/2014/main" id="{97570119-82F0-7A62-F733-266E6E7996F6}"/>
-              </a:ext>
-            </a:extLst>
-          </p:cNvPr>
-          <p:cNvSpPr txBox="1"/>
-          <p:nvPr/>
-        </p:nvSpPr>
-        <p:spPr>
-          <a:xfrm>
-            <a:off x="6662252" y="2416483"/>
-            <a:ext cx="4435523" cy="954107"/>
-          </a:xfrm>
-          <a:prstGeom prst="rect">
-            <a:avLst/>
-          </a:prstGeom>
-          <a:noFill/>
-        </p:spPr>
-        <p:txBody>
-          <a:bodyPr wrap="square" rtlCol="0">
-            <a:spAutoFit/>
-          </a:bodyPr>
-          <a:lstStyle/>
-          <a:p>
-            <a:pPr marL="285750" indent="-285750">
-              <a:lnSpc>
-                <a:spcPct val="150000"/>
-              </a:lnSpc>
-              <a:buFont typeface="Arial" panose="020B0604020202020204" pitchFamily="34" charset="0"/>
-              <a:buChar char="•"/>
-            </a:pPr>
-            <a:r>
-              <a:rPr lang="en-US" sz="1400" dirty="0">
-                <a:solidFill>
-                  <a:sysClr val="windowText" lastClr="000000"/>
-                </a:solidFill>
-              </a:rPr>
-              <a:t>The 737 is the most popular and commonly used Boeing plane </a:t>
-            </a:r>
-          </a:p>
-          <a:p>
-            <a:pPr marL="285750" indent="-285750">
-              <a:buFont typeface="Arial" panose="020B0604020202020204" pitchFamily="34" charset="0"/>
-              <a:buChar char="•"/>
-            </a:pPr>
-            <a:endParaRPr lang="en-US" sz="1400" b="1" dirty="0">
-              <a:solidFill>
-                <a:sysClr val="windowText" lastClr="000000"/>
-              </a:solidFill>
-            </a:endParaRPr>
-          </a:p>
-        </p:txBody>
-      </p:sp>
-      <p:sp>
-        <p:nvSpPr>
-          <p:cNvPr id="5" name="Rectangle 4">
-            <a:extLst>
-              <a:ext uri="{FF2B5EF4-FFF2-40B4-BE49-F238E27FC236}">
-                <a16:creationId xmlns:a16="http://schemas.microsoft.com/office/drawing/2014/main" id="{05332D30-689A-65DB-3846-A09CFAE4D63C}"/>
-              </a:ext>
-            </a:extLst>
-          </p:cNvPr>
-          <p:cNvSpPr/>
-          <p:nvPr/>
-        </p:nvSpPr>
-        <p:spPr>
-          <a:xfrm>
-            <a:off x="6469039" y="1863141"/>
-            <a:ext cx="5020261" cy="395563"/>
-          </a:xfrm>
-          <a:prstGeom prst="rect">
-            <a:avLst/>
-          </a:prstGeom>
-          <a:solidFill>
-            <a:schemeClr val="tx1">
-              <a:lumMod val="50000"/>
-            </a:schemeClr>
-          </a:solidFill>
-        </p:spPr>
-        <p:style>
-          <a:lnRef idx="2">
-            <a:schemeClr val="accent1">
-              <a:shade val="15000"/>
-            </a:schemeClr>
-          </a:lnRef>
-          <a:fillRef idx="1">
-            <a:schemeClr val="accent1"/>
-          </a:fillRef>
-          <a:effectRef idx="0">
-            <a:schemeClr val="accent1"/>
-          </a:effectRef>
-          <a:fontRef idx="minor">
-            <a:schemeClr val="lt1"/>
-          </a:fontRef>
-        </p:style>
-        <p:txBody>
-          <a:bodyPr rtlCol="0" anchor="ctr"/>
-          <a:lstStyle/>
-          <a:p>
-            <a:pPr algn="ctr"/>
-            <a:r>
-              <a:rPr lang="en-US" b="1" dirty="0"/>
-              <a:t>Key Insights</a:t>
-            </a:r>
-          </a:p>
-        </p:txBody>
-      </p:sp>
-    </p:spTree>
-    <p:extLst>
-      <p:ext uri="{BB962C8B-B14F-4D97-AF65-F5344CB8AC3E}">
-        <p14:creationId xmlns:p14="http://schemas.microsoft.com/office/powerpoint/2010/main" val="3658893512"/>
+        <p14:creationId xmlns:p14="http://schemas.microsoft.com/office/powerpoint/2010/main" val="3893639157"/>
       </p:ext>
     </p:extLst>
   </p:cSld>
@@ -14689,7 +14618,7 @@
           <p:cNvPr id="2" name="Title 1">
             <a:extLst>
               <a:ext uri="{FF2B5EF4-FFF2-40B4-BE49-F238E27FC236}">
-                <a16:creationId xmlns:a16="http://schemas.microsoft.com/office/drawing/2014/main" id="{192F1FFC-4206-5D9E-B562-12B63E12B5F1}"/>
+                <a16:creationId xmlns:a16="http://schemas.microsoft.com/office/drawing/2014/main" id="{99EB45DD-91EF-0BB4-0FFE-242F59E57CF3}"/>
               </a:ext>
             </a:extLst>
           </p:cNvPr>
@@ -14700,1625 +14629,156 @@
             <p:ph type="title"/>
           </p:nvPr>
         </p:nvSpPr>
-        <p:spPr/>
+        <p:spPr>
+          <a:xfrm>
+            <a:off x="540000" y="540000"/>
+            <a:ext cx="11101135" cy="1013901"/>
+          </a:xfrm>
+        </p:spPr>
         <p:txBody>
           <a:bodyPr/>
           <a:lstStyle/>
           <a:p>
             <a:r>
               <a:rPr lang="en-US" dirty="0"/>
-              <a:t>Boeing Model Value Counts Table</a:t>
+              <a:t>Recommendations </a:t>
             </a:r>
           </a:p>
         </p:txBody>
       </p:sp>
-      <p:graphicFrame>
-        <p:nvGraphicFramePr>
-          <p:cNvPr id="4" name="Table 3">
+      <p:sp>
+        <p:nvSpPr>
+          <p:cNvPr id="3" name="Content Placeholder 2">
             <a:extLst>
               <a:ext uri="{FF2B5EF4-FFF2-40B4-BE49-F238E27FC236}">
-                <a16:creationId xmlns:a16="http://schemas.microsoft.com/office/drawing/2014/main" id="{1CC34DE7-2351-76DC-B977-138F204400C5}"/>
+                <a16:creationId xmlns:a16="http://schemas.microsoft.com/office/drawing/2014/main" id="{4B9F00F4-9D93-2110-F8BE-64592DAD8C04}"/>
               </a:ext>
             </a:extLst>
           </p:cNvPr>
-          <p:cNvGraphicFramePr>
-            <a:graphicFrameLocks noGrp="1"/>
-          </p:cNvGraphicFramePr>
+          <p:cNvSpPr>
+            <a:spLocks noGrp="1"/>
+          </p:cNvSpPr>
           <p:nvPr>
-            <p:extLst>
-              <p:ext uri="{D42A27DB-BD31-4B8C-83A1-F6EECF244321}">
-                <p14:modId xmlns:p14="http://schemas.microsoft.com/office/powerpoint/2010/main" val="3688238925"/>
-              </p:ext>
-            </p:extLst>
+            <p:ph idx="1"/>
           </p:nvPr>
-        </p:nvGraphicFramePr>
-        <p:xfrm>
-          <a:off x="1310401" y="2005962"/>
-          <a:ext cx="9560332" cy="3871032"/>
-        </p:xfrm>
-        <a:graphic>
-          <a:graphicData uri="http://schemas.openxmlformats.org/drawingml/2006/table">
-            <a:tbl>
-              <a:tblPr/>
-              <a:tblGrid>
-                <a:gridCol w="2390083">
-                  <a:extLst>
-                    <a:ext uri="{9D8B030D-6E8A-4147-A177-3AD203B41FA5}">
-                      <a16:colId xmlns:a16="http://schemas.microsoft.com/office/drawing/2014/main" val="199886004"/>
-                    </a:ext>
-                  </a:extLst>
-                </a:gridCol>
-                <a:gridCol w="2390083">
-                  <a:extLst>
-                    <a:ext uri="{9D8B030D-6E8A-4147-A177-3AD203B41FA5}">
-                      <a16:colId xmlns:a16="http://schemas.microsoft.com/office/drawing/2014/main" val="4258984442"/>
-                    </a:ext>
-                  </a:extLst>
-                </a:gridCol>
-                <a:gridCol w="2390083">
-                  <a:extLst>
-                    <a:ext uri="{9D8B030D-6E8A-4147-A177-3AD203B41FA5}">
-                      <a16:colId xmlns:a16="http://schemas.microsoft.com/office/drawing/2014/main" val="4037365175"/>
-                    </a:ext>
-                  </a:extLst>
-                </a:gridCol>
-                <a:gridCol w="2390083">
-                  <a:extLst>
-                    <a:ext uri="{9D8B030D-6E8A-4147-A177-3AD203B41FA5}">
-                      <a16:colId xmlns:a16="http://schemas.microsoft.com/office/drawing/2014/main" val="438429356"/>
-                    </a:ext>
-                  </a:extLst>
-                </a:gridCol>
-              </a:tblGrid>
-              <a:tr h="314986">
-                <a:tc>
-                  <a:txBody>
-                    <a:bodyPr/>
-                    <a:lstStyle/>
-                    <a:p>
-                      <a:pPr algn="ctr" fontAlgn="ctr"/>
-                      <a:r>
-                        <a:rPr lang="en-US" sz="1600" b="1" dirty="0" err="1">
-                          <a:solidFill>
-                            <a:schemeClr val="bg1"/>
-                          </a:solidFill>
-                          <a:effectLst/>
-                        </a:rPr>
-                        <a:t>Aircraft.damage</a:t>
-                      </a:r>
-                      <a:endParaRPr lang="en-US" sz="1600" b="1" dirty="0">
-                        <a:solidFill>
-                          <a:schemeClr val="bg1"/>
-                        </a:solidFill>
-                        <a:effectLst/>
-                      </a:endParaRPr>
-                    </a:p>
-                  </a:txBody>
-                  <a:tcPr marL="78747" marR="78747" marT="39373" marB="39373" anchor="ctr">
-                    <a:lnL>
-                      <a:noFill/>
-                    </a:lnL>
-                    <a:lnR>
-                      <a:noFill/>
-                    </a:lnR>
-                    <a:lnT>
-                      <a:noFill/>
-                    </a:lnT>
-                    <a:lnB>
-                      <a:noFill/>
-                    </a:lnB>
-                    <a:solidFill>
-                      <a:schemeClr val="tx1"/>
-                    </a:solidFill>
-                  </a:tcPr>
-                </a:tc>
-                <a:tc>
-                  <a:txBody>
-                    <a:bodyPr/>
-                    <a:lstStyle/>
-                    <a:p>
-                      <a:pPr algn="ctr" fontAlgn="ctr"/>
-                      <a:r>
-                        <a:rPr lang="en-US" sz="1600" b="1" dirty="0">
-                          <a:solidFill>
-                            <a:schemeClr val="bg1"/>
-                          </a:solidFill>
-                          <a:effectLst/>
-                        </a:rPr>
-                        <a:t>Destroyed</a:t>
-                      </a:r>
-                    </a:p>
-                  </a:txBody>
-                  <a:tcPr marL="78747" marR="78747" marT="39373" marB="39373" anchor="ctr">
-                    <a:lnL>
-                      <a:noFill/>
-                    </a:lnL>
-                    <a:lnR>
-                      <a:noFill/>
-                    </a:lnR>
-                    <a:lnT>
-                      <a:noFill/>
-                    </a:lnT>
-                    <a:lnB>
-                      <a:noFill/>
-                    </a:lnB>
-                    <a:solidFill>
-                      <a:schemeClr val="tx1"/>
-                    </a:solidFill>
-                  </a:tcPr>
-                </a:tc>
-                <a:tc>
-                  <a:txBody>
-                    <a:bodyPr/>
-                    <a:lstStyle/>
-                    <a:p>
-                      <a:pPr algn="ctr" fontAlgn="ctr"/>
-                      <a:r>
-                        <a:rPr lang="en-US" sz="1600" b="1" dirty="0">
-                          <a:solidFill>
-                            <a:schemeClr val="bg1"/>
-                          </a:solidFill>
-                          <a:effectLst/>
-                        </a:rPr>
-                        <a:t>Minor</a:t>
-                      </a:r>
-                    </a:p>
-                  </a:txBody>
-                  <a:tcPr marL="78747" marR="78747" marT="39373" marB="39373" anchor="ctr">
-                    <a:lnL>
-                      <a:noFill/>
-                    </a:lnL>
-                    <a:lnR>
-                      <a:noFill/>
-                    </a:lnR>
-                    <a:lnT>
-                      <a:noFill/>
-                    </a:lnT>
-                    <a:lnB>
-                      <a:noFill/>
-                    </a:lnB>
-                    <a:solidFill>
-                      <a:schemeClr val="tx1"/>
-                    </a:solidFill>
-                  </a:tcPr>
-                </a:tc>
-                <a:tc>
-                  <a:txBody>
-                    <a:bodyPr/>
-                    <a:lstStyle/>
-                    <a:p>
-                      <a:pPr algn="ctr" fontAlgn="ctr"/>
-                      <a:r>
-                        <a:rPr lang="en-US" sz="1600" b="1" dirty="0">
-                          <a:solidFill>
-                            <a:schemeClr val="bg1"/>
-                          </a:solidFill>
-                          <a:effectLst/>
-                        </a:rPr>
-                        <a:t>Substantial</a:t>
-                      </a:r>
-                    </a:p>
-                  </a:txBody>
-                  <a:tcPr marL="78747" marR="78747" marT="39373" marB="39373" anchor="ctr">
-                    <a:lnL>
-                      <a:noFill/>
-                    </a:lnL>
-                    <a:lnR>
-                      <a:noFill/>
-                    </a:lnR>
-                    <a:lnT>
-                      <a:noFill/>
-                    </a:lnT>
-                    <a:lnB>
-                      <a:noFill/>
-                    </a:lnB>
-                    <a:solidFill>
-                      <a:schemeClr val="tx1"/>
-                    </a:solidFill>
-                  </a:tcPr>
-                </a:tc>
-                <a:extLst>
-                  <a:ext uri="{0D108BD9-81ED-4DB2-BD59-A6C34878D82A}">
-                    <a16:rowId xmlns:a16="http://schemas.microsoft.com/office/drawing/2014/main" val="1802401899"/>
-                  </a:ext>
-                </a:extLst>
-              </a:tr>
-              <a:tr h="314986">
-                <a:tc>
-                  <a:txBody>
-                    <a:bodyPr/>
-                    <a:lstStyle/>
-                    <a:p>
-                      <a:pPr algn="ctr" fontAlgn="ctr"/>
-                      <a:r>
-                        <a:rPr lang="en-US" sz="1600" b="1" dirty="0">
-                          <a:effectLst/>
-                        </a:rPr>
-                        <a:t>Model</a:t>
-                      </a:r>
-                    </a:p>
-                  </a:txBody>
-                  <a:tcPr marL="78747" marR="78747" marT="39373" marB="39373" anchor="ctr">
-                    <a:lnL>
-                      <a:noFill/>
-                    </a:lnL>
-                    <a:lnR>
-                      <a:noFill/>
-                    </a:lnR>
-                    <a:lnT>
-                      <a:noFill/>
-                    </a:lnT>
-                    <a:lnB>
-                      <a:noFill/>
-                    </a:lnB>
-                    <a:noFill/>
-                  </a:tcPr>
-                </a:tc>
-                <a:tc>
-                  <a:txBody>
-                    <a:bodyPr/>
-                    <a:lstStyle/>
-                    <a:p>
-                      <a:pPr algn="ctr" fontAlgn="ctr"/>
-                      <a:endParaRPr lang="en-US" sz="1600" b="1">
-                        <a:effectLst/>
-                      </a:endParaRPr>
-                    </a:p>
-                  </a:txBody>
-                  <a:tcPr marL="78747" marR="78747" marT="39373" marB="39373" anchor="ctr">
-                    <a:lnL>
-                      <a:noFill/>
-                    </a:lnL>
-                    <a:lnR>
-                      <a:noFill/>
-                    </a:lnR>
-                    <a:lnT>
-                      <a:noFill/>
-                    </a:lnT>
-                    <a:lnB>
-                      <a:noFill/>
-                    </a:lnB>
-                    <a:noFill/>
-                  </a:tcPr>
-                </a:tc>
-                <a:tc>
-                  <a:txBody>
-                    <a:bodyPr/>
-                    <a:lstStyle/>
-                    <a:p>
-                      <a:pPr algn="ctr" fontAlgn="ctr"/>
-                      <a:endParaRPr lang="en-US" sz="1600" b="1">
-                        <a:effectLst/>
-                      </a:endParaRPr>
-                    </a:p>
-                  </a:txBody>
-                  <a:tcPr marL="78747" marR="78747" marT="39373" marB="39373" anchor="ctr">
-                    <a:lnL>
-                      <a:noFill/>
-                    </a:lnL>
-                    <a:lnR>
-                      <a:noFill/>
-                    </a:lnR>
-                    <a:lnT>
-                      <a:noFill/>
-                    </a:lnT>
-                    <a:lnB>
-                      <a:noFill/>
-                    </a:lnB>
-                    <a:noFill/>
-                  </a:tcPr>
-                </a:tc>
-                <a:tc>
-                  <a:txBody>
-                    <a:bodyPr/>
-                    <a:lstStyle/>
-                    <a:p>
-                      <a:pPr algn="ctr" fontAlgn="ctr"/>
-                      <a:endParaRPr lang="en-US" sz="1600" b="1">
-                        <a:effectLst/>
-                      </a:endParaRPr>
-                    </a:p>
-                  </a:txBody>
-                  <a:tcPr marL="78747" marR="78747" marT="39373" marB="39373" anchor="ctr">
-                    <a:lnL>
-                      <a:noFill/>
-                    </a:lnL>
-                    <a:lnR>
-                      <a:noFill/>
-                    </a:lnR>
-                    <a:lnT>
-                      <a:noFill/>
-                    </a:lnT>
-                    <a:lnB>
-                      <a:noFill/>
-                    </a:lnB>
-                    <a:noFill/>
-                  </a:tcPr>
-                </a:tc>
-                <a:extLst>
-                  <a:ext uri="{0D108BD9-81ED-4DB2-BD59-A6C34878D82A}">
-                    <a16:rowId xmlns:a16="http://schemas.microsoft.com/office/drawing/2014/main" val="3515237281"/>
-                  </a:ext>
-                </a:extLst>
-              </a:tr>
-              <a:tr h="314986">
-                <a:tc>
-                  <a:txBody>
-                    <a:bodyPr/>
-                    <a:lstStyle/>
-                    <a:p>
-                      <a:pPr algn="ctr" fontAlgn="ctr"/>
-                      <a:r>
-                        <a:rPr lang="en-US" sz="1600" b="1" dirty="0">
-                          <a:effectLst/>
-                        </a:rPr>
-                        <a:t>727-200</a:t>
-                      </a:r>
-                    </a:p>
-                  </a:txBody>
-                  <a:tcPr marL="78747" marR="78747" marT="39373" marB="39373" anchor="ctr">
-                    <a:lnL>
-                      <a:noFill/>
-                    </a:lnL>
-                    <a:lnR>
-                      <a:noFill/>
-                    </a:lnR>
-                    <a:lnT>
-                      <a:noFill/>
-                    </a:lnT>
-                    <a:lnB>
-                      <a:noFill/>
-                    </a:lnB>
-                    <a:noFill/>
-                  </a:tcPr>
-                </a:tc>
-                <a:tc>
-                  <a:txBody>
-                    <a:bodyPr/>
-                    <a:lstStyle/>
-                    <a:p>
-                      <a:pPr algn="ctr" fontAlgn="ctr"/>
-                      <a:r>
-                        <a:rPr lang="en-US" sz="1600">
-                          <a:effectLst/>
-                        </a:rPr>
-                        <a:t>1</a:t>
-                      </a:r>
-                    </a:p>
-                  </a:txBody>
-                  <a:tcPr marL="78747" marR="78747" marT="39373" marB="39373" anchor="ctr">
-                    <a:lnL>
-                      <a:noFill/>
-                    </a:lnL>
-                    <a:lnR>
-                      <a:noFill/>
-                    </a:lnR>
-                    <a:lnT>
-                      <a:noFill/>
-                    </a:lnT>
-                    <a:lnB>
-                      <a:noFill/>
-                    </a:lnB>
-                    <a:noFill/>
-                  </a:tcPr>
-                </a:tc>
-                <a:tc>
-                  <a:txBody>
-                    <a:bodyPr/>
-                    <a:lstStyle/>
-                    <a:p>
-                      <a:pPr algn="ctr" fontAlgn="ctr"/>
-                      <a:r>
-                        <a:rPr lang="en-US" sz="1600">
-                          <a:effectLst/>
-                        </a:rPr>
-                        <a:t>17</a:t>
-                      </a:r>
-                    </a:p>
-                  </a:txBody>
-                  <a:tcPr marL="78747" marR="78747" marT="39373" marB="39373" anchor="ctr">
-                    <a:lnL>
-                      <a:noFill/>
-                    </a:lnL>
-                    <a:lnR>
-                      <a:noFill/>
-                    </a:lnR>
-                    <a:lnT>
-                      <a:noFill/>
-                    </a:lnT>
-                    <a:lnB>
-                      <a:noFill/>
-                    </a:lnB>
-                    <a:noFill/>
-                  </a:tcPr>
-                </a:tc>
-                <a:tc>
-                  <a:txBody>
-                    <a:bodyPr/>
-                    <a:lstStyle/>
-                    <a:p>
-                      <a:pPr algn="ctr" fontAlgn="ctr"/>
-                      <a:r>
-                        <a:rPr lang="en-US" sz="1600">
-                          <a:effectLst/>
-                        </a:rPr>
-                        <a:t>9</a:t>
-                      </a:r>
-                    </a:p>
-                  </a:txBody>
-                  <a:tcPr marL="78747" marR="78747" marT="39373" marB="39373" anchor="ctr">
-                    <a:lnL>
-                      <a:noFill/>
-                    </a:lnL>
-                    <a:lnR>
-                      <a:noFill/>
-                    </a:lnR>
-                    <a:lnT>
-                      <a:noFill/>
-                    </a:lnT>
-                    <a:lnB>
-                      <a:noFill/>
-                    </a:lnB>
-                    <a:noFill/>
-                  </a:tcPr>
-                </a:tc>
-                <a:extLst>
-                  <a:ext uri="{0D108BD9-81ED-4DB2-BD59-A6C34878D82A}">
-                    <a16:rowId xmlns:a16="http://schemas.microsoft.com/office/drawing/2014/main" val="737435011"/>
-                  </a:ext>
-                </a:extLst>
-              </a:tr>
-              <a:tr h="314986">
-                <a:tc>
-                  <a:txBody>
-                    <a:bodyPr/>
-                    <a:lstStyle/>
-                    <a:p>
-                      <a:pPr algn="ctr" fontAlgn="ctr"/>
-                      <a:r>
-                        <a:rPr lang="en-US" sz="1600" b="1">
-                          <a:effectLst/>
-                        </a:rPr>
-                        <a:t>737</a:t>
-                      </a:r>
-                    </a:p>
-                  </a:txBody>
-                  <a:tcPr marL="78747" marR="78747" marT="39373" marB="39373" anchor="ctr">
-                    <a:lnL>
-                      <a:noFill/>
-                    </a:lnL>
-                    <a:lnR>
-                      <a:noFill/>
-                    </a:lnR>
-                    <a:lnT>
-                      <a:noFill/>
-                    </a:lnT>
-                    <a:lnB>
-                      <a:noFill/>
-                    </a:lnB>
-                    <a:noFill/>
-                  </a:tcPr>
-                </a:tc>
-                <a:tc>
-                  <a:txBody>
-                    <a:bodyPr/>
-                    <a:lstStyle/>
-                    <a:p>
-                      <a:pPr algn="ctr" fontAlgn="ctr"/>
-                      <a:r>
-                        <a:rPr lang="en-US" sz="1600" dirty="0">
-                          <a:effectLst/>
-                        </a:rPr>
-                        <a:t>15</a:t>
-                      </a:r>
-                    </a:p>
-                  </a:txBody>
-                  <a:tcPr marL="78747" marR="78747" marT="39373" marB="39373" anchor="ctr">
-                    <a:lnL>
-                      <a:noFill/>
-                    </a:lnL>
-                    <a:lnR>
-                      <a:noFill/>
-                    </a:lnR>
-                    <a:lnT>
-                      <a:noFill/>
-                    </a:lnT>
-                    <a:lnB>
-                      <a:noFill/>
-                    </a:lnB>
-                    <a:noFill/>
-                  </a:tcPr>
-                </a:tc>
-                <a:tc>
-                  <a:txBody>
-                    <a:bodyPr/>
-                    <a:lstStyle/>
-                    <a:p>
-                      <a:pPr algn="ctr" fontAlgn="ctr"/>
-                      <a:r>
-                        <a:rPr lang="en-US" sz="1600">
-                          <a:effectLst/>
-                        </a:rPr>
-                        <a:t>124</a:t>
-                      </a:r>
-                    </a:p>
-                  </a:txBody>
-                  <a:tcPr marL="78747" marR="78747" marT="39373" marB="39373" anchor="ctr">
-                    <a:lnL>
-                      <a:noFill/>
-                    </a:lnL>
-                    <a:lnR>
-                      <a:noFill/>
-                    </a:lnR>
-                    <a:lnT>
-                      <a:noFill/>
-                    </a:lnT>
-                    <a:lnB>
-                      <a:noFill/>
-                    </a:lnB>
-                    <a:noFill/>
-                  </a:tcPr>
-                </a:tc>
-                <a:tc>
-                  <a:txBody>
-                    <a:bodyPr/>
-                    <a:lstStyle/>
-                    <a:p>
-                      <a:pPr algn="ctr" fontAlgn="ctr"/>
-                      <a:r>
-                        <a:rPr lang="en-US" sz="1600">
-                          <a:effectLst/>
-                        </a:rPr>
-                        <a:t>69</a:t>
-                      </a:r>
-                    </a:p>
-                  </a:txBody>
-                  <a:tcPr marL="78747" marR="78747" marT="39373" marB="39373" anchor="ctr">
-                    <a:lnL>
-                      <a:noFill/>
-                    </a:lnL>
-                    <a:lnR>
-                      <a:noFill/>
-                    </a:lnR>
-                    <a:lnT>
-                      <a:noFill/>
-                    </a:lnT>
-                    <a:lnB>
-                      <a:noFill/>
-                    </a:lnB>
-                    <a:noFill/>
-                  </a:tcPr>
-                </a:tc>
-                <a:extLst>
-                  <a:ext uri="{0D108BD9-81ED-4DB2-BD59-A6C34878D82A}">
-                    <a16:rowId xmlns:a16="http://schemas.microsoft.com/office/drawing/2014/main" val="1432812490"/>
-                  </a:ext>
-                </a:extLst>
-              </a:tr>
-              <a:tr h="314986">
-                <a:tc>
-                  <a:txBody>
-                    <a:bodyPr/>
-                    <a:lstStyle/>
-                    <a:p>
-                      <a:pPr algn="ctr" fontAlgn="ctr"/>
-                      <a:r>
-                        <a:rPr lang="en-US" sz="1600" b="1" dirty="0">
-                          <a:effectLst/>
-                        </a:rPr>
-                        <a:t>737-200</a:t>
-                      </a:r>
-                    </a:p>
-                  </a:txBody>
-                  <a:tcPr marL="78747" marR="78747" marT="39373" marB="39373" anchor="ctr">
-                    <a:lnL>
-                      <a:noFill/>
-                    </a:lnL>
-                    <a:lnR>
-                      <a:noFill/>
-                    </a:lnR>
-                    <a:lnT>
-                      <a:noFill/>
-                    </a:lnT>
-                    <a:lnB>
-                      <a:noFill/>
-                    </a:lnB>
-                    <a:noFill/>
-                  </a:tcPr>
-                </a:tc>
-                <a:tc>
-                  <a:txBody>
-                    <a:bodyPr/>
-                    <a:lstStyle/>
-                    <a:p>
-                      <a:pPr algn="ctr" fontAlgn="ctr"/>
-                      <a:r>
-                        <a:rPr lang="en-US" sz="1600" dirty="0">
-                          <a:effectLst/>
-                        </a:rPr>
-                        <a:t>12</a:t>
-                      </a:r>
-                    </a:p>
-                  </a:txBody>
-                  <a:tcPr marL="78747" marR="78747" marT="39373" marB="39373" anchor="ctr">
-                    <a:lnL>
-                      <a:noFill/>
-                    </a:lnL>
-                    <a:lnR>
-                      <a:noFill/>
-                    </a:lnR>
-                    <a:lnT>
-                      <a:noFill/>
-                    </a:lnT>
-                    <a:lnB>
-                      <a:noFill/>
-                    </a:lnB>
-                    <a:noFill/>
-                  </a:tcPr>
-                </a:tc>
-                <a:tc>
-                  <a:txBody>
-                    <a:bodyPr/>
-                    <a:lstStyle/>
-                    <a:p>
-                      <a:pPr algn="ctr" fontAlgn="ctr"/>
-                      <a:r>
-                        <a:rPr lang="en-US" sz="1600">
-                          <a:effectLst/>
-                        </a:rPr>
-                        <a:t>10</a:t>
-                      </a:r>
-                    </a:p>
-                  </a:txBody>
-                  <a:tcPr marL="78747" marR="78747" marT="39373" marB="39373" anchor="ctr">
-                    <a:lnL>
-                      <a:noFill/>
-                    </a:lnL>
-                    <a:lnR>
-                      <a:noFill/>
-                    </a:lnR>
-                    <a:lnT>
-                      <a:noFill/>
-                    </a:lnT>
-                    <a:lnB>
-                      <a:noFill/>
-                    </a:lnB>
-                    <a:noFill/>
-                  </a:tcPr>
-                </a:tc>
-                <a:tc>
-                  <a:txBody>
-                    <a:bodyPr/>
-                    <a:lstStyle/>
-                    <a:p>
-                      <a:pPr algn="ctr" fontAlgn="ctr"/>
-                      <a:r>
-                        <a:rPr lang="en-US" sz="1600">
-                          <a:effectLst/>
-                        </a:rPr>
-                        <a:t>11</a:t>
-                      </a:r>
-                    </a:p>
-                  </a:txBody>
-                  <a:tcPr marL="78747" marR="78747" marT="39373" marB="39373" anchor="ctr">
-                    <a:lnL>
-                      <a:noFill/>
-                    </a:lnL>
-                    <a:lnR>
-                      <a:noFill/>
-                    </a:lnR>
-                    <a:lnT>
-                      <a:noFill/>
-                    </a:lnT>
-                    <a:lnB>
-                      <a:noFill/>
-                    </a:lnB>
-                    <a:noFill/>
-                  </a:tcPr>
-                </a:tc>
-                <a:extLst>
-                  <a:ext uri="{0D108BD9-81ED-4DB2-BD59-A6C34878D82A}">
-                    <a16:rowId xmlns:a16="http://schemas.microsoft.com/office/drawing/2014/main" val="3225379930"/>
-                  </a:ext>
-                </a:extLst>
-              </a:tr>
-              <a:tr h="314986">
-                <a:tc>
-                  <a:txBody>
-                    <a:bodyPr/>
-                    <a:lstStyle/>
-                    <a:p>
-                      <a:pPr algn="ctr" fontAlgn="ctr"/>
-                      <a:r>
-                        <a:rPr lang="en-US" sz="1600" b="1">
-                          <a:effectLst/>
-                        </a:rPr>
-                        <a:t>737-300</a:t>
-                      </a:r>
-                    </a:p>
-                  </a:txBody>
-                  <a:tcPr marL="78747" marR="78747" marT="39373" marB="39373" anchor="ctr">
-                    <a:lnL>
-                      <a:noFill/>
-                    </a:lnL>
-                    <a:lnR>
-                      <a:noFill/>
-                    </a:lnR>
-                    <a:lnT>
-                      <a:noFill/>
-                    </a:lnT>
-                    <a:lnB>
-                      <a:noFill/>
-                    </a:lnB>
-                    <a:noFill/>
-                  </a:tcPr>
-                </a:tc>
-                <a:tc>
-                  <a:txBody>
-                    <a:bodyPr/>
-                    <a:lstStyle/>
-                    <a:p>
-                      <a:pPr algn="ctr" fontAlgn="ctr"/>
-                      <a:r>
-                        <a:rPr lang="en-US" sz="1600">
-                          <a:effectLst/>
-                        </a:rPr>
-                        <a:t>5</a:t>
-                      </a:r>
-                    </a:p>
-                  </a:txBody>
-                  <a:tcPr marL="78747" marR="78747" marT="39373" marB="39373" anchor="ctr">
-                    <a:lnL>
-                      <a:noFill/>
-                    </a:lnL>
-                    <a:lnR>
-                      <a:noFill/>
-                    </a:lnR>
-                    <a:lnT>
-                      <a:noFill/>
-                    </a:lnT>
-                    <a:lnB>
-                      <a:noFill/>
-                    </a:lnB>
-                    <a:noFill/>
-                  </a:tcPr>
-                </a:tc>
-                <a:tc>
-                  <a:txBody>
-                    <a:bodyPr/>
-                    <a:lstStyle/>
-                    <a:p>
-                      <a:pPr algn="ctr" fontAlgn="ctr"/>
-                      <a:r>
-                        <a:rPr lang="en-US" sz="1600" dirty="0">
-                          <a:effectLst/>
-                        </a:rPr>
-                        <a:t>13</a:t>
-                      </a:r>
-                    </a:p>
-                  </a:txBody>
-                  <a:tcPr marL="78747" marR="78747" marT="39373" marB="39373" anchor="ctr">
-                    <a:lnL>
-                      <a:noFill/>
-                    </a:lnL>
-                    <a:lnR>
-                      <a:noFill/>
-                    </a:lnR>
-                    <a:lnT>
-                      <a:noFill/>
-                    </a:lnT>
-                    <a:lnB>
-                      <a:noFill/>
-                    </a:lnB>
-                    <a:noFill/>
-                  </a:tcPr>
-                </a:tc>
-                <a:tc>
-                  <a:txBody>
-                    <a:bodyPr/>
-                    <a:lstStyle/>
-                    <a:p>
-                      <a:pPr algn="ctr" fontAlgn="ctr"/>
-                      <a:r>
-                        <a:rPr lang="en-US" sz="1600">
-                          <a:effectLst/>
-                        </a:rPr>
-                        <a:t>12</a:t>
-                      </a:r>
-                    </a:p>
-                  </a:txBody>
-                  <a:tcPr marL="78747" marR="78747" marT="39373" marB="39373" anchor="ctr">
-                    <a:lnL>
-                      <a:noFill/>
-                    </a:lnL>
-                    <a:lnR>
-                      <a:noFill/>
-                    </a:lnR>
-                    <a:lnT>
-                      <a:noFill/>
-                    </a:lnT>
-                    <a:lnB>
-                      <a:noFill/>
-                    </a:lnB>
-                    <a:noFill/>
-                  </a:tcPr>
-                </a:tc>
-                <a:extLst>
-                  <a:ext uri="{0D108BD9-81ED-4DB2-BD59-A6C34878D82A}">
-                    <a16:rowId xmlns:a16="http://schemas.microsoft.com/office/drawing/2014/main" val="808911385"/>
-                  </a:ext>
-                </a:extLst>
-              </a:tr>
-              <a:tr h="314986">
-                <a:tc>
-                  <a:txBody>
-                    <a:bodyPr/>
-                    <a:lstStyle/>
-                    <a:p>
-                      <a:pPr algn="ctr" fontAlgn="ctr"/>
-                      <a:r>
-                        <a:rPr lang="en-US" sz="1600" b="1">
-                          <a:effectLst/>
-                        </a:rPr>
-                        <a:t>747</a:t>
-                      </a:r>
-                    </a:p>
-                  </a:txBody>
-                  <a:tcPr marL="78747" marR="78747" marT="39373" marB="39373" anchor="ctr">
-                    <a:lnL>
-                      <a:noFill/>
-                    </a:lnL>
-                    <a:lnR>
-                      <a:noFill/>
-                    </a:lnR>
-                    <a:lnT>
-                      <a:noFill/>
-                    </a:lnT>
-                    <a:lnB>
-                      <a:noFill/>
-                    </a:lnB>
-                    <a:noFill/>
-                  </a:tcPr>
-                </a:tc>
-                <a:tc>
-                  <a:txBody>
-                    <a:bodyPr/>
-                    <a:lstStyle/>
-                    <a:p>
-                      <a:pPr algn="ctr" fontAlgn="ctr"/>
-                      <a:r>
-                        <a:rPr lang="en-US" sz="1600">
-                          <a:effectLst/>
-                        </a:rPr>
-                        <a:t>2</a:t>
-                      </a:r>
-                    </a:p>
-                  </a:txBody>
-                  <a:tcPr marL="78747" marR="78747" marT="39373" marB="39373" anchor="ctr">
-                    <a:lnL>
-                      <a:noFill/>
-                    </a:lnL>
-                    <a:lnR>
-                      <a:noFill/>
-                    </a:lnR>
-                    <a:lnT>
-                      <a:noFill/>
-                    </a:lnT>
-                    <a:lnB>
-                      <a:noFill/>
-                    </a:lnB>
-                    <a:noFill/>
-                  </a:tcPr>
-                </a:tc>
-                <a:tc>
-                  <a:txBody>
-                    <a:bodyPr/>
-                    <a:lstStyle/>
-                    <a:p>
-                      <a:pPr algn="ctr" fontAlgn="ctr"/>
-                      <a:r>
-                        <a:rPr lang="en-US" sz="1600" dirty="0">
-                          <a:effectLst/>
-                        </a:rPr>
-                        <a:t>38</a:t>
-                      </a:r>
-                    </a:p>
-                  </a:txBody>
-                  <a:tcPr marL="78747" marR="78747" marT="39373" marB="39373" anchor="ctr">
-                    <a:lnL>
-                      <a:noFill/>
-                    </a:lnL>
-                    <a:lnR>
-                      <a:noFill/>
-                    </a:lnR>
-                    <a:lnT>
-                      <a:noFill/>
-                    </a:lnT>
-                    <a:lnB>
-                      <a:noFill/>
-                    </a:lnB>
-                    <a:noFill/>
-                  </a:tcPr>
-                </a:tc>
-                <a:tc>
-                  <a:txBody>
-                    <a:bodyPr/>
-                    <a:lstStyle/>
-                    <a:p>
-                      <a:pPr algn="ctr" fontAlgn="ctr"/>
-                      <a:r>
-                        <a:rPr lang="en-US" sz="1600">
-                          <a:effectLst/>
-                        </a:rPr>
-                        <a:t>12</a:t>
-                      </a:r>
-                    </a:p>
-                  </a:txBody>
-                  <a:tcPr marL="78747" marR="78747" marT="39373" marB="39373" anchor="ctr">
-                    <a:lnL>
-                      <a:noFill/>
-                    </a:lnL>
-                    <a:lnR>
-                      <a:noFill/>
-                    </a:lnR>
-                    <a:lnT>
-                      <a:noFill/>
-                    </a:lnT>
-                    <a:lnB>
-                      <a:noFill/>
-                    </a:lnB>
-                    <a:noFill/>
-                  </a:tcPr>
-                </a:tc>
-                <a:extLst>
-                  <a:ext uri="{0D108BD9-81ED-4DB2-BD59-A6C34878D82A}">
-                    <a16:rowId xmlns:a16="http://schemas.microsoft.com/office/drawing/2014/main" val="2311442810"/>
-                  </a:ext>
-                </a:extLst>
-              </a:tr>
-              <a:tr h="314986">
-                <a:tc>
-                  <a:txBody>
-                    <a:bodyPr/>
-                    <a:lstStyle/>
-                    <a:p>
-                      <a:pPr algn="ctr" fontAlgn="ctr"/>
-                      <a:r>
-                        <a:rPr lang="en-US" sz="1600" b="1">
-                          <a:effectLst/>
-                        </a:rPr>
-                        <a:t>757</a:t>
-                      </a:r>
-                    </a:p>
-                  </a:txBody>
-                  <a:tcPr marL="78747" marR="78747" marT="39373" marB="39373" anchor="ctr">
-                    <a:lnL>
-                      <a:noFill/>
-                    </a:lnL>
-                    <a:lnR>
-                      <a:noFill/>
-                    </a:lnR>
-                    <a:lnT>
-                      <a:noFill/>
-                    </a:lnT>
-                    <a:lnB>
-                      <a:noFill/>
-                    </a:lnB>
-                    <a:noFill/>
-                  </a:tcPr>
-                </a:tc>
-                <a:tc>
-                  <a:txBody>
-                    <a:bodyPr/>
-                    <a:lstStyle/>
-                    <a:p>
-                      <a:pPr algn="ctr" fontAlgn="ctr"/>
-                      <a:r>
-                        <a:rPr lang="en-US" sz="1600" dirty="0">
-                          <a:effectLst/>
-                        </a:rPr>
-                        <a:t>2</a:t>
-                      </a:r>
-                    </a:p>
-                  </a:txBody>
-                  <a:tcPr marL="78747" marR="78747" marT="39373" marB="39373" anchor="ctr">
-                    <a:lnL>
-                      <a:noFill/>
-                    </a:lnL>
-                    <a:lnR>
-                      <a:noFill/>
-                    </a:lnR>
-                    <a:lnT>
-                      <a:noFill/>
-                    </a:lnT>
-                    <a:lnB>
-                      <a:noFill/>
-                    </a:lnB>
-                    <a:noFill/>
-                  </a:tcPr>
-                </a:tc>
-                <a:tc>
-                  <a:txBody>
-                    <a:bodyPr/>
-                    <a:lstStyle/>
-                    <a:p>
-                      <a:pPr algn="ctr" fontAlgn="ctr"/>
-                      <a:r>
-                        <a:rPr lang="en-US" sz="1600" dirty="0">
-                          <a:effectLst/>
-                        </a:rPr>
-                        <a:t>14</a:t>
-                      </a:r>
-                    </a:p>
-                  </a:txBody>
-                  <a:tcPr marL="78747" marR="78747" marT="39373" marB="39373" anchor="ctr">
-                    <a:lnL>
-                      <a:noFill/>
-                    </a:lnL>
-                    <a:lnR>
-                      <a:noFill/>
-                    </a:lnR>
-                    <a:lnT>
-                      <a:noFill/>
-                    </a:lnT>
-                    <a:lnB>
-                      <a:noFill/>
-                    </a:lnB>
-                    <a:noFill/>
-                  </a:tcPr>
-                </a:tc>
-                <a:tc>
-                  <a:txBody>
-                    <a:bodyPr/>
-                    <a:lstStyle/>
-                    <a:p>
-                      <a:pPr algn="ctr" fontAlgn="ctr"/>
-                      <a:r>
-                        <a:rPr lang="en-US" sz="1600" dirty="0">
-                          <a:effectLst/>
-                        </a:rPr>
-                        <a:t>12</a:t>
-                      </a:r>
-                    </a:p>
-                  </a:txBody>
-                  <a:tcPr marL="78747" marR="78747" marT="39373" marB="39373" anchor="ctr">
-                    <a:lnL>
-                      <a:noFill/>
-                    </a:lnL>
-                    <a:lnR>
-                      <a:noFill/>
-                    </a:lnR>
-                    <a:lnT>
-                      <a:noFill/>
-                    </a:lnT>
-                    <a:lnB>
-                      <a:noFill/>
-                    </a:lnB>
-                    <a:noFill/>
-                  </a:tcPr>
-                </a:tc>
-                <a:extLst>
-                  <a:ext uri="{0D108BD9-81ED-4DB2-BD59-A6C34878D82A}">
-                    <a16:rowId xmlns:a16="http://schemas.microsoft.com/office/drawing/2014/main" val="1299182682"/>
-                  </a:ext>
-                </a:extLst>
-              </a:tr>
-              <a:tr h="314986">
-                <a:tc>
-                  <a:txBody>
-                    <a:bodyPr/>
-                    <a:lstStyle/>
-                    <a:p>
-                      <a:pPr algn="ctr" fontAlgn="ctr"/>
-                      <a:r>
-                        <a:rPr lang="en-US" sz="1600" b="1">
-                          <a:effectLst/>
-                        </a:rPr>
-                        <a:t>767</a:t>
-                      </a:r>
-                    </a:p>
-                  </a:txBody>
-                  <a:tcPr marL="78747" marR="78747" marT="39373" marB="39373" anchor="ctr">
-                    <a:lnL>
-                      <a:noFill/>
-                    </a:lnL>
-                    <a:lnR>
-                      <a:noFill/>
-                    </a:lnR>
-                    <a:lnT>
-                      <a:noFill/>
-                    </a:lnT>
-                    <a:lnB>
-                      <a:noFill/>
-                    </a:lnB>
-                    <a:noFill/>
-                  </a:tcPr>
-                </a:tc>
-                <a:tc>
-                  <a:txBody>
-                    <a:bodyPr/>
-                    <a:lstStyle/>
-                    <a:p>
-                      <a:pPr algn="ctr" fontAlgn="ctr"/>
-                      <a:r>
-                        <a:rPr lang="en-US" sz="1600" dirty="0">
-                          <a:effectLst/>
-                        </a:rPr>
-                        <a:t>3</a:t>
-                      </a:r>
-                    </a:p>
-                  </a:txBody>
-                  <a:tcPr marL="78747" marR="78747" marT="39373" marB="39373" anchor="ctr">
-                    <a:lnL>
-                      <a:noFill/>
-                    </a:lnL>
-                    <a:lnR>
-                      <a:noFill/>
-                    </a:lnR>
-                    <a:lnT>
-                      <a:noFill/>
-                    </a:lnT>
-                    <a:lnB>
-                      <a:noFill/>
-                    </a:lnB>
-                    <a:noFill/>
-                  </a:tcPr>
-                </a:tc>
-                <a:tc>
-                  <a:txBody>
-                    <a:bodyPr/>
-                    <a:lstStyle/>
-                    <a:p>
-                      <a:pPr algn="ctr" fontAlgn="ctr"/>
-                      <a:r>
-                        <a:rPr lang="en-US" sz="1600">
-                          <a:effectLst/>
-                        </a:rPr>
-                        <a:t>17</a:t>
-                      </a:r>
-                    </a:p>
-                  </a:txBody>
-                  <a:tcPr marL="78747" marR="78747" marT="39373" marB="39373" anchor="ctr">
-                    <a:lnL>
-                      <a:noFill/>
-                    </a:lnL>
-                    <a:lnR>
-                      <a:noFill/>
-                    </a:lnR>
-                    <a:lnT>
-                      <a:noFill/>
-                    </a:lnT>
-                    <a:lnB>
-                      <a:noFill/>
-                    </a:lnB>
-                    <a:noFill/>
-                  </a:tcPr>
-                </a:tc>
-                <a:tc>
-                  <a:txBody>
-                    <a:bodyPr/>
-                    <a:lstStyle/>
-                    <a:p>
-                      <a:pPr algn="ctr" fontAlgn="ctr"/>
-                      <a:r>
-                        <a:rPr lang="en-US" sz="1600" dirty="0">
-                          <a:effectLst/>
-                        </a:rPr>
-                        <a:t>13</a:t>
-                      </a:r>
-                    </a:p>
-                  </a:txBody>
-                  <a:tcPr marL="78747" marR="78747" marT="39373" marB="39373" anchor="ctr">
-                    <a:lnL>
-                      <a:noFill/>
-                    </a:lnL>
-                    <a:lnR>
-                      <a:noFill/>
-                    </a:lnR>
-                    <a:lnT>
-                      <a:noFill/>
-                    </a:lnT>
-                    <a:lnB>
-                      <a:noFill/>
-                    </a:lnB>
-                    <a:noFill/>
-                  </a:tcPr>
-                </a:tc>
-                <a:extLst>
-                  <a:ext uri="{0D108BD9-81ED-4DB2-BD59-A6C34878D82A}">
-                    <a16:rowId xmlns:a16="http://schemas.microsoft.com/office/drawing/2014/main" val="907046167"/>
-                  </a:ext>
-                </a:extLst>
-              </a:tr>
-              <a:tr h="314986">
-                <a:tc>
-                  <a:txBody>
-                    <a:bodyPr/>
-                    <a:lstStyle/>
-                    <a:p>
-                      <a:pPr algn="ctr" fontAlgn="ctr"/>
-                      <a:r>
-                        <a:rPr lang="en-US" sz="1600" b="1">
-                          <a:effectLst/>
-                        </a:rPr>
-                        <a:t>777</a:t>
-                      </a:r>
-                    </a:p>
-                  </a:txBody>
-                  <a:tcPr marL="78747" marR="78747" marT="39373" marB="39373" anchor="ctr">
-                    <a:lnL>
-                      <a:noFill/>
-                    </a:lnL>
-                    <a:lnR>
-                      <a:noFill/>
-                    </a:lnR>
-                    <a:lnT>
-                      <a:noFill/>
-                    </a:lnT>
-                    <a:lnB>
-                      <a:noFill/>
-                    </a:lnB>
-                    <a:noFill/>
-                  </a:tcPr>
-                </a:tc>
-                <a:tc>
-                  <a:txBody>
-                    <a:bodyPr/>
-                    <a:lstStyle/>
-                    <a:p>
-                      <a:pPr algn="ctr" fontAlgn="ctr"/>
-                      <a:r>
-                        <a:rPr lang="en-US" sz="1600">
-                          <a:effectLst/>
-                        </a:rPr>
-                        <a:t>1</a:t>
-                      </a:r>
-                    </a:p>
-                  </a:txBody>
-                  <a:tcPr marL="78747" marR="78747" marT="39373" marB="39373" anchor="ctr">
-                    <a:lnL>
-                      <a:noFill/>
-                    </a:lnL>
-                    <a:lnR>
-                      <a:noFill/>
-                    </a:lnR>
-                    <a:lnT>
-                      <a:noFill/>
-                    </a:lnT>
-                    <a:lnB>
-                      <a:noFill/>
-                    </a:lnB>
-                    <a:noFill/>
-                  </a:tcPr>
-                </a:tc>
-                <a:tc>
-                  <a:txBody>
-                    <a:bodyPr/>
-                    <a:lstStyle/>
-                    <a:p>
-                      <a:pPr algn="ctr" fontAlgn="ctr"/>
-                      <a:r>
-                        <a:rPr lang="en-US" sz="1600">
-                          <a:effectLst/>
-                        </a:rPr>
-                        <a:t>32</a:t>
-                      </a:r>
-                    </a:p>
-                  </a:txBody>
-                  <a:tcPr marL="78747" marR="78747" marT="39373" marB="39373" anchor="ctr">
-                    <a:lnL>
-                      <a:noFill/>
-                    </a:lnL>
-                    <a:lnR>
-                      <a:noFill/>
-                    </a:lnR>
-                    <a:lnT>
-                      <a:noFill/>
-                    </a:lnT>
-                    <a:lnB>
-                      <a:noFill/>
-                    </a:lnB>
-                    <a:noFill/>
-                  </a:tcPr>
-                </a:tc>
-                <a:tc>
-                  <a:txBody>
-                    <a:bodyPr/>
-                    <a:lstStyle/>
-                    <a:p>
-                      <a:pPr algn="ctr" fontAlgn="ctr"/>
-                      <a:r>
-                        <a:rPr lang="en-US" sz="1600" dirty="0">
-                          <a:effectLst/>
-                        </a:rPr>
-                        <a:t>10</a:t>
-                      </a:r>
-                    </a:p>
-                  </a:txBody>
-                  <a:tcPr marL="78747" marR="78747" marT="39373" marB="39373" anchor="ctr">
-                    <a:lnL>
-                      <a:noFill/>
-                    </a:lnL>
-                    <a:lnR>
-                      <a:noFill/>
-                    </a:lnR>
-                    <a:lnT>
-                      <a:noFill/>
-                    </a:lnT>
-                    <a:lnB>
-                      <a:noFill/>
-                    </a:lnB>
-                    <a:noFill/>
-                  </a:tcPr>
-                </a:tc>
-                <a:extLst>
-                  <a:ext uri="{0D108BD9-81ED-4DB2-BD59-A6C34878D82A}">
-                    <a16:rowId xmlns:a16="http://schemas.microsoft.com/office/drawing/2014/main" val="4194021813"/>
-                  </a:ext>
-                </a:extLst>
-              </a:tr>
-              <a:tr h="314986">
-                <a:tc>
-                  <a:txBody>
-                    <a:bodyPr/>
-                    <a:lstStyle/>
-                    <a:p>
-                      <a:pPr algn="ctr" fontAlgn="ctr"/>
-                      <a:r>
-                        <a:rPr lang="en-US" sz="1600" b="1">
-                          <a:effectLst/>
-                        </a:rPr>
-                        <a:t>A75N1</a:t>
-                      </a:r>
-                    </a:p>
-                  </a:txBody>
-                  <a:tcPr marL="78747" marR="78747" marT="39373" marB="39373" anchor="ctr">
-                    <a:lnL>
-                      <a:noFill/>
-                    </a:lnL>
-                    <a:lnR>
-                      <a:noFill/>
-                    </a:lnR>
-                    <a:lnT>
-                      <a:noFill/>
-                    </a:lnT>
-                    <a:lnB>
-                      <a:noFill/>
-                    </a:lnB>
-                    <a:noFill/>
-                  </a:tcPr>
-                </a:tc>
-                <a:tc>
-                  <a:txBody>
-                    <a:bodyPr/>
-                    <a:lstStyle/>
-                    <a:p>
-                      <a:pPr algn="ctr" fontAlgn="ctr"/>
-                      <a:r>
-                        <a:rPr lang="en-US" sz="1600">
-                          <a:effectLst/>
-                        </a:rPr>
-                        <a:t>7</a:t>
-                      </a:r>
-                    </a:p>
-                  </a:txBody>
-                  <a:tcPr marL="78747" marR="78747" marT="39373" marB="39373" anchor="ctr">
-                    <a:lnL>
-                      <a:noFill/>
-                    </a:lnL>
-                    <a:lnR>
-                      <a:noFill/>
-                    </a:lnR>
-                    <a:lnT>
-                      <a:noFill/>
-                    </a:lnT>
-                    <a:lnB>
-                      <a:noFill/>
-                    </a:lnB>
-                    <a:noFill/>
-                  </a:tcPr>
-                </a:tc>
-                <a:tc>
-                  <a:txBody>
-                    <a:bodyPr/>
-                    <a:lstStyle/>
-                    <a:p>
-                      <a:pPr algn="ctr" fontAlgn="ctr"/>
-                      <a:r>
-                        <a:rPr lang="en-US" sz="1600">
-                          <a:effectLst/>
-                        </a:rPr>
-                        <a:t>6</a:t>
-                      </a:r>
-                    </a:p>
-                  </a:txBody>
-                  <a:tcPr marL="78747" marR="78747" marT="39373" marB="39373" anchor="ctr">
-                    <a:lnL>
-                      <a:noFill/>
-                    </a:lnL>
-                    <a:lnR>
-                      <a:noFill/>
-                    </a:lnR>
-                    <a:lnT>
-                      <a:noFill/>
-                    </a:lnT>
-                    <a:lnB>
-                      <a:noFill/>
-                    </a:lnB>
-                    <a:noFill/>
-                  </a:tcPr>
-                </a:tc>
-                <a:tc>
-                  <a:txBody>
-                    <a:bodyPr/>
-                    <a:lstStyle/>
-                    <a:p>
-                      <a:pPr algn="ctr" fontAlgn="ctr"/>
-                      <a:r>
-                        <a:rPr lang="en-US" sz="1600" dirty="0">
-                          <a:effectLst/>
-                        </a:rPr>
-                        <a:t>94</a:t>
-                      </a:r>
-                    </a:p>
-                  </a:txBody>
-                  <a:tcPr marL="78747" marR="78747" marT="39373" marB="39373" anchor="ctr">
-                    <a:lnL>
-                      <a:noFill/>
-                    </a:lnL>
-                    <a:lnR>
-                      <a:noFill/>
-                    </a:lnR>
-                    <a:lnT>
-                      <a:noFill/>
-                    </a:lnT>
-                    <a:lnB>
-                      <a:noFill/>
-                    </a:lnB>
-                    <a:noFill/>
-                  </a:tcPr>
-                </a:tc>
-                <a:extLst>
-                  <a:ext uri="{0D108BD9-81ED-4DB2-BD59-A6C34878D82A}">
-                    <a16:rowId xmlns:a16="http://schemas.microsoft.com/office/drawing/2014/main" val="2514608990"/>
-                  </a:ext>
-                </a:extLst>
-              </a:tr>
-              <a:tr h="314986">
-                <a:tc>
-                  <a:txBody>
-                    <a:bodyPr/>
-                    <a:lstStyle/>
-                    <a:p>
-                      <a:pPr algn="ctr" fontAlgn="ctr"/>
-                      <a:r>
-                        <a:rPr lang="en-US" sz="1600" b="1">
-                          <a:effectLst/>
-                        </a:rPr>
-                        <a:t>B75N1</a:t>
-                      </a:r>
-                    </a:p>
-                  </a:txBody>
-                  <a:tcPr marL="78747" marR="78747" marT="39373" marB="39373" anchor="ctr">
-                    <a:lnL>
-                      <a:noFill/>
-                    </a:lnL>
-                    <a:lnR>
-                      <a:noFill/>
-                    </a:lnR>
-                    <a:lnT>
-                      <a:noFill/>
-                    </a:lnT>
-                    <a:lnB>
-                      <a:noFill/>
-                    </a:lnB>
-                    <a:noFill/>
-                  </a:tcPr>
-                </a:tc>
-                <a:tc>
-                  <a:txBody>
-                    <a:bodyPr/>
-                    <a:lstStyle/>
-                    <a:p>
-                      <a:pPr algn="ctr" fontAlgn="ctr"/>
-                      <a:r>
-                        <a:rPr lang="en-US" sz="1600" dirty="0">
-                          <a:effectLst/>
-                        </a:rPr>
-                        <a:t>3</a:t>
-                      </a:r>
-                    </a:p>
-                  </a:txBody>
-                  <a:tcPr marL="78747" marR="78747" marT="39373" marB="39373" anchor="ctr">
-                    <a:lnL>
-                      <a:noFill/>
-                    </a:lnL>
-                    <a:lnR>
-                      <a:noFill/>
-                    </a:lnR>
-                    <a:lnT>
-                      <a:noFill/>
-                    </a:lnT>
-                    <a:lnB>
-                      <a:noFill/>
-                    </a:lnB>
-                    <a:noFill/>
-                  </a:tcPr>
-                </a:tc>
-                <a:tc>
-                  <a:txBody>
-                    <a:bodyPr/>
-                    <a:lstStyle/>
-                    <a:p>
-                      <a:pPr algn="ctr" fontAlgn="ctr"/>
-                      <a:r>
-                        <a:rPr lang="en-US" sz="1600">
-                          <a:effectLst/>
-                        </a:rPr>
-                        <a:t>1</a:t>
-                      </a:r>
-                    </a:p>
-                  </a:txBody>
-                  <a:tcPr marL="78747" marR="78747" marT="39373" marB="39373" anchor="ctr">
-                    <a:lnL>
-                      <a:noFill/>
-                    </a:lnL>
-                    <a:lnR>
-                      <a:noFill/>
-                    </a:lnR>
-                    <a:lnT>
-                      <a:noFill/>
-                    </a:lnT>
-                    <a:lnB>
-                      <a:noFill/>
-                    </a:lnB>
-                    <a:noFill/>
-                  </a:tcPr>
-                </a:tc>
-                <a:tc>
-                  <a:txBody>
-                    <a:bodyPr/>
-                    <a:lstStyle/>
-                    <a:p>
-                      <a:pPr algn="ctr" fontAlgn="ctr"/>
-                      <a:r>
-                        <a:rPr lang="en-US" sz="1600" dirty="0">
-                          <a:effectLst/>
-                        </a:rPr>
-                        <a:t>40</a:t>
-                      </a:r>
-                    </a:p>
-                  </a:txBody>
-                  <a:tcPr marL="78747" marR="78747" marT="39373" marB="39373" anchor="ctr">
-                    <a:lnL>
-                      <a:noFill/>
-                    </a:lnL>
-                    <a:lnR>
-                      <a:noFill/>
-                    </a:lnR>
-                    <a:lnT>
-                      <a:noFill/>
-                    </a:lnT>
-                    <a:lnB>
-                      <a:noFill/>
-                    </a:lnB>
-                    <a:noFill/>
-                  </a:tcPr>
-                </a:tc>
-                <a:extLst>
-                  <a:ext uri="{0D108BD9-81ED-4DB2-BD59-A6C34878D82A}">
-                    <a16:rowId xmlns:a16="http://schemas.microsoft.com/office/drawing/2014/main" val="3214774517"/>
-                  </a:ext>
-                </a:extLst>
-              </a:tr>
-            </a:tbl>
-          </a:graphicData>
-        </a:graphic>
-      </p:graphicFrame>
+        </p:nvSpPr>
+        <p:spPr>
+          <a:xfrm>
+            <a:off x="540000" y="1892061"/>
+            <a:ext cx="11101136" cy="4416664"/>
+          </a:xfrm>
+        </p:spPr>
+        <p:txBody>
+          <a:bodyPr/>
+          <a:lstStyle/>
+          <a:p>
+            <a:pPr marL="0" indent="0">
+              <a:buNone/>
+            </a:pPr>
+            <a:r>
+              <a:rPr lang="en-US" b="1" dirty="0"/>
+              <a:t>My recommendation is to look for Boeing made airplanes, specifically the 777 and 747 models, preferably with The Turbo Fan and Turbo Jet engine, and 3-4 engines.</a:t>
+            </a:r>
+          </a:p>
+          <a:p>
+            <a:pPr marL="0" indent="0">
+              <a:buNone/>
+            </a:pPr>
+            <a:r>
+              <a:rPr lang="en-US" dirty="0"/>
+              <a:t>This recommendation is supported by 4 key pieces of data found during analysis.</a:t>
+            </a:r>
+          </a:p>
+          <a:p>
+            <a:pPr marL="0" indent="0">
+              <a:buNone/>
+            </a:pPr>
+            <a:r>
+              <a:rPr lang="en-US" dirty="0"/>
+              <a:t>1. </a:t>
+            </a:r>
+            <a:r>
+              <a:rPr lang="en-US" b="1" dirty="0"/>
+              <a:t>Boeing</a:t>
+            </a:r>
+            <a:r>
+              <a:rPr lang="en-US" dirty="0"/>
+              <a:t> has the </a:t>
+            </a:r>
+            <a:r>
+              <a:rPr lang="en-US" b="1" dirty="0"/>
+              <a:t>lowest percentage </a:t>
+            </a:r>
+            <a:r>
+              <a:rPr lang="en-US" dirty="0"/>
+              <a:t>of destroyed aircrafts when compared to other Makes.</a:t>
+            </a:r>
+          </a:p>
+          <a:p>
+            <a:pPr marL="0" indent="0">
+              <a:buNone/>
+            </a:pPr>
+            <a:r>
+              <a:rPr lang="en-US" dirty="0"/>
+              <a:t>2. The </a:t>
+            </a:r>
+            <a:r>
+              <a:rPr lang="en-US" b="1" dirty="0"/>
+              <a:t>777 and 747 models </a:t>
+            </a:r>
+            <a:r>
+              <a:rPr lang="en-US" dirty="0"/>
+              <a:t>have </a:t>
+            </a:r>
+            <a:r>
+              <a:rPr lang="en-US" b="1" dirty="0"/>
+              <a:t>the lowest destroyed and substantial percentage </a:t>
+            </a:r>
+            <a:r>
+              <a:rPr lang="en-US" dirty="0"/>
+              <a:t>compared to other Boeing models.</a:t>
+            </a:r>
+          </a:p>
+          <a:p>
+            <a:pPr marL="0" indent="0">
+              <a:buNone/>
+            </a:pPr>
+            <a:r>
+              <a:rPr lang="en-US" dirty="0"/>
+              <a:t>3. </a:t>
+            </a:r>
+            <a:r>
+              <a:rPr lang="en-US" b="1" dirty="0"/>
+              <a:t>Turbo Fan and Jet engines have the lowest destroyed percentage damage</a:t>
+            </a:r>
+          </a:p>
+          <a:p>
+            <a:pPr marL="0" indent="0">
+              <a:buNone/>
+            </a:pPr>
+            <a:r>
+              <a:rPr lang="en-US" dirty="0"/>
+              <a:t>4</a:t>
+            </a:r>
+            <a:r>
+              <a:rPr lang="en-US" b="1" dirty="0"/>
+              <a:t>. Planes with 3-4 engines have the lowest percentage of destroyed / </a:t>
+            </a:r>
+            <a:r>
+              <a:rPr lang="en-US" b="1" dirty="0" err="1"/>
+              <a:t>substanstial</a:t>
+            </a:r>
+            <a:r>
+              <a:rPr lang="en-US" b="1" dirty="0"/>
+              <a:t> damage.</a:t>
+            </a:r>
+          </a:p>
+        </p:txBody>
+      </p:sp>
     </p:spTree>
     <p:extLst>
       <p:ext uri="{BB962C8B-B14F-4D97-AF65-F5344CB8AC3E}">
-        <p14:creationId xmlns:p14="http://schemas.microsoft.com/office/powerpoint/2010/main" val="1166317552"/>
+        <p14:creationId xmlns:p14="http://schemas.microsoft.com/office/powerpoint/2010/main" val="2727117123"/>
       </p:ext>
     </p:extLst>
   </p:cSld>

--- a/phase_1_aviation_analysis.pptx
+++ b/phase_1_aviation_analysis.pptx
@@ -14,6 +14,8 @@
     <p:sldId id="261" r:id="rId8"/>
     <p:sldId id="265" r:id="rId9"/>
     <p:sldId id="264" r:id="rId10"/>
+    <p:sldId id="269" r:id="rId11"/>
+    <p:sldId id="270" r:id="rId12"/>
   </p:sldIdLst>
   <p:sldSz cx="12192000" cy="6858000"/>
   <p:notesSz cx="6858000" cy="9144000"/>
@@ -120,16 +122,258 @@
 </p:presentation>
 </file>
 
+<file path=ppt/authors.xml><?xml version="1.0" encoding="utf-8"?>
+<p188:authorLst xmlns:a="http://schemas.openxmlformats.org/drawingml/2006/main" xmlns:r="http://schemas.openxmlformats.org/officeDocument/2006/relationships" xmlns:p188="http://schemas.microsoft.com/office/powerpoint/2018/8/main">
+  <p188:author id="{28A384FF-5A1F-35EE-7675-D02B3B776D6F}" name="Alec Schonfeld" initials="AS" userId="908fa86f43668255" providerId="Windows Live"/>
+</p188:authorLst>
+</file>
+
 <file path=ppt/revisionInfo.xml><?xml version="1.0" encoding="utf-8"?>
 <p1510:revInfo xmlns:a="http://schemas.openxmlformats.org/drawingml/2006/main" xmlns:r="http://schemas.openxmlformats.org/officeDocument/2006/relationships" xmlns:p1510="http://schemas.microsoft.com/office/powerpoint/2015/10/main">
   <p1510:revLst>
-    <p1510:client id="{79FCC42C-0D04-4566-8AEF-9323BAE520AF}" v="32" dt="2024-03-17T17:57:15.561"/>
+    <p1510:client id="{0B72539E-5457-4219-896F-DC47866D527C}" v="32" dt="2024-05-19T20:58:59.242"/>
   </p1510:revLst>
 </p1510:revInfo>
 </file>
 
 <file path=ppt/changesInfos/changesInfo1.xml><?xml version="1.0" encoding="utf-8"?>
 <pc:chgInfo xmlns:a="http://schemas.openxmlformats.org/drawingml/2006/main" xmlns:r="http://schemas.openxmlformats.org/officeDocument/2006/relationships" xmlns:ac="http://schemas.microsoft.com/office/drawing/2013/main/command" xmlns:pc="http://schemas.microsoft.com/office/powerpoint/2013/main/command">
+  <pc:docChgLst>
+    <pc:chgData name="Alec Schonfeld" userId="908fa86f43668255" providerId="LiveId" clId="{0B72539E-5457-4219-896F-DC47866D527C}"/>
+    <pc:docChg chg="custSel addSld modSld sldOrd">
+      <pc:chgData name="Alec Schonfeld" userId="908fa86f43668255" providerId="LiveId" clId="{0B72539E-5457-4219-896F-DC47866D527C}" dt="2024-05-19T21:00:15.085" v="851" actId="113"/>
+      <pc:docMkLst>
+        <pc:docMk/>
+      </pc:docMkLst>
+      <pc:sldChg chg="modSp mod">
+        <pc:chgData name="Alec Schonfeld" userId="908fa86f43668255" providerId="LiveId" clId="{0B72539E-5457-4219-896F-DC47866D527C}" dt="2024-05-19T21:00:15.085" v="851" actId="113"/>
+        <pc:sldMkLst>
+          <pc:docMk/>
+          <pc:sldMk cId="3031315073" sldId="257"/>
+        </pc:sldMkLst>
+        <pc:spChg chg="mod">
+          <ac:chgData name="Alec Schonfeld" userId="908fa86f43668255" providerId="LiveId" clId="{0B72539E-5457-4219-896F-DC47866D527C}" dt="2024-05-19T21:00:15.085" v="851" actId="113"/>
+          <ac:spMkLst>
+            <pc:docMk/>
+            <pc:sldMk cId="3031315073" sldId="257"/>
+            <ac:spMk id="3" creationId="{D5AB64EF-C853-52FA-7D05-BB24578E182F}"/>
+          </ac:spMkLst>
+        </pc:spChg>
+      </pc:sldChg>
+      <pc:sldChg chg="addSp delSp modSp mod addCm">
+        <pc:chgData name="Alec Schonfeld" userId="908fa86f43668255" providerId="LiveId" clId="{0B72539E-5457-4219-896F-DC47866D527C}" dt="2024-05-19T20:59:17.818" v="843" actId="14100"/>
+        <pc:sldMkLst>
+          <pc:docMk/>
+          <pc:sldMk cId="2294058430" sldId="258"/>
+        </pc:sldMkLst>
+        <pc:spChg chg="add mod">
+          <ac:chgData name="Alec Schonfeld" userId="908fa86f43668255" providerId="LiveId" clId="{0B72539E-5457-4219-896F-DC47866D527C}" dt="2024-05-19T20:59:17.818" v="843" actId="14100"/>
+          <ac:spMkLst>
+            <pc:docMk/>
+            <pc:sldMk cId="2294058430" sldId="258"/>
+            <ac:spMk id="3" creationId="{68F51F2D-E22C-6EBD-5FA8-B2FFF57D05E1}"/>
+          </ac:spMkLst>
+        </pc:spChg>
+        <pc:spChg chg="mod">
+          <ac:chgData name="Alec Schonfeld" userId="908fa86f43668255" providerId="LiveId" clId="{0B72539E-5457-4219-896F-DC47866D527C}" dt="2024-05-17T18:15:39.872" v="232" actId="113"/>
+          <ac:spMkLst>
+            <pc:docMk/>
+            <pc:sldMk cId="2294058430" sldId="258"/>
+            <ac:spMk id="6" creationId="{3086C438-DC41-218B-CABD-7ECCE34E32ED}"/>
+          </ac:spMkLst>
+        </pc:spChg>
+        <pc:picChg chg="del">
+          <ac:chgData name="Alec Schonfeld" userId="908fa86f43668255" providerId="LiveId" clId="{0B72539E-5457-4219-896F-DC47866D527C}" dt="2024-05-17T18:16:21.729" v="244" actId="478"/>
+          <ac:picMkLst>
+            <pc:docMk/>
+            <pc:sldMk cId="2294058430" sldId="258"/>
+            <ac:picMk id="5" creationId="{2BD73811-202F-DCDA-C378-FFF045366FB6}"/>
+          </ac:picMkLst>
+        </pc:picChg>
+        <pc:picChg chg="add mod">
+          <ac:chgData name="Alec Schonfeld" userId="908fa86f43668255" providerId="LiveId" clId="{0B72539E-5457-4219-896F-DC47866D527C}" dt="2024-05-19T20:58:59.240" v="838" actId="1076"/>
+          <ac:picMkLst>
+            <pc:docMk/>
+            <pc:sldMk cId="2294058430" sldId="258"/>
+            <ac:picMk id="1026" creationId="{5C2FD4C4-C720-5A8E-20B8-CF78014F3295}"/>
+          </ac:picMkLst>
+        </pc:picChg>
+        <pc:extLst>
+          <p:ext xmlns:p="http://schemas.openxmlformats.org/presentationml/2006/main" uri="{D6D511B9-2390-475A-947B-AFAB55BFBCF1}">
+            <pc226:cmChg xmlns:pc226="http://schemas.microsoft.com/office/powerpoint/2022/06/main/command" chg="add">
+              <pc226:chgData name="Alec Schonfeld" userId="908fa86f43668255" providerId="LiveId" clId="{0B72539E-5457-4219-896F-DC47866D527C}" dt="2024-05-17T18:17:06.451" v="286"/>
+              <pc2:cmMkLst xmlns:pc2="http://schemas.microsoft.com/office/powerpoint/2019/9/main/command">
+                <pc:docMk/>
+                <pc:sldMk cId="2294058430" sldId="258"/>
+                <pc2:cmMk id="{84FBDB2B-73DD-4E67-BEAB-55B256BF3BA5}"/>
+              </pc2:cmMkLst>
+            </pc226:cmChg>
+          </p:ext>
+        </pc:extLst>
+      </pc:sldChg>
+      <pc:sldChg chg="modSp mod addCm">
+        <pc:chgData name="Alec Schonfeld" userId="908fa86f43668255" providerId="LiveId" clId="{0B72539E-5457-4219-896F-DC47866D527C}" dt="2024-05-17T18:19:13.663" v="291"/>
+        <pc:sldMkLst>
+          <pc:docMk/>
+          <pc:sldMk cId="1403301575" sldId="259"/>
+        </pc:sldMkLst>
+        <pc:graphicFrameChg chg="mod modGraphic">
+          <ac:chgData name="Alec Schonfeld" userId="908fa86f43668255" providerId="LiveId" clId="{0B72539E-5457-4219-896F-DC47866D527C}" dt="2024-05-17T18:18:36.171" v="290" actId="1076"/>
+          <ac:graphicFrameMkLst>
+            <pc:docMk/>
+            <pc:sldMk cId="1403301575" sldId="259"/>
+            <ac:graphicFrameMk id="4" creationId="{1911836A-AAE2-57CF-5E68-40305B5CFD2F}"/>
+          </ac:graphicFrameMkLst>
+        </pc:graphicFrameChg>
+        <pc:extLst>
+          <p:ext xmlns:p="http://schemas.openxmlformats.org/presentationml/2006/main" uri="{D6D511B9-2390-475A-947B-AFAB55BFBCF1}">
+            <pc226:cmChg xmlns:pc226="http://schemas.microsoft.com/office/powerpoint/2022/06/main/command" chg="add">
+              <pc226:chgData name="Alec Schonfeld" userId="908fa86f43668255" providerId="LiveId" clId="{0B72539E-5457-4219-896F-DC47866D527C}" dt="2024-05-17T18:19:13.663" v="291"/>
+              <pc2:cmMkLst xmlns:pc2="http://schemas.microsoft.com/office/powerpoint/2019/9/main/command">
+                <pc:docMk/>
+                <pc:sldMk cId="1403301575" sldId="259"/>
+                <pc2:cmMk id="{94E50789-5F4C-42B0-84F7-8FCD8A44CC88}"/>
+              </pc2:cmMkLst>
+            </pc226:cmChg>
+          </p:ext>
+        </pc:extLst>
+      </pc:sldChg>
+      <pc:sldChg chg="modSp mod ord">
+        <pc:chgData name="Alec Schonfeld" userId="908fa86f43668255" providerId="LiveId" clId="{0B72539E-5457-4219-896F-DC47866D527C}" dt="2024-05-17T18:19:56.388" v="297" actId="5793"/>
+        <pc:sldMkLst>
+          <pc:docMk/>
+          <pc:sldMk cId="2137380518" sldId="260"/>
+        </pc:sldMkLst>
+        <pc:spChg chg="mod">
+          <ac:chgData name="Alec Schonfeld" userId="908fa86f43668255" providerId="LiveId" clId="{0B72539E-5457-4219-896F-DC47866D527C}" dt="2024-05-17T18:19:56.388" v="297" actId="5793"/>
+          <ac:spMkLst>
+            <pc:docMk/>
+            <pc:sldMk cId="2137380518" sldId="260"/>
+            <ac:spMk id="6" creationId="{4B858546-838E-9CA7-3985-783560A0234E}"/>
+          </ac:spMkLst>
+        </pc:spChg>
+      </pc:sldChg>
+      <pc:sldChg chg="modSp mod">
+        <pc:chgData name="Alec Schonfeld" userId="908fa86f43668255" providerId="LiveId" clId="{0B72539E-5457-4219-896F-DC47866D527C}" dt="2024-05-17T18:20:56.286" v="304" actId="14100"/>
+        <pc:sldMkLst>
+          <pc:docMk/>
+          <pc:sldMk cId="2580538052" sldId="261"/>
+        </pc:sldMkLst>
+        <pc:spChg chg="mod">
+          <ac:chgData name="Alec Schonfeld" userId="908fa86f43668255" providerId="LiveId" clId="{0B72539E-5457-4219-896F-DC47866D527C}" dt="2024-05-17T18:20:56.286" v="304" actId="14100"/>
+          <ac:spMkLst>
+            <pc:docMk/>
+            <pc:sldMk cId="2580538052" sldId="261"/>
+            <ac:spMk id="5" creationId="{DE914991-7A5C-7F44-2743-683701DA10B2}"/>
+          </ac:spMkLst>
+        </pc:spChg>
+        <pc:spChg chg="mod">
+          <ac:chgData name="Alec Schonfeld" userId="908fa86f43668255" providerId="LiveId" clId="{0B72539E-5457-4219-896F-DC47866D527C}" dt="2024-05-17T18:20:51.864" v="303" actId="403"/>
+          <ac:spMkLst>
+            <pc:docMk/>
+            <pc:sldMk cId="2580538052" sldId="261"/>
+            <ac:spMk id="6" creationId="{113A4558-6BDE-F570-2ABD-F6D1E18D7107}"/>
+          </ac:spMkLst>
+        </pc:spChg>
+      </pc:sldChg>
+      <pc:sldChg chg="modSp mod addCm">
+        <pc:chgData name="Alec Schonfeld" userId="908fa86f43668255" providerId="LiveId" clId="{0B72539E-5457-4219-896F-DC47866D527C}" dt="2024-05-17T18:23:55.503" v="305"/>
+        <pc:sldMkLst>
+          <pc:docMk/>
+          <pc:sldMk cId="2727117123" sldId="264"/>
+        </pc:sldMkLst>
+        <pc:spChg chg="mod">
+          <ac:chgData name="Alec Schonfeld" userId="908fa86f43668255" providerId="LiveId" clId="{0B72539E-5457-4219-896F-DC47866D527C}" dt="2024-05-17T17:55:15.204" v="230" actId="313"/>
+          <ac:spMkLst>
+            <pc:docMk/>
+            <pc:sldMk cId="2727117123" sldId="264"/>
+            <ac:spMk id="3" creationId="{4B9F00F4-9D93-2110-F8BE-64592DAD8C04}"/>
+          </ac:spMkLst>
+        </pc:spChg>
+        <pc:extLst>
+          <p:ext xmlns:p="http://schemas.openxmlformats.org/presentationml/2006/main" uri="{D6D511B9-2390-475A-947B-AFAB55BFBCF1}">
+            <pc226:cmChg xmlns:pc226="http://schemas.microsoft.com/office/powerpoint/2022/06/main/command" chg="add">
+              <pc226:chgData name="Alec Schonfeld" userId="908fa86f43668255" providerId="LiveId" clId="{0B72539E-5457-4219-896F-DC47866D527C}" dt="2024-05-17T18:23:55.503" v="305"/>
+              <pc2:cmMkLst xmlns:pc2="http://schemas.microsoft.com/office/powerpoint/2019/9/main/command">
+                <pc:docMk/>
+                <pc:sldMk cId="2727117123" sldId="264"/>
+                <pc2:cmMk id="{29D2F5F8-66D2-442B-ACAF-612A754FEC92}"/>
+              </pc2:cmMkLst>
+            </pc226:cmChg>
+          </p:ext>
+        </pc:extLst>
+      </pc:sldChg>
+      <pc:sldChg chg="modSp mod">
+        <pc:chgData name="Alec Schonfeld" userId="908fa86f43668255" providerId="LiveId" clId="{0B72539E-5457-4219-896F-DC47866D527C}" dt="2024-05-17T18:20:22.278" v="301" actId="5793"/>
+        <pc:sldMkLst>
+          <pc:docMk/>
+          <pc:sldMk cId="158474597" sldId="268"/>
+        </pc:sldMkLst>
+        <pc:spChg chg="mod">
+          <ac:chgData name="Alec Schonfeld" userId="908fa86f43668255" providerId="LiveId" clId="{0B72539E-5457-4219-896F-DC47866D527C}" dt="2024-05-17T13:02:43.916" v="229" actId="20577"/>
+          <ac:spMkLst>
+            <pc:docMk/>
+            <pc:sldMk cId="158474597" sldId="268"/>
+            <ac:spMk id="4" creationId="{9C9AC17F-9250-F248-BC6A-9AE39A65D0AE}"/>
+          </ac:spMkLst>
+        </pc:spChg>
+        <pc:spChg chg="mod">
+          <ac:chgData name="Alec Schonfeld" userId="908fa86f43668255" providerId="LiveId" clId="{0B72539E-5457-4219-896F-DC47866D527C}" dt="2024-05-17T18:20:22.278" v="301" actId="5793"/>
+          <ac:spMkLst>
+            <pc:docMk/>
+            <pc:sldMk cId="158474597" sldId="268"/>
+            <ac:spMk id="6" creationId="{4B858546-838E-9CA7-3985-783560A0234E}"/>
+          </ac:spMkLst>
+        </pc:spChg>
+      </pc:sldChg>
+      <pc:sldChg chg="modSp new mod">
+        <pc:chgData name="Alec Schonfeld" userId="908fa86f43668255" providerId="LiveId" clId="{0B72539E-5457-4219-896F-DC47866D527C}" dt="2024-05-19T20:54:40.168" v="752" actId="20577"/>
+        <pc:sldMkLst>
+          <pc:docMk/>
+          <pc:sldMk cId="2543356667" sldId="269"/>
+        </pc:sldMkLst>
+        <pc:spChg chg="mod">
+          <ac:chgData name="Alec Schonfeld" userId="908fa86f43668255" providerId="LiveId" clId="{0B72539E-5457-4219-896F-DC47866D527C}" dt="2024-05-17T18:24:54.367" v="332" actId="20577"/>
+          <ac:spMkLst>
+            <pc:docMk/>
+            <pc:sldMk cId="2543356667" sldId="269"/>
+            <ac:spMk id="2" creationId="{557CA8CC-ADD3-0CBB-32C8-085091DAC1B6}"/>
+          </ac:spMkLst>
+        </pc:spChg>
+        <pc:spChg chg="mod">
+          <ac:chgData name="Alec Schonfeld" userId="908fa86f43668255" providerId="LiveId" clId="{0B72539E-5457-4219-896F-DC47866D527C}" dt="2024-05-19T20:54:40.168" v="752" actId="20577"/>
+          <ac:spMkLst>
+            <pc:docMk/>
+            <pc:sldMk cId="2543356667" sldId="269"/>
+            <ac:spMk id="3" creationId="{41E6B066-3823-1F80-3716-0181824079AB}"/>
+          </ac:spMkLst>
+        </pc:spChg>
+      </pc:sldChg>
+      <pc:sldChg chg="modSp new mod">
+        <pc:chgData name="Alec Schonfeld" userId="908fa86f43668255" providerId="LiveId" clId="{0B72539E-5457-4219-896F-DC47866D527C}" dt="2024-05-19T20:57:45.765" v="829" actId="20577"/>
+        <pc:sldMkLst>
+          <pc:docMk/>
+          <pc:sldMk cId="4167599725" sldId="270"/>
+        </pc:sldMkLst>
+        <pc:spChg chg="mod">
+          <ac:chgData name="Alec Schonfeld" userId="908fa86f43668255" providerId="LiveId" clId="{0B72539E-5457-4219-896F-DC47866D527C}" dt="2024-05-17T18:25:05.462" v="351" actId="20577"/>
+          <ac:spMkLst>
+            <pc:docMk/>
+            <pc:sldMk cId="4167599725" sldId="270"/>
+            <ac:spMk id="2" creationId="{E95F6612-4C61-C508-CBC6-A5D95DBC5165}"/>
+          </ac:spMkLst>
+        </pc:spChg>
+        <pc:spChg chg="mod">
+          <ac:chgData name="Alec Schonfeld" userId="908fa86f43668255" providerId="LiveId" clId="{0B72539E-5457-4219-896F-DC47866D527C}" dt="2024-05-19T20:57:45.765" v="829" actId="20577"/>
+          <ac:spMkLst>
+            <pc:docMk/>
+            <pc:sldMk cId="4167599725" sldId="270"/>
+            <ac:spMk id="3" creationId="{60E32034-D57E-4F85-FE6F-0A8FDDF7C24E}"/>
+          </ac:spMkLst>
+        </pc:spChg>
+      </pc:sldChg>
+    </pc:docChg>
+  </pc:docChgLst>
   <pc:docChgLst>
     <pc:chgData name="Alec Schonfeld" userId="908fa86f43668255" providerId="LiveId" clId="{79FCC42C-0D04-4566-8AEF-9323BAE520AF}"/>
     <pc:docChg chg="undo custSel addSld delSld modSld">
@@ -914,6 +1158,76 @@
 </pc:chgInfo>
 </file>
 
+<file path=ppt/comments/modernComment_102_88BC8DBE.xml><?xml version="1.0" encoding="utf-8"?>
+<p188:cmLst xmlns:a="http://schemas.openxmlformats.org/drawingml/2006/main" xmlns:r="http://schemas.openxmlformats.org/officeDocument/2006/relationships" xmlns:p188="http://schemas.microsoft.com/office/powerpoint/2018/8/main">
+  <p188:cm id="{84FBDB2B-73DD-4E67-BEAB-55B256BF3BA5}" authorId="{28A384FF-5A1F-35EE-7675-D02B3B776D6F}" created="2024-05-17T18:17:06.380">
+    <ac:deMkLst xmlns:ac="http://schemas.microsoft.com/office/drawing/2013/main/command">
+      <pc:docMk xmlns:pc="http://schemas.microsoft.com/office/powerpoint/2013/main/command"/>
+      <pc:sldMk xmlns:pc="http://schemas.microsoft.com/office/powerpoint/2013/main/command" cId="2294058430" sldId="258"/>
+      <ac:spMk id="6" creationId="{3086C438-DC41-218B-CABD-7ECCE34E32ED}"/>
+    </ac:deMkLst>
+    <p188:txBody>
+      <a:bodyPr/>
+      <a:lstStyle/>
+      <a:p>
+        <a:r>
+          <a:rPr lang="en-US"/>
+          <a:t>Condense overview with short form insightful bullets</a:t>
+        </a:r>
+      </a:p>
+    </p188:txBody>
+  </p188:cm>
+</p188:cmLst>
+</file>
+
+<file path=ppt/comments/modernComment_103_53A4AEC7.xml><?xml version="1.0" encoding="utf-8"?>
+<p188:cmLst xmlns:a="http://schemas.openxmlformats.org/drawingml/2006/main" xmlns:r="http://schemas.openxmlformats.org/officeDocument/2006/relationships" xmlns:p188="http://schemas.microsoft.com/office/powerpoint/2018/8/main">
+  <p188:cm id="{94E50789-5F4C-42B0-84F7-8FCD8A44CC88}" authorId="{28A384FF-5A1F-35EE-7675-D02B3B776D6F}" created="2024-05-17T18:19:13.570">
+    <ac:deMkLst xmlns:ac="http://schemas.microsoft.com/office/drawing/2013/main/command">
+      <pc:docMk xmlns:pc="http://schemas.microsoft.com/office/powerpoint/2013/main/command"/>
+      <pc:sldMk xmlns:pc="http://schemas.microsoft.com/office/powerpoint/2013/main/command" cId="1403301575" sldId="259"/>
+      <ac:graphicFrameMk id="4" creationId="{1911836A-AAE2-57CF-5E68-40305B5CFD2F}"/>
+    </ac:deMkLst>
+    <p188:txBody>
+      <a:bodyPr/>
+      <a:lstStyle/>
+      <a:p>
+        <a:r>
+          <a:rPr lang="en-US"/>
+          <a:t>Improve visualization and condense text</a:t>
+        </a:r>
+      </a:p>
+    </p188:txBody>
+  </p188:cm>
+</p188:cmLst>
+</file>
+
+<file path=ppt/comments/modernComment_108_A28C8143.xml><?xml version="1.0" encoding="utf-8"?>
+<p188:cmLst xmlns:a="http://schemas.openxmlformats.org/drawingml/2006/main" xmlns:r="http://schemas.openxmlformats.org/officeDocument/2006/relationships" xmlns:p188="http://schemas.microsoft.com/office/powerpoint/2018/8/main">
+  <p188:cm id="{29D2F5F8-66D2-442B-ACAF-612A754FEC92}" authorId="{28A384FF-5A1F-35EE-7675-D02B3B776D6F}" created="2024-05-17T18:23:55.398">
+    <ac:txMkLst xmlns:ac="http://schemas.microsoft.com/office/drawing/2013/main/command">
+      <pc:docMk xmlns:pc="http://schemas.microsoft.com/office/powerpoint/2013/main/command"/>
+      <pc:sldMk xmlns:pc="http://schemas.microsoft.com/office/powerpoint/2013/main/command" cId="2727117123" sldId="264"/>
+      <ac:spMk id="3" creationId="{4B9F00F4-9D93-2110-F8BE-64592DAD8C04}"/>
+      <ac:txMk cp="0" len="604">
+        <ac:context len="605" hash="3461923946"/>
+      </ac:txMk>
+    </ac:txMkLst>
+    <p188:pos x="10870122" y="165339"/>
+    <p188:txBody>
+      <a:bodyPr/>
+      <a:lstStyle/>
+      <a:p>
+        <a:r>
+          <a:rPr lang="en-US"/>
+          <a:t>Look at slide 11 and update </a:t>
+        </a:r>
+      </a:p>
+    </p188:txBody>
+  </p188:cm>
+</p188:cmLst>
+</file>
+
 <file path=ppt/slideLayouts/slideLayout1.xml><?xml version="1.0" encoding="utf-8"?>
 <p:sldLayout xmlns:a="http://schemas.openxmlformats.org/drawingml/2006/main" xmlns:r="http://schemas.openxmlformats.org/officeDocument/2006/relationships" xmlns:p="http://schemas.openxmlformats.org/presentationml/2006/main" type="title" preserve="1">
   <p:cSld name="Title Slide">
@@ -1719,7 +2033,7 @@
           <a:p>
             <a:fld id="{7CF0BCE0-945C-4FDF-95A1-2149B1FF5B83}" type="datetimeFigureOut">
               <a:rPr lang="en-US" smtClean="0"/>
-              <a:t>3/17/2024</a:t>
+              <a:t>5/17/2024</a:t>
             </a:fld>
             <a:endParaRPr lang="en-US"/>
           </a:p>
@@ -2446,7 +2760,7 @@
           <a:p>
             <a:fld id="{7CF0BCE0-945C-4FDF-95A1-2149B1FF5B83}" type="datetimeFigureOut">
               <a:rPr lang="en-US" smtClean="0"/>
-              <a:t>3/17/2024</a:t>
+              <a:t>5/17/2024</a:t>
             </a:fld>
             <a:endParaRPr lang="en-US"/>
           </a:p>
@@ -3319,7 +3633,7 @@
           <a:p>
             <a:fld id="{7CF0BCE0-945C-4FDF-95A1-2149B1FF5B83}" type="datetimeFigureOut">
               <a:rPr lang="en-US" smtClean="0"/>
-              <a:t>3/17/2024</a:t>
+              <a:t>5/17/2024</a:t>
             </a:fld>
             <a:endParaRPr lang="en-US"/>
           </a:p>
@@ -4033,7 +4347,7 @@
           <a:p>
             <a:fld id="{7CF0BCE0-945C-4FDF-95A1-2149B1FF5B83}" type="datetimeFigureOut">
               <a:rPr lang="en-US" smtClean="0"/>
-              <a:t>3/17/2024</a:t>
+              <a:t>5/17/2024</a:t>
             </a:fld>
             <a:endParaRPr lang="en-US"/>
           </a:p>
@@ -4743,7 +5057,7 @@
           <a:p>
             <a:fld id="{7CF0BCE0-945C-4FDF-95A1-2149B1FF5B83}" type="datetimeFigureOut">
               <a:rPr lang="en-US" smtClean="0"/>
-              <a:t>3/17/2024</a:t>
+              <a:t>5/17/2024</a:t>
             </a:fld>
             <a:endParaRPr lang="en-US" dirty="0"/>
           </a:p>
@@ -5680,7 +5994,7 @@
           <a:p>
             <a:fld id="{7CF0BCE0-945C-4FDF-95A1-2149B1FF5B83}" type="datetimeFigureOut">
               <a:rPr lang="en-US" smtClean="0"/>
-              <a:t>3/17/2024</a:t>
+              <a:t>5/17/2024</a:t>
             </a:fld>
             <a:endParaRPr lang="en-US"/>
           </a:p>
@@ -6900,7 +7214,7 @@
           <a:p>
             <a:fld id="{7CF0BCE0-945C-4FDF-95A1-2149B1FF5B83}" type="datetimeFigureOut">
               <a:rPr lang="en-US" smtClean="0"/>
-              <a:t>3/17/2024</a:t>
+              <a:t>5/17/2024</a:t>
             </a:fld>
             <a:endParaRPr lang="en-US"/>
           </a:p>
@@ -7566,7 +7880,7 @@
           <a:p>
             <a:fld id="{7CF0BCE0-945C-4FDF-95A1-2149B1FF5B83}" type="datetimeFigureOut">
               <a:rPr lang="en-US" smtClean="0"/>
-              <a:t>3/17/2024</a:t>
+              <a:t>5/17/2024</a:t>
             </a:fld>
             <a:endParaRPr lang="en-US"/>
           </a:p>
@@ -8335,7 +8649,7 @@
           <a:p>
             <a:fld id="{7CF0BCE0-945C-4FDF-95A1-2149B1FF5B83}" type="datetimeFigureOut">
               <a:rPr lang="en-US" smtClean="0"/>
-              <a:t>3/17/2024</a:t>
+              <a:t>5/17/2024</a:t>
             </a:fld>
             <a:endParaRPr lang="en-US"/>
           </a:p>
@@ -9447,7 +9761,7 @@
           <a:p>
             <a:fld id="{7CF0BCE0-945C-4FDF-95A1-2149B1FF5B83}" type="datetimeFigureOut">
               <a:rPr lang="en-US" smtClean="0"/>
-              <a:t>3/17/2024</a:t>
+              <a:t>5/17/2024</a:t>
             </a:fld>
             <a:endParaRPr lang="en-US"/>
           </a:p>
@@ -10255,7 +10569,7 @@
           <a:p>
             <a:fld id="{7CF0BCE0-945C-4FDF-95A1-2149B1FF5B83}" type="datetimeFigureOut">
               <a:rPr lang="en-US" smtClean="0"/>
-              <a:t>3/17/2024</a:t>
+              <a:t>5/17/2024</a:t>
             </a:fld>
             <a:endParaRPr lang="en-US"/>
           </a:p>
@@ -10539,7 +10853,7 @@
             <a:fld id="{7CF0BCE0-945C-4FDF-95A1-2149B1FF5B83}" type="datetimeFigureOut">
               <a:rPr lang="en-US" smtClean="0"/>
               <a:pPr algn="r"/>
-              <a:t>3/17/2024</a:t>
+              <a:t>5/17/2024</a:t>
             </a:fld>
             <a:endParaRPr lang="en-US" dirty="0"/>
           </a:p>
@@ -11968,6 +12282,235 @@
 </p:sld>
 </file>
 
+<file path=ppt/slides/slide10.xml><?xml version="1.0" encoding="utf-8"?>
+<p:sld xmlns:a="http://schemas.openxmlformats.org/drawingml/2006/main" xmlns:r="http://schemas.openxmlformats.org/officeDocument/2006/relationships" xmlns:p="http://schemas.openxmlformats.org/presentationml/2006/main">
+  <p:cSld>
+    <p:spTree>
+      <p:nvGrpSpPr>
+        <p:cNvPr id="1" name=""/>
+        <p:cNvGrpSpPr/>
+        <p:nvPr/>
+      </p:nvGrpSpPr>
+      <p:grpSpPr>
+        <a:xfrm>
+          <a:off x="0" y="0"/>
+          <a:ext cx="0" cy="0"/>
+          <a:chOff x="0" y="0"/>
+          <a:chExt cx="0" cy="0"/>
+        </a:xfrm>
+      </p:grpSpPr>
+      <p:sp>
+        <p:nvSpPr>
+          <p:cNvPr id="2" name="Title 1">
+            <a:extLst>
+              <a:ext uri="{FF2B5EF4-FFF2-40B4-BE49-F238E27FC236}">
+                <a16:creationId xmlns:a16="http://schemas.microsoft.com/office/drawing/2014/main" id="{557CA8CC-ADD3-0CBB-32C8-085091DAC1B6}"/>
+              </a:ext>
+            </a:extLst>
+          </p:cNvPr>
+          <p:cNvSpPr>
+            <a:spLocks noGrp="1"/>
+          </p:cNvSpPr>
+          <p:nvPr>
+            <p:ph type="title"/>
+          </p:nvPr>
+        </p:nvSpPr>
+        <p:spPr/>
+        <p:txBody>
+          <a:bodyPr/>
+          <a:lstStyle/>
+          <a:p>
+            <a:r>
+              <a:rPr lang="en-US" dirty="0"/>
+              <a:t>Next Steps &amp; Limitations</a:t>
+            </a:r>
+          </a:p>
+        </p:txBody>
+      </p:sp>
+      <p:sp>
+        <p:nvSpPr>
+          <p:cNvPr id="3" name="Content Placeholder 2">
+            <a:extLst>
+              <a:ext uri="{FF2B5EF4-FFF2-40B4-BE49-F238E27FC236}">
+                <a16:creationId xmlns:a16="http://schemas.microsoft.com/office/drawing/2014/main" id="{41E6B066-3823-1F80-3716-0181824079AB}"/>
+              </a:ext>
+            </a:extLst>
+          </p:cNvPr>
+          <p:cNvSpPr>
+            <a:spLocks noGrp="1"/>
+          </p:cNvSpPr>
+          <p:nvPr>
+            <p:ph idx="1"/>
+          </p:nvPr>
+        </p:nvSpPr>
+        <p:spPr/>
+        <p:txBody>
+          <a:bodyPr/>
+          <a:lstStyle/>
+          <a:p>
+            <a:pPr marL="0" indent="0">
+              <a:buNone/>
+            </a:pPr>
+            <a:r>
+              <a:rPr lang="en-US" b="1" dirty="0"/>
+              <a:t>Next Steps</a:t>
+            </a:r>
+          </a:p>
+          <a:p>
+            <a:r>
+              <a:rPr lang="en-US" b="1" dirty="0"/>
+              <a:t>Engage Boeing in discussions on the planes needed</a:t>
+            </a:r>
+          </a:p>
+          <a:p>
+            <a:r>
+              <a:rPr lang="en-US" b="1" dirty="0"/>
+              <a:t>Determine pricing for planes</a:t>
+            </a:r>
+          </a:p>
+          <a:p>
+            <a:endParaRPr lang="en-US" b="1" dirty="0"/>
+          </a:p>
+          <a:p>
+            <a:pPr marL="0" indent="0">
+              <a:buNone/>
+            </a:pPr>
+            <a:r>
+              <a:rPr lang="en-US" b="1" dirty="0"/>
+              <a:t>Limitations</a:t>
+            </a:r>
+          </a:p>
+          <a:p>
+            <a:r>
+              <a:rPr lang="en-US" b="1" dirty="0"/>
+              <a:t>Limited flight data for certain Boeing models</a:t>
+            </a:r>
+          </a:p>
+          <a:p>
+            <a:endParaRPr lang="en-US" b="1" dirty="0"/>
+          </a:p>
+        </p:txBody>
+      </p:sp>
+    </p:spTree>
+    <p:extLst>
+      <p:ext uri="{BB962C8B-B14F-4D97-AF65-F5344CB8AC3E}">
+        <p14:creationId xmlns:p14="http://schemas.microsoft.com/office/powerpoint/2010/main" val="2543356667"/>
+      </p:ext>
+    </p:extLst>
+  </p:cSld>
+  <p:clrMapOvr>
+    <a:masterClrMapping/>
+  </p:clrMapOvr>
+</p:sld>
+</file>
+
+<file path=ppt/slides/slide11.xml><?xml version="1.0" encoding="utf-8"?>
+<p:sld xmlns:a="http://schemas.openxmlformats.org/drawingml/2006/main" xmlns:r="http://schemas.openxmlformats.org/officeDocument/2006/relationships" xmlns:p="http://schemas.openxmlformats.org/presentationml/2006/main">
+  <p:cSld>
+    <p:spTree>
+      <p:nvGrpSpPr>
+        <p:cNvPr id="1" name=""/>
+        <p:cNvGrpSpPr/>
+        <p:nvPr/>
+      </p:nvGrpSpPr>
+      <p:grpSpPr>
+        <a:xfrm>
+          <a:off x="0" y="0"/>
+          <a:ext cx="0" cy="0"/>
+          <a:chOff x="0" y="0"/>
+          <a:chExt cx="0" cy="0"/>
+        </a:xfrm>
+      </p:grpSpPr>
+      <p:sp>
+        <p:nvSpPr>
+          <p:cNvPr id="2" name="Title 1">
+            <a:extLst>
+              <a:ext uri="{FF2B5EF4-FFF2-40B4-BE49-F238E27FC236}">
+                <a16:creationId xmlns:a16="http://schemas.microsoft.com/office/drawing/2014/main" id="{E95F6612-4C61-C508-CBC6-A5D95DBC5165}"/>
+              </a:ext>
+            </a:extLst>
+          </p:cNvPr>
+          <p:cNvSpPr>
+            <a:spLocks noGrp="1"/>
+          </p:cNvSpPr>
+          <p:nvPr>
+            <p:ph type="title"/>
+          </p:nvPr>
+        </p:nvSpPr>
+        <p:spPr/>
+        <p:txBody>
+          <a:bodyPr/>
+          <a:lstStyle/>
+          <a:p>
+            <a:r>
+              <a:rPr lang="en-US" dirty="0"/>
+              <a:t>Conclusion / Q&amp;A</a:t>
+            </a:r>
+          </a:p>
+        </p:txBody>
+      </p:sp>
+      <p:sp>
+        <p:nvSpPr>
+          <p:cNvPr id="3" name="Content Placeholder 2">
+            <a:extLst>
+              <a:ext uri="{FF2B5EF4-FFF2-40B4-BE49-F238E27FC236}">
+                <a16:creationId xmlns:a16="http://schemas.microsoft.com/office/drawing/2014/main" id="{60E32034-D57E-4F85-FE6F-0A8FDDF7C24E}"/>
+              </a:ext>
+            </a:extLst>
+          </p:cNvPr>
+          <p:cNvSpPr>
+            <a:spLocks noGrp="1"/>
+          </p:cNvSpPr>
+          <p:nvPr>
+            <p:ph idx="1"/>
+          </p:nvPr>
+        </p:nvSpPr>
+        <p:spPr/>
+        <p:txBody>
+          <a:bodyPr/>
+          <a:lstStyle/>
+          <a:p>
+            <a:r>
+              <a:rPr lang="en-US" dirty="0"/>
+              <a:t>Contact Me</a:t>
+            </a:r>
+          </a:p>
+          <a:p>
+            <a:pPr lvl="1"/>
+            <a:r>
+              <a:rPr lang="en-US" dirty="0"/>
+              <a:t>LinkedIn: </a:t>
+            </a:r>
+            <a:r>
+              <a:rPr lang="en-US" dirty="0">
+                <a:hlinkClick r:id="rId2"/>
+              </a:rPr>
+              <a:t>https://www.linkedin.com/in/alec-schonfeld-018b20121/</a:t>
+            </a:r>
+            <a:endParaRPr lang="en-US" dirty="0"/>
+          </a:p>
+          <a:p>
+            <a:pPr lvl="1"/>
+            <a:r>
+              <a:rPr lang="en-US" dirty="0"/>
+              <a:t>Discord: abslbj1523 </a:t>
+            </a:r>
+          </a:p>
+        </p:txBody>
+      </p:sp>
+    </p:spTree>
+    <p:extLst>
+      <p:ext uri="{BB962C8B-B14F-4D97-AF65-F5344CB8AC3E}">
+        <p14:creationId xmlns:p14="http://schemas.microsoft.com/office/powerpoint/2010/main" val="4167599725"/>
+      </p:ext>
+    </p:extLst>
+  </p:cSld>
+  <p:clrMapOvr>
+    <a:masterClrMapping/>
+  </p:clrMapOvr>
+</p:sld>
+</file>
+
 <file path=ppt/slides/slide2.xml><?xml version="1.0" encoding="utf-8"?>
 <p:sld xmlns:a="http://schemas.openxmlformats.org/drawingml/2006/main" xmlns:r="http://schemas.openxmlformats.org/officeDocument/2006/relationships" xmlns:p="http://schemas.openxmlformats.org/presentationml/2006/main">
   <p:cSld>
@@ -12050,8 +12593,21 @@
           <a:p>
             <a:r>
               <a:rPr lang="en-US" dirty="0"/>
-              <a:t>Your company is expanding into new industries to diversify its portfolio. Specifically, they are interested in purchasing and operating airplanes for commercial and private enterprises, but do not know anything about the potential risks of aircraft. </a:t>
+              <a:t>Your company is interested in </a:t>
             </a:r>
+            <a:r>
+              <a:rPr lang="en-US" b="1" dirty="0"/>
+              <a:t>purchasing and operating airplanes for commercial and private enterprises</a:t>
+            </a:r>
+            <a:r>
+              <a:rPr lang="en-US" dirty="0"/>
+              <a:t>, but </a:t>
+            </a:r>
+            <a:r>
+              <a:rPr lang="en-US" b="1" dirty="0"/>
+              <a:t>do not know anything about the potential risks of aircrafts</a:t>
+            </a:r>
+            <a:endParaRPr lang="en-US" dirty="0"/>
           </a:p>
           <a:p>
             <a:r>
@@ -12078,8 +12634,20 @@
           </a:p>
           <a:p>
             <a:r>
+              <a:rPr lang="en-US" b="1" dirty="0"/>
+              <a:t>Translate your findings into actionable insights </a:t>
+            </a:r>
+            <a:r>
               <a:rPr lang="en-US" dirty="0"/>
-              <a:t>Translate your findings into actionable insights that the head of the new aviation division can use to help decide which aircraft to purchase.</a:t>
+              <a:t>that the head of the new aviation division can use to </a:t>
+            </a:r>
+            <a:r>
+              <a:rPr lang="en-US" b="1" dirty="0"/>
+              <a:t>help decide which aircraft to purchase</a:t>
+            </a:r>
+            <a:r>
+              <a:rPr lang="en-US" dirty="0"/>
+              <a:t>.</a:t>
             </a:r>
           </a:p>
         </p:txBody>
@@ -12203,47 +12771,6 @@
           </a:p>
         </p:txBody>
       </p:sp>
-      <p:pic>
-        <p:nvPicPr>
-          <p:cNvPr id="5" name="Picture 4">
-            <a:extLst>
-              <a:ext uri="{FF2B5EF4-FFF2-40B4-BE49-F238E27FC236}">
-                <a16:creationId xmlns:a16="http://schemas.microsoft.com/office/drawing/2014/main" id="{2BD73811-202F-DCDA-C378-FFF045366FB6}"/>
-              </a:ext>
-            </a:extLst>
-          </p:cNvPr>
-          <p:cNvPicPr>
-            <a:picLocks noChangeAspect="1"/>
-          </p:cNvPicPr>
-          <p:nvPr/>
-        </p:nvPicPr>
-        <p:blipFill rotWithShape="1">
-          <a:blip r:embed="rId2"/>
-          <a:srcRect r="5033"/>
-          <a:stretch/>
-        </p:blipFill>
-        <p:spPr>
-          <a:xfrm>
-            <a:off x="702700" y="1863143"/>
-            <a:ext cx="5174167" cy="3761113"/>
-          </a:xfrm>
-          <a:prstGeom prst="rect">
-            <a:avLst/>
-          </a:prstGeom>
-          <a:ln>
-            <a:solidFill>
-              <a:schemeClr val="bg1"/>
-            </a:solidFill>
-          </a:ln>
-          <a:effectLst>
-            <a:outerShdw blurRad="63500" sx="102000" sy="102000" algn="ctr" rotWithShape="0">
-              <a:prstClr val="black">
-                <a:alpha val="40000"/>
-              </a:prstClr>
-            </a:outerShdw>
-          </a:effectLst>
-        </p:spPr>
-      </p:pic>
       <p:sp>
         <p:nvSpPr>
           <p:cNvPr id="6" name="TextBox 5">
@@ -12259,7 +12786,7 @@
         <p:spPr>
           <a:xfrm>
             <a:off x="6673754" y="2465587"/>
-            <a:ext cx="4435523" cy="1384995"/>
+            <a:ext cx="4435523" cy="1600438"/>
           </a:xfrm>
           <a:prstGeom prst="rect">
             <a:avLst/>
@@ -12292,6 +12819,17 @@
               </a:rPr>
               <a:t>from 1962 and later about civil aviation accidents and selected incidents within the United States, its territories and possessions, and in international waters.</a:t>
             </a:r>
+          </a:p>
+          <a:p>
+            <a:pPr marL="285750" indent="-285750">
+              <a:buFont typeface="Arial" panose="020B0604020202020204" pitchFamily="34" charset="0"/>
+              <a:buChar char="•"/>
+            </a:pPr>
+            <a:endParaRPr lang="en-US" sz="1400" dirty="0">
+              <a:solidFill>
+                <a:sysClr val="windowText" lastClr="000000"/>
+              </a:solidFill>
+            </a:endParaRPr>
           </a:p>
           <a:p>
             <a:pPr marL="285750" indent="-285750">
@@ -12360,6 +12898,107 @@
           </a:p>
         </p:txBody>
       </p:sp>
+      <p:pic>
+        <p:nvPicPr>
+          <p:cNvPr id="1026" name="Picture 2">
+            <a:extLst>
+              <a:ext uri="{FF2B5EF4-FFF2-40B4-BE49-F238E27FC236}">
+                <a16:creationId xmlns:a16="http://schemas.microsoft.com/office/drawing/2014/main" id="{5C2FD4C4-C720-5A8E-20B8-CF78014F3295}"/>
+              </a:ext>
+            </a:extLst>
+          </p:cNvPr>
+          <p:cNvPicPr>
+            <a:picLocks noChangeAspect="1" noChangeArrowheads="1"/>
+          </p:cNvPicPr>
+          <p:nvPr/>
+        </p:nvPicPr>
+        <p:blipFill>
+          <a:blip r:embed="rId3">
+            <a:extLst>
+              <a:ext uri="{28A0092B-C50C-407E-A947-70E740481C1C}">
+                <a14:useLocalDpi xmlns:a14="http://schemas.microsoft.com/office/drawing/2010/main" val="0"/>
+              </a:ext>
+            </a:extLst>
+          </a:blip>
+          <a:srcRect/>
+          <a:stretch>
+            <a:fillRect/>
+          </a:stretch>
+        </p:blipFill>
+        <p:spPr bwMode="auto">
+          <a:xfrm>
+            <a:off x="1182139" y="2187263"/>
+            <a:ext cx="3993709" cy="3757523"/>
+          </a:xfrm>
+          <a:prstGeom prst="rect">
+            <a:avLst/>
+          </a:prstGeom>
+          <a:noFill/>
+          <a:extLst>
+            <a:ext uri="{909E8E84-426E-40DD-AFC4-6F175D3DCCD1}">
+              <a14:hiddenFill xmlns:a14="http://schemas.microsoft.com/office/drawing/2010/main">
+                <a:solidFill>
+                  <a:srgbClr val="FFFFFF"/>
+                </a:solidFill>
+              </a14:hiddenFill>
+            </a:ext>
+          </a:extLst>
+        </p:spPr>
+      </p:pic>
+      <p:sp>
+        <p:nvSpPr>
+          <p:cNvPr id="3" name="Rectangle 2">
+            <a:extLst>
+              <a:ext uri="{FF2B5EF4-FFF2-40B4-BE49-F238E27FC236}">
+                <a16:creationId xmlns:a16="http://schemas.microsoft.com/office/drawing/2014/main" id="{68F51F2D-E22C-6EBD-5FA8-B2FFF57D05E1}"/>
+              </a:ext>
+            </a:extLst>
+          </p:cNvPr>
+          <p:cNvSpPr/>
+          <p:nvPr/>
+        </p:nvSpPr>
+        <p:spPr>
+          <a:xfrm>
+            <a:off x="1182139" y="1791700"/>
+            <a:ext cx="3993709" cy="395563"/>
+          </a:xfrm>
+          <a:prstGeom prst="rect">
+            <a:avLst/>
+          </a:prstGeom>
+          <a:solidFill>
+            <a:schemeClr val="tx1">
+              <a:lumMod val="50000"/>
+            </a:schemeClr>
+          </a:solidFill>
+        </p:spPr>
+        <p:style>
+          <a:lnRef idx="2">
+            <a:schemeClr val="accent1">
+              <a:shade val="15000"/>
+            </a:schemeClr>
+          </a:lnRef>
+          <a:fillRef idx="1">
+            <a:schemeClr val="accent1"/>
+          </a:fillRef>
+          <a:effectRef idx="0">
+            <a:schemeClr val="accent1"/>
+          </a:effectRef>
+          <a:fontRef idx="minor">
+            <a:schemeClr val="lt1"/>
+          </a:fontRef>
+        </p:style>
+        <p:txBody>
+          <a:bodyPr rtlCol="0" anchor="ctr"/>
+          <a:lstStyle/>
+          <a:p>
+            <a:pPr algn="ctr"/>
+            <a:r>
+              <a:rPr lang="en-US" b="1" dirty="0"/>
+              <a:t>Aircraft Damage Distribution </a:t>
+            </a:r>
+          </a:p>
+        </p:txBody>
+      </p:sp>
     </p:spTree>
     <p:extLst>
       <p:ext uri="{BB962C8B-B14F-4D97-AF65-F5344CB8AC3E}">
@@ -12370,6 +13009,11 @@
   <p:clrMapOvr>
     <a:masterClrMapping/>
   </p:clrMapOvr>
+  <p:extLst>
+    <p:ext uri="{6950BFC3-D8DA-4A85-94F7-54DA5524770B}">
+      <p188:commentRel xmlns:p188="http://schemas.microsoft.com/office/powerpoint/2018/8/main" r:id="rId2"/>
+    </p:ext>
+  </p:extLst>
 </p:sld>
 </file>
 
@@ -12433,14 +13077,14 @@
           <p:nvPr>
             <p:extLst>
               <p:ext uri="{D42A27DB-BD31-4B8C-83A1-F6EECF244321}">
-                <p14:modId xmlns:p14="http://schemas.microsoft.com/office/powerpoint/2010/main" val="146474851"/>
+                <p14:modId xmlns:p14="http://schemas.microsoft.com/office/powerpoint/2010/main" val="1838144438"/>
               </p:ext>
             </p:extLst>
           </p:nvPr>
         </p:nvGraphicFramePr>
         <p:xfrm>
-          <a:off x="540000" y="1553901"/>
-          <a:ext cx="11101133" cy="5085223"/>
+          <a:off x="540000" y="1602539"/>
+          <a:ext cx="11101133" cy="4055235"/>
         </p:xfrm>
         <a:graphic>
           <a:graphicData uri="http://schemas.openxmlformats.org/drawingml/2006/table">
@@ -12766,89 +13410,6 @@
                   </a:ext>
                 </a:extLst>
               </a:tr>
-              <a:tr h="1029988">
-                <a:tc>
-                  <a:txBody>
-                    <a:bodyPr/>
-                    <a:lstStyle/>
-                    <a:p>
-                      <a:r>
-                        <a:rPr lang="en-US" dirty="0">
-                          <a:solidFill>
-                            <a:schemeClr val="tx1"/>
-                          </a:solidFill>
-                        </a:rPr>
-                        <a:t>Injury Columns</a:t>
-                      </a:r>
-                    </a:p>
-                    <a:p>
-                      <a:pPr marL="285750" indent="-285750">
-                        <a:buFont typeface="Arial" panose="020B0604020202020204" pitchFamily="34" charset="0"/>
-                        <a:buChar char="•"/>
-                      </a:pPr>
-                      <a:r>
-                        <a:rPr lang="en-US" dirty="0">
-                          <a:solidFill>
-                            <a:schemeClr val="tx1"/>
-                          </a:solidFill>
-                        </a:rPr>
-                        <a:t>Total Fatal / Serious / Minor Injuries</a:t>
-                      </a:r>
-                    </a:p>
-                  </a:txBody>
-                  <a:tcPr>
-                    <a:noFill/>
-                  </a:tcPr>
-                </a:tc>
-                <a:tc>
-                  <a:txBody>
-                    <a:bodyPr/>
-                    <a:lstStyle/>
-                    <a:p>
-                      <a:pPr marL="0" indent="0">
-                        <a:buFont typeface="Arial" panose="020B0604020202020204" pitchFamily="34" charset="0"/>
-                        <a:buNone/>
-                      </a:pPr>
-                      <a:r>
-                        <a:rPr lang="en-US" dirty="0">
-                          <a:solidFill>
-                            <a:schemeClr val="tx1"/>
-                          </a:solidFill>
-                        </a:rPr>
-                        <a:t>How many passengers were injured and how serious were there injuries </a:t>
-                      </a:r>
-                    </a:p>
-                  </a:txBody>
-                  <a:tcPr>
-                    <a:noFill/>
-                  </a:tcPr>
-                </a:tc>
-                <a:tc>
-                  <a:txBody>
-                    <a:bodyPr/>
-                    <a:lstStyle/>
-                    <a:p>
-                      <a:pPr marL="285750" indent="-285750">
-                        <a:buFont typeface="Arial" panose="020B0604020202020204" pitchFamily="34" charset="0"/>
-                        <a:buChar char="•"/>
-                      </a:pPr>
-                      <a:endParaRPr lang="en-US" dirty="0">
-                        <a:solidFill>
-                          <a:schemeClr val="tx1"/>
-                        </a:solidFill>
-                      </a:endParaRPr>
-                    </a:p>
-                  </a:txBody>
-                  <a:tcPr>
-                    <a:noFill/>
-                  </a:tcPr>
-                </a:tc>
-                <a:extLst>
-                  <a:ext uri="{0D108BD9-81ED-4DB2-BD59-A6C34878D82A}">
-                    <a16:rowId xmlns:a16="http://schemas.microsoft.com/office/drawing/2014/main" val="1310328799"/>
-                  </a:ext>
-                </a:extLst>
-              </a:tr>
               <a:tr h="865763">
                 <a:tc>
                   <a:txBody>
@@ -13038,6 +13599,11 @@
   <p:clrMapOvr>
     <a:masterClrMapping/>
   </p:clrMapOvr>
+  <p:extLst>
+    <p:ext uri="{6950BFC3-D8DA-4A85-94F7-54DA5524770B}">
+      <p188:commentRel xmlns:p188="http://schemas.microsoft.com/office/powerpoint/2018/8/main" r:id="rId2"/>
+    </p:ext>
+  </p:extLst>
 </p:sld>
 </file>
 
@@ -13217,7 +13783,7 @@
         <p:spPr>
           <a:xfrm>
             <a:off x="6673754" y="2465587"/>
-            <a:ext cx="4435523" cy="1169551"/>
+            <a:ext cx="4435523" cy="2031325"/>
           </a:xfrm>
           <a:prstGeom prst="rect">
             <a:avLst/>
@@ -13235,7 +13801,7 @@
               <a:buChar char="•"/>
             </a:pPr>
             <a:r>
-              <a:rPr lang="en-US" sz="1400" b="1" dirty="0">
+              <a:rPr lang="en-US" b="1" dirty="0">
                 <a:solidFill>
                   <a:sysClr val="windowText" lastClr="000000"/>
                 </a:solidFill>
@@ -13243,7 +13809,7 @@
               <a:t>Turbo Fan </a:t>
             </a:r>
             <a:r>
-              <a:rPr lang="en-US" sz="1400" dirty="0">
+              <a:rPr lang="en-US" dirty="0">
                 <a:solidFill>
                   <a:sysClr val="windowText" lastClr="000000"/>
                 </a:solidFill>
@@ -13251,7 +13817,7 @@
               <a:t>and </a:t>
             </a:r>
             <a:r>
-              <a:rPr lang="en-US" sz="1400" b="1" dirty="0">
+              <a:rPr lang="en-US" b="1" dirty="0">
                 <a:solidFill>
                   <a:sysClr val="windowText" lastClr="000000"/>
                 </a:solidFill>
@@ -13259,7 +13825,7 @@
               <a:t>Turbo Jet </a:t>
             </a:r>
             <a:r>
-              <a:rPr lang="en-US" sz="1400" dirty="0">
+              <a:rPr lang="en-US" dirty="0">
                 <a:solidFill>
                   <a:sysClr val="windowText" lastClr="000000"/>
                 </a:solidFill>
@@ -13267,7 +13833,7 @@
               <a:t>have by far the </a:t>
             </a:r>
             <a:r>
-              <a:rPr lang="en-US" sz="1400" b="1" dirty="0">
+              <a:rPr lang="en-US" b="1" dirty="0">
                 <a:solidFill>
                   <a:sysClr val="windowText" lastClr="000000"/>
                 </a:solidFill>
@@ -13276,12 +13842,19 @@
             </a:r>
           </a:p>
           <a:p>
+            <a:endParaRPr lang="en-US" b="1" dirty="0">
+              <a:solidFill>
+                <a:sysClr val="windowText" lastClr="000000"/>
+              </a:solidFill>
+            </a:endParaRPr>
+          </a:p>
+          <a:p>
             <a:pPr marL="285750" indent="-285750">
               <a:buFont typeface="Arial" panose="020B0604020202020204" pitchFamily="34" charset="0"/>
               <a:buChar char="•"/>
             </a:pPr>
             <a:r>
-              <a:rPr lang="en-US" sz="1400" b="1" dirty="0">
+              <a:rPr lang="en-US" b="1" dirty="0">
                 <a:solidFill>
                   <a:sysClr val="windowText" lastClr="000000"/>
                 </a:solidFill>
@@ -13289,7 +13862,7 @@
               <a:t>Electric engines </a:t>
             </a:r>
             <a:r>
-              <a:rPr lang="en-US" sz="1400" dirty="0">
+              <a:rPr lang="en-US" dirty="0">
                 <a:solidFill>
                   <a:sysClr val="windowText" lastClr="000000"/>
                 </a:solidFill>
@@ -13297,7 +13870,7 @@
               <a:t>seem </a:t>
             </a:r>
             <a:r>
-              <a:rPr lang="en-US" sz="1400" b="1" dirty="0">
+              <a:rPr lang="en-US" b="1" dirty="0">
                 <a:solidFill>
                   <a:sysClr val="windowText" lastClr="000000"/>
                 </a:solidFill>
@@ -13305,7 +13878,7 @@
               <a:t>the most dangerous </a:t>
             </a:r>
             <a:r>
-              <a:rPr lang="en-US" sz="1400" dirty="0">
+              <a:rPr lang="en-US" dirty="0">
                 <a:solidFill>
                   <a:sysClr val="windowText" lastClr="000000"/>
                 </a:solidFill>
@@ -13313,7 +13886,7 @@
               <a:t>with the </a:t>
             </a:r>
             <a:r>
-              <a:rPr lang="en-US" sz="1400" b="1" dirty="0">
+              <a:rPr lang="en-US" b="1" dirty="0">
                 <a:solidFill>
                   <a:sysClr val="windowText" lastClr="000000"/>
                 </a:solidFill>
@@ -13532,7 +14105,7 @@
             <a:pPr algn="ctr"/>
             <a:r>
               <a:rPr lang="en-US" b="1" dirty="0"/>
-              <a:t>Aircraft Damage by Engine Type</a:t>
+              <a:t>Aircraft Damage by # of Engines</a:t>
             </a:r>
           </a:p>
         </p:txBody>
@@ -13613,7 +14186,7 @@
         <p:spPr>
           <a:xfrm>
             <a:off x="6673754" y="2465587"/>
-            <a:ext cx="4435523" cy="1169551"/>
+            <a:ext cx="4435523" cy="1754326"/>
           </a:xfrm>
           <a:prstGeom prst="rect">
             <a:avLst/>
@@ -13631,45 +14204,28 @@
               <a:buChar char="•"/>
             </a:pPr>
             <a:r>
-              <a:rPr lang="en-US" sz="1400" b="1" dirty="0">
+              <a:rPr lang="en-US" b="1" dirty="0">
                 <a:solidFill>
                   <a:sysClr val="windowText" lastClr="000000"/>
                 </a:solidFill>
               </a:rPr>
-              <a:t>Turbo Fan </a:t>
+              <a:t>Planes with 3 or 4 engines are the safest </a:t>
             </a:r>
             <a:r>
-              <a:rPr lang="en-US" sz="1400" dirty="0">
+              <a:rPr lang="en-US" dirty="0">
                 <a:solidFill>
                   <a:sysClr val="windowText" lastClr="000000"/>
                 </a:solidFill>
               </a:rPr>
-              <a:t>and </a:t>
+              <a:t>with the highest % of minor damage</a:t>
             </a:r>
-            <a:r>
-              <a:rPr lang="en-US" sz="1400" b="1" dirty="0">
-                <a:solidFill>
-                  <a:sysClr val="windowText" lastClr="000000"/>
-                </a:solidFill>
-              </a:rPr>
-              <a:t>Turbo Jet </a:t>
-            </a:r>
-            <a:r>
-              <a:rPr lang="en-US" sz="1400" dirty="0">
-                <a:solidFill>
-                  <a:sysClr val="windowText" lastClr="000000"/>
-                </a:solidFill>
-              </a:rPr>
-              <a:t>have by far the </a:t>
-            </a:r>
-            <a:r>
-              <a:rPr lang="en-US" sz="1400" b="1" dirty="0">
-                <a:solidFill>
-                  <a:sysClr val="windowText" lastClr="000000"/>
-                </a:solidFill>
-              </a:rPr>
-              <a:t>highest percentage of minor aircraft damage</a:t>
-            </a:r>
+          </a:p>
+          <a:p>
+            <a:endParaRPr lang="en-US" dirty="0">
+              <a:solidFill>
+                <a:sysClr val="windowText" lastClr="000000"/>
+              </a:solidFill>
+            </a:endParaRPr>
           </a:p>
           <a:p>
             <a:pPr marL="285750" indent="-285750">
@@ -13677,44 +14233,12 @@
               <a:buChar char="•"/>
             </a:pPr>
             <a:r>
-              <a:rPr lang="en-US" sz="1400" b="1" dirty="0">
+              <a:rPr lang="en-US" b="1" dirty="0">
                 <a:solidFill>
                   <a:sysClr val="windowText" lastClr="000000"/>
                 </a:solidFill>
               </a:rPr>
-              <a:t>Electric engines </a:t>
-            </a:r>
-            <a:r>
-              <a:rPr lang="en-US" sz="1400" dirty="0">
-                <a:solidFill>
-                  <a:sysClr val="windowText" lastClr="000000"/>
-                </a:solidFill>
-              </a:rPr>
-              <a:t>seem </a:t>
-            </a:r>
-            <a:r>
-              <a:rPr lang="en-US" sz="1400" b="1" dirty="0">
-                <a:solidFill>
-                  <a:sysClr val="windowText" lastClr="000000"/>
-                </a:solidFill>
-              </a:rPr>
-              <a:t>the most dangerous </a:t>
-            </a:r>
-            <a:r>
-              <a:rPr lang="en-US" sz="1400" dirty="0">
-                <a:solidFill>
-                  <a:sysClr val="windowText" lastClr="000000"/>
-                </a:solidFill>
-              </a:rPr>
-              <a:t>with the </a:t>
-            </a:r>
-            <a:r>
-              <a:rPr lang="en-US" sz="1400" b="1" dirty="0">
-                <a:solidFill>
-                  <a:sysClr val="windowText" lastClr="000000"/>
-                </a:solidFill>
-              </a:rPr>
-              <a:t>highest percentage of substantial damage</a:t>
+              <a:t>Aircrafts with 6 or 8 engines are the most dangerous</a:t>
             </a:r>
           </a:p>
         </p:txBody>
@@ -13995,7 +14519,7 @@
         <p:spPr>
           <a:xfrm>
             <a:off x="6469039" y="1863142"/>
-            <a:ext cx="5020261" cy="2616843"/>
+            <a:ext cx="5020261" cy="3961465"/>
           </a:xfrm>
           <a:prstGeom prst="rect">
             <a:avLst/>
@@ -14056,7 +14580,7 @@
         <p:spPr>
           <a:xfrm>
             <a:off x="6662252" y="2416483"/>
-            <a:ext cx="4435523" cy="1923604"/>
+            <a:ext cx="4435523" cy="2800767"/>
           </a:xfrm>
           <a:prstGeom prst="rect">
             <a:avLst/>
@@ -14077,7 +14601,7 @@
               <a:buChar char="•"/>
             </a:pPr>
             <a:r>
-              <a:rPr lang="en-US" sz="1400" b="1" dirty="0">
+              <a:rPr lang="en-US" b="1" dirty="0">
                 <a:solidFill>
                   <a:sysClr val="windowText" lastClr="000000"/>
                 </a:solidFill>
@@ -14085,7 +14609,7 @@
               <a:t>Bell</a:t>
             </a:r>
             <a:r>
-              <a:rPr lang="en-US" sz="1400" dirty="0">
+              <a:rPr lang="en-US" dirty="0">
                 <a:solidFill>
                   <a:sysClr val="windowText" lastClr="000000"/>
                 </a:solidFill>
@@ -14093,7 +14617,7 @@
               <a:t> has the </a:t>
             </a:r>
             <a:r>
-              <a:rPr lang="en-US" sz="1400" b="1" dirty="0">
+              <a:rPr lang="en-US" b="1" dirty="0">
                 <a:solidFill>
                   <a:sysClr val="windowText" lastClr="000000"/>
                 </a:solidFill>
@@ -14110,7 +14634,7 @@
               <a:buChar char="•"/>
             </a:pPr>
             <a:r>
-              <a:rPr lang="en-US" sz="1400" dirty="0">
+              <a:rPr lang="en-US" dirty="0">
                 <a:solidFill>
                   <a:sysClr val="windowText" lastClr="000000"/>
                 </a:solidFill>
@@ -14127,7 +14651,7 @@
               <a:buChar char="•"/>
             </a:pPr>
             <a:r>
-              <a:rPr lang="en-US" sz="1400" dirty="0">
+              <a:rPr lang="en-US" dirty="0">
                 <a:solidFill>
                   <a:sysClr val="windowText" lastClr="000000"/>
                 </a:solidFill>
@@ -14762,15 +15286,7 @@
             </a:r>
             <a:r>
               <a:rPr lang="en-US" b="1" dirty="0"/>
-              <a:t>. Planes with 3-4 engines have the lowest percentage of destroyed / </a:t>
-            </a:r>
-            <a:r>
-              <a:rPr lang="en-US" b="1" dirty="0" err="1"/>
-              <a:t>substanstial</a:t>
-            </a:r>
-            <a:r>
-              <a:rPr lang="en-US" b="1" dirty="0"/>
-              <a:t> damage.</a:t>
+              <a:t>. Planes with 3-4 engines have the lowest percentage of destroyed / substantial damage.</a:t>
             </a:r>
           </a:p>
         </p:txBody>
@@ -14785,6 +15301,11 @@
   <p:clrMapOvr>
     <a:masterClrMapping/>
   </p:clrMapOvr>
+  <p:extLst>
+    <p:ext uri="{6950BFC3-D8DA-4A85-94F7-54DA5524770B}">
+      <p188:commentRel xmlns:p188="http://schemas.microsoft.com/office/powerpoint/2018/8/main" r:id="rId2"/>
+    </p:ext>
+  </p:extLst>
 </p:sld>
 </file>
 

--- a/phase_1_aviation_analysis.pptx
+++ b/phase_1_aviation_analysis.pptx
@@ -13,7 +13,7 @@
     <p:sldId id="268" r:id="rId7"/>
     <p:sldId id="261" r:id="rId8"/>
     <p:sldId id="265" r:id="rId9"/>
-    <p:sldId id="264" r:id="rId10"/>
+    <p:sldId id="271" r:id="rId10"/>
     <p:sldId id="269" r:id="rId11"/>
     <p:sldId id="270" r:id="rId12"/>
   </p:sldIdLst>
@@ -131,7 +131,7 @@
 <file path=ppt/revisionInfo.xml><?xml version="1.0" encoding="utf-8"?>
 <p1510:revInfo xmlns:a="http://schemas.openxmlformats.org/drawingml/2006/main" xmlns:r="http://schemas.openxmlformats.org/officeDocument/2006/relationships" xmlns:p1510="http://schemas.microsoft.com/office/powerpoint/2015/10/main">
   <p1510:revLst>
-    <p1510:client id="{0B72539E-5457-4219-896F-DC47866D527C}" v="32" dt="2024-05-19T20:58:59.242"/>
+    <p1510:client id="{0B72539E-5457-4219-896F-DC47866D527C}" v="33" dt="2024-05-22T01:54:56.073"/>
   </p1510:revLst>
 </p1510:revInfo>
 </file>
@@ -140,8 +140,8 @@
 <pc:chgInfo xmlns:a="http://schemas.openxmlformats.org/drawingml/2006/main" xmlns:r="http://schemas.openxmlformats.org/officeDocument/2006/relationships" xmlns:ac="http://schemas.microsoft.com/office/drawing/2013/main/command" xmlns:pc="http://schemas.microsoft.com/office/powerpoint/2013/main/command">
   <pc:docChgLst>
     <pc:chgData name="Alec Schonfeld" userId="908fa86f43668255" providerId="LiveId" clId="{0B72539E-5457-4219-896F-DC47866D527C}"/>
-    <pc:docChg chg="custSel addSld modSld sldOrd">
-      <pc:chgData name="Alec Schonfeld" userId="908fa86f43668255" providerId="LiveId" clId="{0B72539E-5457-4219-896F-DC47866D527C}" dt="2024-05-19T21:00:15.085" v="851" actId="113"/>
+    <pc:docChg chg="undo custSel addSld delSld modSld sldOrd">
+      <pc:chgData name="Alec Schonfeld" userId="908fa86f43668255" providerId="LiveId" clId="{0B72539E-5457-4219-896F-DC47866D527C}" dt="2024-05-22T02:05:57.311" v="1424" actId="14100"/>
       <pc:docMkLst>
         <pc:docMk/>
       </pc:docMkLst>
@@ -161,7 +161,7 @@
         </pc:spChg>
       </pc:sldChg>
       <pc:sldChg chg="addSp delSp modSp mod addCm">
-        <pc:chgData name="Alec Schonfeld" userId="908fa86f43668255" providerId="LiveId" clId="{0B72539E-5457-4219-896F-DC47866D527C}" dt="2024-05-19T20:59:17.818" v="843" actId="14100"/>
+        <pc:chgData name="Alec Schonfeld" userId="908fa86f43668255" providerId="LiveId" clId="{0B72539E-5457-4219-896F-DC47866D527C}" dt="2024-05-22T01:54:43.678" v="1165" actId="14100"/>
         <pc:sldMkLst>
           <pc:docMk/>
           <pc:sldMk cId="2294058430" sldId="258"/>
@@ -175,11 +175,19 @@
           </ac:spMkLst>
         </pc:spChg>
         <pc:spChg chg="mod">
-          <ac:chgData name="Alec Schonfeld" userId="908fa86f43668255" providerId="LiveId" clId="{0B72539E-5457-4219-896F-DC47866D527C}" dt="2024-05-17T18:15:39.872" v="232" actId="113"/>
+          <ac:chgData name="Alec Schonfeld" userId="908fa86f43668255" providerId="LiveId" clId="{0B72539E-5457-4219-896F-DC47866D527C}" dt="2024-05-22T01:54:39.646" v="1164" actId="20577"/>
           <ac:spMkLst>
             <pc:docMk/>
             <pc:sldMk cId="2294058430" sldId="258"/>
             <ac:spMk id="6" creationId="{3086C438-DC41-218B-CABD-7ECCE34E32ED}"/>
+          </ac:spMkLst>
+        </pc:spChg>
+        <pc:spChg chg="mod">
+          <ac:chgData name="Alec Schonfeld" userId="908fa86f43668255" providerId="LiveId" clId="{0B72539E-5457-4219-896F-DC47866D527C}" dt="2024-05-22T01:54:43.678" v="1165" actId="14100"/>
+          <ac:spMkLst>
+            <pc:docMk/>
+            <pc:sldMk cId="2294058430" sldId="258"/>
+            <ac:spMk id="7" creationId="{2255B12F-1330-D403-CDD4-D1C8BE2BDE65}"/>
           </ac:spMkLst>
         </pc:spChg>
         <pc:picChg chg="del">
@@ -212,13 +220,13 @@
         </pc:extLst>
       </pc:sldChg>
       <pc:sldChg chg="modSp mod addCm">
-        <pc:chgData name="Alec Schonfeld" userId="908fa86f43668255" providerId="LiveId" clId="{0B72539E-5457-4219-896F-DC47866D527C}" dt="2024-05-17T18:19:13.663" v="291"/>
+        <pc:chgData name="Alec Schonfeld" userId="908fa86f43668255" providerId="LiveId" clId="{0B72539E-5457-4219-896F-DC47866D527C}" dt="2024-05-22T02:05:57.311" v="1424" actId="14100"/>
         <pc:sldMkLst>
           <pc:docMk/>
           <pc:sldMk cId="1403301575" sldId="259"/>
         </pc:sldMkLst>
         <pc:graphicFrameChg chg="mod modGraphic">
-          <ac:chgData name="Alec Schonfeld" userId="908fa86f43668255" providerId="LiveId" clId="{0B72539E-5457-4219-896F-DC47866D527C}" dt="2024-05-17T18:18:36.171" v="290" actId="1076"/>
+          <ac:chgData name="Alec Schonfeld" userId="908fa86f43668255" providerId="LiveId" clId="{0B72539E-5457-4219-896F-DC47866D527C}" dt="2024-05-22T02:05:57.311" v="1424" actId="14100"/>
           <ac:graphicFrameMkLst>
             <pc:docMk/>
             <pc:sldMk cId="1403301575" sldId="259"/>
@@ -276,14 +284,14 @@
           </ac:spMkLst>
         </pc:spChg>
       </pc:sldChg>
-      <pc:sldChg chg="modSp mod addCm">
-        <pc:chgData name="Alec Schonfeld" userId="908fa86f43668255" providerId="LiveId" clId="{0B72539E-5457-4219-896F-DC47866D527C}" dt="2024-05-17T18:23:55.503" v="305"/>
+      <pc:sldChg chg="modSp del mod addCm modCm">
+        <pc:chgData name="Alec Schonfeld" userId="908fa86f43668255" providerId="LiveId" clId="{0B72539E-5457-4219-896F-DC47866D527C}" dt="2024-05-22T02:03:16.138" v="1386" actId="47"/>
         <pc:sldMkLst>
           <pc:docMk/>
           <pc:sldMk cId="2727117123" sldId="264"/>
         </pc:sldMkLst>
         <pc:spChg chg="mod">
-          <ac:chgData name="Alec Schonfeld" userId="908fa86f43668255" providerId="LiveId" clId="{0B72539E-5457-4219-896F-DC47866D527C}" dt="2024-05-17T17:55:15.204" v="230" actId="313"/>
+          <ac:chgData name="Alec Schonfeld" userId="908fa86f43668255" providerId="LiveId" clId="{0B72539E-5457-4219-896F-DC47866D527C}" dt="2024-05-19T21:39:47.431" v="864" actId="20577"/>
           <ac:spMkLst>
             <pc:docMk/>
             <pc:sldMk cId="2727117123" sldId="264"/>
@@ -292,8 +300,8 @@
         </pc:spChg>
         <pc:extLst>
           <p:ext xmlns:p="http://schemas.openxmlformats.org/presentationml/2006/main" uri="{D6D511B9-2390-475A-947B-AFAB55BFBCF1}">
-            <pc226:cmChg xmlns:pc226="http://schemas.microsoft.com/office/powerpoint/2022/06/main/command" chg="add">
-              <pc226:chgData name="Alec Schonfeld" userId="908fa86f43668255" providerId="LiveId" clId="{0B72539E-5457-4219-896F-DC47866D527C}" dt="2024-05-17T18:23:55.503" v="305"/>
+            <pc226:cmChg xmlns:pc226="http://schemas.microsoft.com/office/powerpoint/2022/06/main/command" chg="add mod">
+              <pc226:chgData name="Alec Schonfeld" userId="908fa86f43668255" providerId="LiveId" clId="{0B72539E-5457-4219-896F-DC47866D527C}" dt="2024-05-19T21:39:47.431" v="864" actId="20577"/>
               <pc2:cmMkLst xmlns:pc2="http://schemas.microsoft.com/office/powerpoint/2019/9/main/command">
                 <pc:docMk/>
                 <pc:sldMk cId="2727117123" sldId="264"/>
@@ -371,6 +379,41 @@
             <ac:spMk id="3" creationId="{60E32034-D57E-4F85-FE6F-0A8FDDF7C24E}"/>
           </ac:spMkLst>
         </pc:spChg>
+      </pc:sldChg>
+      <pc:sldChg chg="addSp delSp modSp add mod addCm delCm modCm">
+        <pc:chgData name="Alec Schonfeld" userId="908fa86f43668255" providerId="LiveId" clId="{0B72539E-5457-4219-896F-DC47866D527C}" dt="2024-05-22T02:04:10.423" v="1412" actId="113"/>
+        <pc:sldMkLst>
+          <pc:docMk/>
+          <pc:sldMk cId="1395306844" sldId="271"/>
+        </pc:sldMkLst>
+        <pc:spChg chg="mod ord">
+          <ac:chgData name="Alec Schonfeld" userId="908fa86f43668255" providerId="LiveId" clId="{0B72539E-5457-4219-896F-DC47866D527C}" dt="2024-05-22T02:04:10.423" v="1412" actId="113"/>
+          <ac:spMkLst>
+            <pc:docMk/>
+            <pc:sldMk cId="1395306844" sldId="271"/>
+            <ac:spMk id="3" creationId="{4B9F00F4-9D93-2110-F8BE-64592DAD8C04}"/>
+          </ac:spMkLst>
+        </pc:spChg>
+        <pc:spChg chg="add del mod ord">
+          <ac:chgData name="Alec Schonfeld" userId="908fa86f43668255" providerId="LiveId" clId="{0B72539E-5457-4219-896F-DC47866D527C}" dt="2024-05-22T01:59:44.282" v="1312" actId="11529"/>
+          <ac:spMkLst>
+            <pc:docMk/>
+            <pc:sldMk cId="1395306844" sldId="271"/>
+            <ac:spMk id="4" creationId="{D5BC95DB-F88C-DADB-51CE-9F303B536ADF}"/>
+          </ac:spMkLst>
+        </pc:spChg>
+        <pc:extLst>
+          <p:ext xmlns:p="http://schemas.openxmlformats.org/presentationml/2006/main" uri="{D6D511B9-2390-475A-947B-AFAB55BFBCF1}">
+            <pc226:cmChg xmlns:pc226="http://schemas.microsoft.com/office/powerpoint/2022/06/main/command" chg="add del mod modRxn">
+              <pc226:chgData name="Alec Schonfeld" userId="908fa86f43668255" providerId="LiveId" clId="{0B72539E-5457-4219-896F-DC47866D527C}" dt="2024-05-22T01:56:32.536" v="1218"/>
+              <pc2:cmMkLst xmlns:pc2="http://schemas.microsoft.com/office/powerpoint/2019/9/main/command">
+                <pc:docMk/>
+                <pc:sldMk cId="1395306844" sldId="271"/>
+                <pc2:cmMk id="{655CFFFD-4955-495F-AE19-6CD13CF04AA5}"/>
+              </pc2:cmMkLst>
+            </pc226:cmChg>
+          </p:ext>
+        </pc:extLst>
       </pc:sldChg>
     </pc:docChg>
   </pc:docChgLst>
@@ -1202,32 +1245,6 @@
 </p188:cmLst>
 </file>
 
-<file path=ppt/comments/modernComment_108_A28C8143.xml><?xml version="1.0" encoding="utf-8"?>
-<p188:cmLst xmlns:a="http://schemas.openxmlformats.org/drawingml/2006/main" xmlns:r="http://schemas.openxmlformats.org/officeDocument/2006/relationships" xmlns:p188="http://schemas.microsoft.com/office/powerpoint/2018/8/main">
-  <p188:cm id="{29D2F5F8-66D2-442B-ACAF-612A754FEC92}" authorId="{28A384FF-5A1F-35EE-7675-D02B3B776D6F}" created="2024-05-17T18:23:55.398">
-    <ac:txMkLst xmlns:ac="http://schemas.microsoft.com/office/drawing/2013/main/command">
-      <pc:docMk xmlns:pc="http://schemas.microsoft.com/office/powerpoint/2013/main/command"/>
-      <pc:sldMk xmlns:pc="http://schemas.microsoft.com/office/powerpoint/2013/main/command" cId="2727117123" sldId="264"/>
-      <ac:spMk id="3" creationId="{4B9F00F4-9D93-2110-F8BE-64592DAD8C04}"/>
-      <ac:txMk cp="0" len="604">
-        <ac:context len="605" hash="3461923946"/>
-      </ac:txMk>
-    </ac:txMkLst>
-    <p188:pos x="10870122" y="165339"/>
-    <p188:txBody>
-      <a:bodyPr/>
-      <a:lstStyle/>
-      <a:p>
-        <a:r>
-          <a:rPr lang="en-US"/>
-          <a:t>Look at slide 11 and update </a:t>
-        </a:r>
-      </a:p>
-    </p188:txBody>
-  </p188:cm>
-</p188:cmLst>
-</file>
-
 <file path=ppt/slideLayouts/slideLayout1.xml><?xml version="1.0" encoding="utf-8"?>
 <p:sldLayout xmlns:a="http://schemas.openxmlformats.org/drawingml/2006/main" xmlns:r="http://schemas.openxmlformats.org/officeDocument/2006/relationships" xmlns:p="http://schemas.openxmlformats.org/presentationml/2006/main" type="title" preserve="1">
   <p:cSld name="Title Slide">
@@ -2033,7 +2050,7 @@
           <a:p>
             <a:fld id="{7CF0BCE0-945C-4FDF-95A1-2149B1FF5B83}" type="datetimeFigureOut">
               <a:rPr lang="en-US" smtClean="0"/>
-              <a:t>5/17/2024</a:t>
+              <a:t>5/21/2024</a:t>
             </a:fld>
             <a:endParaRPr lang="en-US"/>
           </a:p>
@@ -2760,7 +2777,7 @@
           <a:p>
             <a:fld id="{7CF0BCE0-945C-4FDF-95A1-2149B1FF5B83}" type="datetimeFigureOut">
               <a:rPr lang="en-US" smtClean="0"/>
-              <a:t>5/17/2024</a:t>
+              <a:t>5/21/2024</a:t>
             </a:fld>
             <a:endParaRPr lang="en-US"/>
           </a:p>
@@ -3633,7 +3650,7 @@
           <a:p>
             <a:fld id="{7CF0BCE0-945C-4FDF-95A1-2149B1FF5B83}" type="datetimeFigureOut">
               <a:rPr lang="en-US" smtClean="0"/>
-              <a:t>5/17/2024</a:t>
+              <a:t>5/21/2024</a:t>
             </a:fld>
             <a:endParaRPr lang="en-US"/>
           </a:p>
@@ -4347,7 +4364,7 @@
           <a:p>
             <a:fld id="{7CF0BCE0-945C-4FDF-95A1-2149B1FF5B83}" type="datetimeFigureOut">
               <a:rPr lang="en-US" smtClean="0"/>
-              <a:t>5/17/2024</a:t>
+              <a:t>5/21/2024</a:t>
             </a:fld>
             <a:endParaRPr lang="en-US"/>
           </a:p>
@@ -5057,7 +5074,7 @@
           <a:p>
             <a:fld id="{7CF0BCE0-945C-4FDF-95A1-2149B1FF5B83}" type="datetimeFigureOut">
               <a:rPr lang="en-US" smtClean="0"/>
-              <a:t>5/17/2024</a:t>
+              <a:t>5/21/2024</a:t>
             </a:fld>
             <a:endParaRPr lang="en-US" dirty="0"/>
           </a:p>
@@ -5994,7 +6011,7 @@
           <a:p>
             <a:fld id="{7CF0BCE0-945C-4FDF-95A1-2149B1FF5B83}" type="datetimeFigureOut">
               <a:rPr lang="en-US" smtClean="0"/>
-              <a:t>5/17/2024</a:t>
+              <a:t>5/21/2024</a:t>
             </a:fld>
             <a:endParaRPr lang="en-US"/>
           </a:p>
@@ -7214,7 +7231,7 @@
           <a:p>
             <a:fld id="{7CF0BCE0-945C-4FDF-95A1-2149B1FF5B83}" type="datetimeFigureOut">
               <a:rPr lang="en-US" smtClean="0"/>
-              <a:t>5/17/2024</a:t>
+              <a:t>5/21/2024</a:t>
             </a:fld>
             <a:endParaRPr lang="en-US"/>
           </a:p>
@@ -7880,7 +7897,7 @@
           <a:p>
             <a:fld id="{7CF0BCE0-945C-4FDF-95A1-2149B1FF5B83}" type="datetimeFigureOut">
               <a:rPr lang="en-US" smtClean="0"/>
-              <a:t>5/17/2024</a:t>
+              <a:t>5/21/2024</a:t>
             </a:fld>
             <a:endParaRPr lang="en-US"/>
           </a:p>
@@ -8649,7 +8666,7 @@
           <a:p>
             <a:fld id="{7CF0BCE0-945C-4FDF-95A1-2149B1FF5B83}" type="datetimeFigureOut">
               <a:rPr lang="en-US" smtClean="0"/>
-              <a:t>5/17/2024</a:t>
+              <a:t>5/21/2024</a:t>
             </a:fld>
             <a:endParaRPr lang="en-US"/>
           </a:p>
@@ -9761,7 +9778,7 @@
           <a:p>
             <a:fld id="{7CF0BCE0-945C-4FDF-95A1-2149B1FF5B83}" type="datetimeFigureOut">
               <a:rPr lang="en-US" smtClean="0"/>
-              <a:t>5/17/2024</a:t>
+              <a:t>5/21/2024</a:t>
             </a:fld>
             <a:endParaRPr lang="en-US"/>
           </a:p>
@@ -10569,7 +10586,7 @@
           <a:p>
             <a:fld id="{7CF0BCE0-945C-4FDF-95A1-2149B1FF5B83}" type="datetimeFigureOut">
               <a:rPr lang="en-US" smtClean="0"/>
-              <a:t>5/17/2024</a:t>
+              <a:t>5/21/2024</a:t>
             </a:fld>
             <a:endParaRPr lang="en-US"/>
           </a:p>
@@ -10853,7 +10870,7 @@
             <a:fld id="{7CF0BCE0-945C-4FDF-95A1-2149B1FF5B83}" type="datetimeFigureOut">
               <a:rPr lang="en-US" smtClean="0"/>
               <a:pPr algn="r"/>
-              <a:t>5/17/2024</a:t>
+              <a:t>5/21/2024</a:t>
             </a:fld>
             <a:endParaRPr lang="en-US" dirty="0"/>
           </a:p>
@@ -12697,7 +12714,7 @@
         <p:spPr>
           <a:xfrm>
             <a:off x="6469039" y="1863142"/>
-            <a:ext cx="5020261" cy="3761113"/>
+            <a:ext cx="5020261" cy="4081644"/>
           </a:xfrm>
           <a:prstGeom prst="rect">
             <a:avLst/>
@@ -12786,7 +12803,7 @@
         <p:spPr>
           <a:xfrm>
             <a:off x="6673754" y="2465587"/>
-            <a:ext cx="4435523" cy="1600438"/>
+            <a:ext cx="4435523" cy="2954078"/>
           </a:xfrm>
           <a:prstGeom prst="rect">
             <a:avLst/>
@@ -12800,42 +12817,71 @@
           <a:lstStyle/>
           <a:p>
             <a:pPr marL="285750" indent="-285750">
-              <a:buFont typeface="Arial" panose="020B0604020202020204" pitchFamily="34" charset="0"/>
-              <a:buChar char="•"/>
+              <a:lnSpc>
+                <a:spcPct val="150000"/>
+              </a:lnSpc>
+              <a:buFont typeface="Wingdings" panose="05000000000000000000" pitchFamily="2" charset="2"/>
+              <a:buChar char="Ø"/>
             </a:pPr>
             <a:r>
-              <a:rPr lang="en-US" sz="1400" dirty="0">
+              <a:rPr lang="en-US" b="1" dirty="0">
                 <a:solidFill>
                   <a:sysClr val="windowText" lastClr="000000"/>
                 </a:solidFill>
               </a:rPr>
-              <a:t>The NTSB aviation accident database contains information </a:t>
+              <a:t>Data from 1962 – 2022</a:t>
             </a:r>
+          </a:p>
+          <a:p>
+            <a:pPr marL="285750" indent="-285750">
+              <a:lnSpc>
+                <a:spcPct val="150000"/>
+              </a:lnSpc>
+              <a:buFont typeface="Wingdings" panose="05000000000000000000" pitchFamily="2" charset="2"/>
+              <a:buChar char="Ø"/>
+            </a:pPr>
             <a:r>
-              <a:rPr lang="en-US" sz="1400" b="1" dirty="0">
+              <a:rPr lang="en-US" b="1" dirty="0">
                 <a:solidFill>
                   <a:sysClr val="windowText" lastClr="000000"/>
                 </a:solidFill>
               </a:rPr>
-              <a:t>from 1962 and later about civil aviation accidents and selected incidents within the United States, its territories and possessions, and in international waters.</a:t>
+              <a:t>~90,000 rows</a:t>
             </a:r>
           </a:p>
           <a:p>
             <a:pPr marL="285750" indent="-285750">
-              <a:buFont typeface="Arial" panose="020B0604020202020204" pitchFamily="34" charset="0"/>
-              <a:buChar char="•"/>
+              <a:lnSpc>
+                <a:spcPct val="150000"/>
+              </a:lnSpc>
+              <a:buFont typeface="Wingdings" panose="05000000000000000000" pitchFamily="2" charset="2"/>
+              <a:buChar char="Ø"/>
             </a:pPr>
-            <a:endParaRPr lang="en-US" sz="1400" dirty="0">
-              <a:solidFill>
-                <a:sysClr val="windowText" lastClr="000000"/>
-              </a:solidFill>
-            </a:endParaRPr>
+            <a:r>
+              <a:rPr lang="en-US" b="1" dirty="0">
+                <a:solidFill>
+                  <a:sysClr val="windowText" lastClr="000000"/>
+                </a:solidFill>
+              </a:rPr>
+              <a:t>Dependent variable: Severity of damage represents </a:t>
+            </a:r>
           </a:p>
           <a:p>
             <a:pPr marL="285750" indent="-285750">
-              <a:buFont typeface="Arial" panose="020B0604020202020204" pitchFamily="34" charset="0"/>
-              <a:buChar char="•"/>
+              <a:lnSpc>
+                <a:spcPct val="150000"/>
+              </a:lnSpc>
+              <a:buFont typeface="Wingdings" panose="05000000000000000000" pitchFamily="2" charset="2"/>
+              <a:buChar char="Ø"/>
             </a:pPr>
+            <a:r>
+              <a:rPr lang="en-US" b="1" dirty="0">
+                <a:solidFill>
+                  <a:sysClr val="windowText" lastClr="000000"/>
+                </a:solidFill>
+              </a:rPr>
+              <a:t>Independent Variables: Engine type, # of engines, and aircraft make / model</a:t>
+            </a:r>
             <a:endParaRPr lang="en-US" sz="1400" b="1" dirty="0">
               <a:solidFill>
                 <a:sysClr val="windowText" lastClr="000000"/>
@@ -13077,14 +13123,14 @@
           <p:nvPr>
             <p:extLst>
               <p:ext uri="{D42A27DB-BD31-4B8C-83A1-F6EECF244321}">
-                <p14:modId xmlns:p14="http://schemas.microsoft.com/office/powerpoint/2010/main" val="1838144438"/>
+                <p14:modId xmlns:p14="http://schemas.microsoft.com/office/powerpoint/2010/main" val="3853177961"/>
               </p:ext>
             </p:extLst>
           </p:nvPr>
         </p:nvGraphicFramePr>
         <p:xfrm>
-          <a:off x="540000" y="1602539"/>
-          <a:ext cx="11101133" cy="4055235"/>
+          <a:off x="539999" y="1602539"/>
+          <a:ext cx="10817429" cy="4029004"/>
         </p:xfrm>
         <a:graphic>
           <a:graphicData uri="http://schemas.openxmlformats.org/drawingml/2006/table">
@@ -13093,21 +13139,14 @@
                 <a:tableStyleId>{5C22544A-7EE6-4342-B048-85BDC9FD1C3A}</a:tableStyleId>
               </a:tblPr>
               <a:tblGrid>
-                <a:gridCol w="2622009">
+                <a:gridCol w="2210458">
                   <a:extLst>
                     <a:ext uri="{9D8B030D-6E8A-4147-A177-3AD203B41FA5}">
                       <a16:colId xmlns:a16="http://schemas.microsoft.com/office/drawing/2014/main" val="3299573143"/>
                     </a:ext>
                   </a:extLst>
                 </a:gridCol>
-                <a:gridCol w="4430429">
-                  <a:extLst>
-                    <a:ext uri="{9D8B030D-6E8A-4147-A177-3AD203B41FA5}">
-                      <a16:colId xmlns:a16="http://schemas.microsoft.com/office/drawing/2014/main" val="2037929800"/>
-                    </a:ext>
-                  </a:extLst>
-                </a:gridCol>
-                <a:gridCol w="4048695">
+                <a:gridCol w="8606971">
                   <a:extLst>
                     <a:ext uri="{9D8B030D-6E8A-4147-A177-3AD203B41FA5}">
                       <a16:colId xmlns:a16="http://schemas.microsoft.com/office/drawing/2014/main" val="675432241"/>
@@ -13115,7 +13154,7 @@
                   </a:extLst>
                 </a:gridCol>
               </a:tblGrid>
-              <a:tr h="346305">
+              <a:tr h="455018">
                 <a:tc>
                   <a:txBody>
                     <a:bodyPr/>
@@ -13128,25 +13167,6 @@
                           </a:solidFill>
                         </a:rPr>
                         <a:t>Key Data Fields</a:t>
-                      </a:r>
-                    </a:p>
-                  </a:txBody>
-                  <a:tcPr>
-                    <a:noFill/>
-                  </a:tcPr>
-                </a:tc>
-                <a:tc>
-                  <a:txBody>
-                    <a:bodyPr/>
-                    <a:lstStyle/>
-                    <a:p>
-                      <a:r>
-                        <a:rPr lang="en-US" dirty="0">
-                          <a:solidFill>
-                            <a:schemeClr val="tx1"/>
-                          </a:solidFill>
-                        </a:rPr>
-                        <a:t>Data Contained</a:t>
                       </a:r>
                     </a:p>
                   </a:txBody>
@@ -13179,62 +13199,31 @@
                   </a:ext>
                 </a:extLst>
               </a:tr>
-              <a:tr h="643743">
+              <a:tr h="619499">
                 <a:tc>
                   <a:txBody>
                     <a:bodyPr/>
                     <a:lstStyle/>
                     <a:p>
                       <a:r>
-                        <a:rPr lang="en-US" dirty="0" err="1">
+                        <a:rPr lang="en-US" b="1" dirty="0" err="1">
                           <a:solidFill>
-                            <a:schemeClr val="tx1"/>
+                            <a:schemeClr val="bg1"/>
                           </a:solidFill>
                         </a:rPr>
                         <a:t>Aircraft.Damage</a:t>
                       </a:r>
-                      <a:endParaRPr lang="en-US" dirty="0">
+                      <a:endParaRPr lang="en-US" b="1" dirty="0">
                         <a:solidFill>
-                          <a:schemeClr val="tx1"/>
+                          <a:schemeClr val="bg1"/>
                         </a:solidFill>
                       </a:endParaRPr>
                     </a:p>
                   </a:txBody>
                   <a:tcPr>
-                    <a:noFill/>
-                  </a:tcPr>
-                </a:tc>
-                <a:tc>
-                  <a:txBody>
-                    <a:bodyPr/>
-                    <a:lstStyle/>
-                    <a:p>
-                      <a:r>
-                        <a:rPr lang="en-US" dirty="0">
-                          <a:solidFill>
-                            <a:schemeClr val="tx1"/>
-                          </a:solidFill>
-                        </a:rPr>
-                        <a:t>The severity of damage to the aircraft:</a:t>
-                      </a:r>
-                    </a:p>
-                    <a:p>
-                      <a:pPr marL="285750" indent="-285750">
-                        <a:buFont typeface="Arial" panose="020B0604020202020204" pitchFamily="34" charset="0"/>
-                        <a:buChar char="•"/>
-                      </a:pPr>
-                      <a:r>
-                        <a:rPr lang="en-US" dirty="0">
-                          <a:solidFill>
-                            <a:schemeClr val="tx1"/>
-                          </a:solidFill>
-                        </a:rPr>
-                        <a:t>Destroyed / Substantial / Minor </a:t>
-                      </a:r>
-                    </a:p>
-                  </a:txBody>
-                  <a:tcPr>
-                    <a:noFill/>
+                    <a:solidFill>
+                      <a:schemeClr val="tx1"/>
+                    </a:solidFill>
                   </a:tcPr>
                 </a:tc>
                 <a:tc>
@@ -13249,7 +13238,7 @@
                       <a:r>
                         <a:rPr lang="en-US" dirty="0">
                           <a:solidFill>
-                            <a:schemeClr val="tx1"/>
+                            <a:schemeClr val="bg1"/>
                           </a:solidFill>
                         </a:rPr>
                         <a:t>Which aircrafts are the most durable?</a:t>
@@ -13257,7 +13246,9 @@
                     </a:p>
                   </a:txBody>
                   <a:tcPr>
-                    <a:noFill/>
+                    <a:solidFill>
+                      <a:schemeClr val="tx1"/>
+                    </a:solidFill>
                   </a:tcPr>
                 </a:tc>
                 <a:extLst>
@@ -13266,16 +13257,16 @@
                   </a:ext>
                 </a:extLst>
               </a:tr>
-              <a:tr h="606034">
+              <a:tr h="583209">
                 <a:tc>
                   <a:txBody>
                     <a:bodyPr/>
                     <a:lstStyle/>
                     <a:p>
                       <a:r>
-                        <a:rPr lang="en-US" dirty="0">
+                        <a:rPr lang="en-US" b="1" dirty="0">
                           <a:solidFill>
-                            <a:schemeClr val="tx1"/>
+                            <a:schemeClr val="bg1"/>
                           </a:solidFill>
                         </a:rPr>
                         <a:t>Make</a:t>
@@ -13283,30 +13274,9 @@
                     </a:p>
                   </a:txBody>
                   <a:tcPr>
-                    <a:noFill/>
-                  </a:tcPr>
-                </a:tc>
-                <a:tc>
-                  <a:txBody>
-                    <a:bodyPr/>
-                    <a:lstStyle/>
-                    <a:p>
-                      <a:pPr marL="0" indent="0">
-                        <a:buFont typeface="Arial" panose="020B0604020202020204" pitchFamily="34" charset="0"/>
-                        <a:buNone/>
-                      </a:pPr>
-                      <a:r>
-                        <a:rPr lang="en-US" dirty="0">
-                          <a:solidFill>
-                            <a:schemeClr val="tx1"/>
-                          </a:solidFill>
-                        </a:rPr>
-                        <a:t>The manufacturer of the aircraft</a:t>
-                      </a:r>
-                    </a:p>
-                  </a:txBody>
-                  <a:tcPr>
-                    <a:noFill/>
+                    <a:solidFill>
+                      <a:schemeClr val="tx1"/>
+                    </a:solidFill>
                   </a:tcPr>
                 </a:tc>
                 <a:tc>
@@ -13321,7 +13291,7 @@
                       <a:r>
                         <a:rPr lang="en-US" dirty="0">
                           <a:solidFill>
-                            <a:schemeClr val="tx1"/>
+                            <a:schemeClr val="bg1"/>
                           </a:solidFill>
                         </a:rPr>
                         <a:t>Which manufacturer makes the safest planes?</a:t>
@@ -13329,7 +13299,9 @@
                     </a:p>
                   </a:txBody>
                   <a:tcPr>
-                    <a:noFill/>
+                    <a:solidFill>
+                      <a:schemeClr val="tx1"/>
+                    </a:solidFill>
                   </a:tcPr>
                 </a:tc>
                 <a:extLst>
@@ -13338,16 +13310,16 @@
                   </a:ext>
                 </a:extLst>
               </a:tr>
-              <a:tr h="346305">
+              <a:tr h="455018">
                 <a:tc>
                   <a:txBody>
                     <a:bodyPr/>
                     <a:lstStyle/>
                     <a:p>
                       <a:r>
-                        <a:rPr lang="en-US" dirty="0">
+                        <a:rPr lang="en-US" b="1" dirty="0">
                           <a:solidFill>
-                            <a:schemeClr val="tx1"/>
+                            <a:schemeClr val="bg1"/>
                           </a:solidFill>
                         </a:rPr>
                         <a:t>Model</a:t>
@@ -13355,30 +13327,9 @@
                     </a:p>
                   </a:txBody>
                   <a:tcPr>
-                    <a:noFill/>
-                  </a:tcPr>
-                </a:tc>
-                <a:tc>
-                  <a:txBody>
-                    <a:bodyPr/>
-                    <a:lstStyle/>
-                    <a:p>
-                      <a:pPr marL="0" indent="0">
-                        <a:buFont typeface="Arial" panose="020B0604020202020204" pitchFamily="34" charset="0"/>
-                        <a:buNone/>
-                      </a:pPr>
-                      <a:r>
-                        <a:rPr lang="en-US" dirty="0">
-                          <a:solidFill>
-                            <a:schemeClr val="tx1"/>
-                          </a:solidFill>
-                        </a:rPr>
-                        <a:t>The model of the aircraft</a:t>
-                      </a:r>
-                    </a:p>
-                  </a:txBody>
-                  <a:tcPr>
-                    <a:noFill/>
+                    <a:solidFill>
+                      <a:schemeClr val="tx1"/>
+                    </a:solidFill>
                   </a:tcPr>
                 </a:tc>
                 <a:tc>
@@ -13393,7 +13344,7 @@
                       <a:r>
                         <a:rPr lang="en-US" dirty="0">
                           <a:solidFill>
-                            <a:schemeClr val="tx1"/>
+                            <a:schemeClr val="bg1"/>
                           </a:solidFill>
                         </a:rPr>
                         <a:t>Which model is the safest?</a:t>
@@ -13401,7 +13352,9 @@
                     </a:p>
                   </a:txBody>
                   <a:tcPr>
-                    <a:noFill/>
+                    <a:solidFill>
+                      <a:schemeClr val="tx1"/>
+                    </a:solidFill>
                   </a:tcPr>
                 </a:tc>
                 <a:extLst>
@@ -13410,7 +13363,7 @@
                   </a:ext>
                 </a:extLst>
               </a:tr>
-              <a:tr h="865763">
+              <a:tr h="833157">
                 <a:tc>
                   <a:txBody>
                     <a:bodyPr/>
@@ -13421,45 +13374,24 @@
                         <a:buNone/>
                       </a:pPr>
                       <a:r>
-                        <a:rPr lang="en-US" dirty="0" err="1">
+                        <a:rPr lang="en-US" b="1" dirty="0" err="1">
                           <a:solidFill>
-                            <a:schemeClr val="tx1"/>
+                            <a:schemeClr val="bg1"/>
                           </a:solidFill>
                         </a:rPr>
                         <a:t>Engine.Type</a:t>
                       </a:r>
-                      <a:endParaRPr lang="en-US" dirty="0">
+                      <a:endParaRPr lang="en-US" b="1" dirty="0">
                         <a:solidFill>
-                          <a:schemeClr val="tx1"/>
+                          <a:schemeClr val="bg1"/>
                         </a:solidFill>
                       </a:endParaRPr>
                     </a:p>
                   </a:txBody>
                   <a:tcPr>
-                    <a:noFill/>
-                  </a:tcPr>
-                </a:tc>
-                <a:tc>
-                  <a:txBody>
-                    <a:bodyPr/>
-                    <a:lstStyle/>
-                    <a:p>
-                      <a:pPr marL="0" indent="0">
-                        <a:buFont typeface="Arial" panose="020B0604020202020204" pitchFamily="34" charset="0"/>
-                        <a:buNone/>
-                      </a:pPr>
-                      <a:r>
-                        <a:rPr lang="en-US" dirty="0">
-                          <a:solidFill>
-                            <a:schemeClr val="tx1"/>
-                          </a:solidFill>
-                        </a:rPr>
-                        <a:t>The type of engine used in the aircraft</a:t>
-                      </a:r>
-                    </a:p>
-                  </a:txBody>
-                  <a:tcPr>
-                    <a:noFill/>
+                    <a:solidFill>
+                      <a:schemeClr val="tx1"/>
+                    </a:solidFill>
                   </a:tcPr>
                 </a:tc>
                 <a:tc>
@@ -13474,7 +13406,7 @@
                       <a:r>
                         <a:rPr lang="en-US" dirty="0">
                           <a:solidFill>
-                            <a:schemeClr val="tx1"/>
+                            <a:schemeClr val="bg1"/>
                           </a:solidFill>
                         </a:rPr>
                         <a:t>Is there a correlation between engine type and severity of the accident?</a:t>
@@ -13482,7 +13414,9 @@
                     </a:p>
                   </a:txBody>
                   <a:tcPr>
-                    <a:noFill/>
+                    <a:solidFill>
+                      <a:schemeClr val="tx1"/>
+                    </a:solidFill>
                   </a:tcPr>
                 </a:tc>
                 <a:extLst>
@@ -13491,7 +13425,7 @@
                   </a:ext>
                 </a:extLst>
               </a:tr>
-              <a:tr h="1125492">
+              <a:tr h="1083103">
                 <a:tc>
                   <a:txBody>
                     <a:bodyPr/>
@@ -13502,45 +13436,24 @@
                         <a:buNone/>
                       </a:pPr>
                       <a:r>
-                        <a:rPr lang="en-US" dirty="0" err="1">
+                        <a:rPr lang="en-US" b="1" dirty="0" err="1">
                           <a:solidFill>
-                            <a:schemeClr val="tx1"/>
+                            <a:schemeClr val="bg1"/>
                           </a:solidFill>
                         </a:rPr>
                         <a:t>Num.of.Engines</a:t>
                       </a:r>
-                      <a:endParaRPr lang="en-US" dirty="0">
+                      <a:endParaRPr lang="en-US" b="1" dirty="0">
                         <a:solidFill>
-                          <a:schemeClr val="tx1"/>
+                          <a:schemeClr val="bg1"/>
                         </a:solidFill>
                       </a:endParaRPr>
                     </a:p>
                   </a:txBody>
                   <a:tcPr>
-                    <a:noFill/>
-                  </a:tcPr>
-                </a:tc>
-                <a:tc>
-                  <a:txBody>
-                    <a:bodyPr/>
-                    <a:lstStyle/>
-                    <a:p>
-                      <a:pPr marL="0" indent="0">
-                        <a:buFont typeface="Arial" panose="020B0604020202020204" pitchFamily="34" charset="0"/>
-                        <a:buNone/>
-                      </a:pPr>
-                      <a:r>
-                        <a:rPr lang="en-US" dirty="0">
-                          <a:solidFill>
-                            <a:schemeClr val="tx1"/>
-                          </a:solidFill>
-                        </a:rPr>
-                        <a:t>The number of engines on the aircraft</a:t>
-                      </a:r>
-                    </a:p>
-                  </a:txBody>
-                  <a:tcPr>
-                    <a:noFill/>
+                    <a:solidFill>
+                      <a:schemeClr val="tx1"/>
+                    </a:solidFill>
                   </a:tcPr>
                 </a:tc>
                 <a:tc>
@@ -13568,7 +13481,7 @@
                       <a:r>
                         <a:rPr lang="en-US" dirty="0">
                           <a:solidFill>
-                            <a:schemeClr val="tx1"/>
+                            <a:schemeClr val="bg1"/>
                           </a:solidFill>
                         </a:rPr>
                         <a:t>Is there a correlation between the # of engines and severity of the accident?</a:t>
@@ -13576,7 +13489,9 @@
                     </a:p>
                   </a:txBody>
                   <a:tcPr>
-                    <a:noFill/>
+                    <a:solidFill>
+                      <a:schemeClr val="tx1"/>
+                    </a:solidFill>
                   </a:tcPr>
                 </a:tc>
                 <a:extLst>
@@ -15193,7 +15108,9 @@
           </a:xfrm>
         </p:spPr>
         <p:txBody>
-          <a:bodyPr/>
+          <a:bodyPr>
+            <a:normAutofit/>
+          </a:bodyPr>
           <a:lstStyle/>
           <a:p>
             <a:pPr marL="0" indent="0">
@@ -15201,7 +15118,48 @@
             </a:pPr>
             <a:r>
               <a:rPr lang="en-US" b="1" dirty="0"/>
-              <a:t>My recommendation is to look for Boeing made airplanes, specifically the 777 and 747 models, preferably with The Turbo Fan and Turbo Jet engine, and 3-4 engines.</a:t>
+              <a:t>Recommendation: </a:t>
+            </a:r>
+            <a:endParaRPr lang="en-US" dirty="0"/>
+          </a:p>
+          <a:p>
+            <a:pPr>
+              <a:buFont typeface="Wingdings" panose="05000000000000000000" pitchFamily="2" charset="2"/>
+              <a:buChar char="Ø"/>
+            </a:pPr>
+            <a:r>
+              <a:rPr lang="en-US" b="1" dirty="0"/>
+              <a:t>Make: Boeing airplanes</a:t>
+            </a:r>
+          </a:p>
+          <a:p>
+            <a:pPr>
+              <a:buFont typeface="Wingdings" panose="05000000000000000000" pitchFamily="2" charset="2"/>
+              <a:buChar char="Ø"/>
+            </a:pPr>
+            <a:r>
+              <a:rPr lang="en-US" b="1" dirty="0"/>
+              <a:t>Model: 777 and 747 models</a:t>
+            </a:r>
+          </a:p>
+          <a:p>
+            <a:pPr>
+              <a:buFont typeface="Wingdings" panose="05000000000000000000" pitchFamily="2" charset="2"/>
+              <a:buChar char="Ø"/>
+            </a:pPr>
+            <a:r>
+              <a:rPr lang="en-US" b="1" dirty="0"/>
+              <a:t>Engine Type: Turbo Fan or Turbo Jet engine</a:t>
+            </a:r>
+          </a:p>
+          <a:p>
+            <a:pPr>
+              <a:buFont typeface="Wingdings" panose="05000000000000000000" pitchFamily="2" charset="2"/>
+              <a:buChar char="Ø"/>
+            </a:pPr>
+            <a:r>
+              <a:rPr lang="en-US" b="1" dirty="0"/>
+              <a:t># of Engines: 3 or 4 engines</a:t>
             </a:r>
           </a:p>
           <a:p>
@@ -15209,8 +15167,8 @@
               <a:buNone/>
             </a:pPr>
             <a:r>
-              <a:rPr lang="en-US" dirty="0"/>
-              <a:t>This recommendation is supported by 4 key pieces of data found during analysis.</a:t>
+              <a:rPr lang="en-US" sz="1500" dirty="0"/>
+              <a:t>Supporting Data:</a:t>
             </a:r>
           </a:p>
           <a:p>
@@ -15218,24 +15176,8 @@
               <a:buNone/>
             </a:pPr>
             <a:r>
-              <a:rPr lang="en-US" dirty="0"/>
-              <a:t>1. </a:t>
-            </a:r>
-            <a:r>
-              <a:rPr lang="en-US" b="1" dirty="0"/>
-              <a:t>Boeing</a:t>
-            </a:r>
-            <a:r>
-              <a:rPr lang="en-US" dirty="0"/>
-              <a:t> has the </a:t>
-            </a:r>
-            <a:r>
-              <a:rPr lang="en-US" b="1" dirty="0"/>
-              <a:t>lowest percentage </a:t>
-            </a:r>
-            <a:r>
-              <a:rPr lang="en-US" dirty="0"/>
-              <a:t>of destroyed aircrafts when compared to other Makes.</a:t>
+              <a:rPr lang="en-US" sz="1500" dirty="0"/>
+              <a:t>1. Boeing has the lowest percentage of destroyed aircrafts</a:t>
             </a:r>
           </a:p>
           <a:p>
@@ -15243,24 +15185,8 @@
               <a:buNone/>
             </a:pPr>
             <a:r>
-              <a:rPr lang="en-US" dirty="0"/>
-              <a:t>2. The </a:t>
-            </a:r>
-            <a:r>
-              <a:rPr lang="en-US" b="1" dirty="0"/>
-              <a:t>777 and 747 models </a:t>
-            </a:r>
-            <a:r>
-              <a:rPr lang="en-US" dirty="0"/>
-              <a:t>have </a:t>
-            </a:r>
-            <a:r>
-              <a:rPr lang="en-US" b="1" dirty="0"/>
-              <a:t>the lowest destroyed and substantial percentage </a:t>
-            </a:r>
-            <a:r>
-              <a:rPr lang="en-US" dirty="0"/>
-              <a:t>compared to other Boeing models.</a:t>
+              <a:rPr lang="en-US" sz="1500" dirty="0"/>
+              <a:t>2. The 777 and 747 models have the lowest destroyed percentage</a:t>
             </a:r>
           </a:p>
           <a:p>
@@ -15268,12 +15194,8 @@
               <a:buNone/>
             </a:pPr>
             <a:r>
-              <a:rPr lang="en-US" dirty="0"/>
-              <a:t>3. </a:t>
-            </a:r>
-            <a:r>
-              <a:rPr lang="en-US" b="1" dirty="0"/>
-              <a:t>Turbo Fan and Jet engines have the lowest destroyed percentage damage</a:t>
+              <a:rPr lang="en-US" sz="1500" dirty="0"/>
+              <a:t>3. Turbo Fan and Jet engines have the lowest destroyed percentage damage</a:t>
             </a:r>
           </a:p>
           <a:p>
@@ -15281,12 +15203,8 @@
               <a:buNone/>
             </a:pPr>
             <a:r>
-              <a:rPr lang="en-US" dirty="0"/>
-              <a:t>4</a:t>
-            </a:r>
-            <a:r>
-              <a:rPr lang="en-US" b="1" dirty="0"/>
-              <a:t>. Planes with 3-4 engines have the lowest percentage of destroyed / substantial damage.</a:t>
+              <a:rPr lang="en-US" sz="1500" dirty="0"/>
+              <a:t>4. Planes with 3-4 engines have the lowest percentage of destroyed / substantial damage</a:t>
             </a:r>
           </a:p>
         </p:txBody>
@@ -15294,18 +15212,13 @@
     </p:spTree>
     <p:extLst>
       <p:ext uri="{BB962C8B-B14F-4D97-AF65-F5344CB8AC3E}">
-        <p14:creationId xmlns:p14="http://schemas.microsoft.com/office/powerpoint/2010/main" val="2727117123"/>
+        <p14:creationId xmlns:p14="http://schemas.microsoft.com/office/powerpoint/2010/main" val="1395306844"/>
       </p:ext>
     </p:extLst>
   </p:cSld>
   <p:clrMapOvr>
     <a:masterClrMapping/>
   </p:clrMapOvr>
-  <p:extLst>
-    <p:ext uri="{6950BFC3-D8DA-4A85-94F7-54DA5524770B}">
-      <p188:commentRel xmlns:p188="http://schemas.microsoft.com/office/powerpoint/2018/8/main" r:id="rId2"/>
-    </p:ext>
-  </p:extLst>
 </p:sld>
 </file>
 

--- a/phase_1_aviation_analysis.pptx
+++ b/phase_1_aviation_analysis.pptx
@@ -141,7 +141,7 @@
   <pc:docChgLst>
     <pc:chgData name="Alec Schonfeld" userId="908fa86f43668255" providerId="LiveId" clId="{0B72539E-5457-4219-896F-DC47866D527C}"/>
     <pc:docChg chg="undo custSel addSld delSld modSld sldOrd">
-      <pc:chgData name="Alec Schonfeld" userId="908fa86f43668255" providerId="LiveId" clId="{0B72539E-5457-4219-896F-DC47866D527C}" dt="2024-05-22T02:05:57.311" v="1424" actId="14100"/>
+      <pc:chgData name="Alec Schonfeld" userId="908fa86f43668255" providerId="LiveId" clId="{0B72539E-5457-4219-896F-DC47866D527C}" dt="2024-05-22T02:07:54.352" v="1428"/>
       <pc:docMkLst>
         <pc:docMk/>
       </pc:docMkLst>
@@ -160,8 +160,8 @@
           </ac:spMkLst>
         </pc:spChg>
       </pc:sldChg>
-      <pc:sldChg chg="addSp delSp modSp mod addCm">
-        <pc:chgData name="Alec Schonfeld" userId="908fa86f43668255" providerId="LiveId" clId="{0B72539E-5457-4219-896F-DC47866D527C}" dt="2024-05-22T01:54:43.678" v="1165" actId="14100"/>
+      <pc:sldChg chg="addSp delSp modSp mod addCm delCm modCm">
+        <pc:chgData name="Alec Schonfeld" userId="908fa86f43668255" providerId="LiveId" clId="{0B72539E-5457-4219-896F-DC47866D527C}" dt="2024-05-22T02:07:54.352" v="1428"/>
         <pc:sldMkLst>
           <pc:docMk/>
           <pc:sldMk cId="2294058430" sldId="258"/>
@@ -208,8 +208,8 @@
         </pc:picChg>
         <pc:extLst>
           <p:ext xmlns:p="http://schemas.openxmlformats.org/presentationml/2006/main" uri="{D6D511B9-2390-475A-947B-AFAB55BFBCF1}">
-            <pc226:cmChg xmlns:pc226="http://schemas.microsoft.com/office/powerpoint/2022/06/main/command" chg="add">
-              <pc226:chgData name="Alec Schonfeld" userId="908fa86f43668255" providerId="LiveId" clId="{0B72539E-5457-4219-896F-DC47866D527C}" dt="2024-05-17T18:17:06.451" v="286"/>
+            <pc226:cmChg xmlns:pc226="http://schemas.microsoft.com/office/powerpoint/2022/06/main/command" chg="add del mod">
+              <pc226:chgData name="Alec Schonfeld" userId="908fa86f43668255" providerId="LiveId" clId="{0B72539E-5457-4219-896F-DC47866D527C}" dt="2024-05-22T02:07:54.352" v="1428"/>
               <pc2:cmMkLst xmlns:pc2="http://schemas.microsoft.com/office/powerpoint/2019/9/main/command">
                 <pc:docMk/>
                 <pc:sldMk cId="2294058430" sldId="258"/>
@@ -219,8 +219,8 @@
           </p:ext>
         </pc:extLst>
       </pc:sldChg>
-      <pc:sldChg chg="modSp mod addCm">
-        <pc:chgData name="Alec Schonfeld" userId="908fa86f43668255" providerId="LiveId" clId="{0B72539E-5457-4219-896F-DC47866D527C}" dt="2024-05-22T02:05:57.311" v="1424" actId="14100"/>
+      <pc:sldChg chg="modSp mod addCm delCm modCm">
+        <pc:chgData name="Alec Schonfeld" userId="908fa86f43668255" providerId="LiveId" clId="{0B72539E-5457-4219-896F-DC47866D527C}" dt="2024-05-22T02:07:51.320" v="1427"/>
         <pc:sldMkLst>
           <pc:docMk/>
           <pc:sldMk cId="1403301575" sldId="259"/>
@@ -235,8 +235,8 @@
         </pc:graphicFrameChg>
         <pc:extLst>
           <p:ext xmlns:p="http://schemas.openxmlformats.org/presentationml/2006/main" uri="{D6D511B9-2390-475A-947B-AFAB55BFBCF1}">
-            <pc226:cmChg xmlns:pc226="http://schemas.microsoft.com/office/powerpoint/2022/06/main/command" chg="add">
-              <pc226:chgData name="Alec Schonfeld" userId="908fa86f43668255" providerId="LiveId" clId="{0B72539E-5457-4219-896F-DC47866D527C}" dt="2024-05-17T18:19:13.663" v="291"/>
+            <pc226:cmChg xmlns:pc226="http://schemas.microsoft.com/office/powerpoint/2022/06/main/command" chg="add del mod">
+              <pc226:chgData name="Alec Schonfeld" userId="908fa86f43668255" providerId="LiveId" clId="{0B72539E-5457-4219-896F-DC47866D527C}" dt="2024-05-22T02:07:51.320" v="1427"/>
               <pc2:cmMkLst xmlns:pc2="http://schemas.microsoft.com/office/powerpoint/2019/9/main/command">
                 <pc:docMk/>
                 <pc:sldMk cId="1403301575" sldId="259"/>
@@ -1201,50 +1201,6 @@
 </pc:chgInfo>
 </file>
 
-<file path=ppt/comments/modernComment_102_88BC8DBE.xml><?xml version="1.0" encoding="utf-8"?>
-<p188:cmLst xmlns:a="http://schemas.openxmlformats.org/drawingml/2006/main" xmlns:r="http://schemas.openxmlformats.org/officeDocument/2006/relationships" xmlns:p188="http://schemas.microsoft.com/office/powerpoint/2018/8/main">
-  <p188:cm id="{84FBDB2B-73DD-4E67-BEAB-55B256BF3BA5}" authorId="{28A384FF-5A1F-35EE-7675-D02B3B776D6F}" created="2024-05-17T18:17:06.380">
-    <ac:deMkLst xmlns:ac="http://schemas.microsoft.com/office/drawing/2013/main/command">
-      <pc:docMk xmlns:pc="http://schemas.microsoft.com/office/powerpoint/2013/main/command"/>
-      <pc:sldMk xmlns:pc="http://schemas.microsoft.com/office/powerpoint/2013/main/command" cId="2294058430" sldId="258"/>
-      <ac:spMk id="6" creationId="{3086C438-DC41-218B-CABD-7ECCE34E32ED}"/>
-    </ac:deMkLst>
-    <p188:txBody>
-      <a:bodyPr/>
-      <a:lstStyle/>
-      <a:p>
-        <a:r>
-          <a:rPr lang="en-US"/>
-          <a:t>Condense overview with short form insightful bullets</a:t>
-        </a:r>
-      </a:p>
-    </p188:txBody>
-  </p188:cm>
-</p188:cmLst>
-</file>
-
-<file path=ppt/comments/modernComment_103_53A4AEC7.xml><?xml version="1.0" encoding="utf-8"?>
-<p188:cmLst xmlns:a="http://schemas.openxmlformats.org/drawingml/2006/main" xmlns:r="http://schemas.openxmlformats.org/officeDocument/2006/relationships" xmlns:p188="http://schemas.microsoft.com/office/powerpoint/2018/8/main">
-  <p188:cm id="{94E50789-5F4C-42B0-84F7-8FCD8A44CC88}" authorId="{28A384FF-5A1F-35EE-7675-D02B3B776D6F}" created="2024-05-17T18:19:13.570">
-    <ac:deMkLst xmlns:ac="http://schemas.microsoft.com/office/drawing/2013/main/command">
-      <pc:docMk xmlns:pc="http://schemas.microsoft.com/office/powerpoint/2013/main/command"/>
-      <pc:sldMk xmlns:pc="http://schemas.microsoft.com/office/powerpoint/2013/main/command" cId="1403301575" sldId="259"/>
-      <ac:graphicFrameMk id="4" creationId="{1911836A-AAE2-57CF-5E68-40305B5CFD2F}"/>
-    </ac:deMkLst>
-    <p188:txBody>
-      <a:bodyPr/>
-      <a:lstStyle/>
-      <a:p>
-        <a:r>
-          <a:rPr lang="en-US"/>
-          <a:t>Improve visualization and condense text</a:t>
-        </a:r>
-      </a:p>
-    </p188:txBody>
-  </p188:cm>
-</p188:cmLst>
-</file>
-
 <file path=ppt/slideLayouts/slideLayout1.xml><?xml version="1.0" encoding="utf-8"?>
 <p:sldLayout xmlns:a="http://schemas.openxmlformats.org/drawingml/2006/main" xmlns:r="http://schemas.openxmlformats.org/officeDocument/2006/relationships" xmlns:p="http://schemas.openxmlformats.org/presentationml/2006/main" type="title" preserve="1">
   <p:cSld name="Title Slide">
@@ -12959,7 +12915,7 @@
           <p:nvPr/>
         </p:nvPicPr>
         <p:blipFill>
-          <a:blip r:embed="rId3">
+          <a:blip r:embed="rId2">
             <a:extLst>
               <a:ext uri="{28A0092B-C50C-407E-A947-70E740481C1C}">
                 <a14:useLocalDpi xmlns:a14="http://schemas.microsoft.com/office/drawing/2010/main" val="0"/>
@@ -13055,11 +13011,6 @@
   <p:clrMapOvr>
     <a:masterClrMapping/>
   </p:clrMapOvr>
-  <p:extLst>
-    <p:ext uri="{6950BFC3-D8DA-4A85-94F7-54DA5524770B}">
-      <p188:commentRel xmlns:p188="http://schemas.microsoft.com/office/powerpoint/2018/8/main" r:id="rId2"/>
-    </p:ext>
-  </p:extLst>
 </p:sld>
 </file>
 
@@ -13514,11 +13465,6 @@
   <p:clrMapOvr>
     <a:masterClrMapping/>
   </p:clrMapOvr>
-  <p:extLst>
-    <p:ext uri="{6950BFC3-D8DA-4A85-94F7-54DA5524770B}">
-      <p188:commentRel xmlns:p188="http://schemas.microsoft.com/office/powerpoint/2018/8/main" r:id="rId2"/>
-    </p:ext>
-  </p:extLst>
 </p:sld>
 </file>
 
